--- a/units/11/lessons/3/resources/petascale-lesson-11.3-slides.pptx
+++ b/units/11/lessons/3/resources/petascale-lesson-11.3-slides.pptx
@@ -19,6 +19,7 @@
     <p:sldId id="264" r:id="rId14"/>
     <p:sldId id="265" r:id="rId15"/>
     <p:sldId id="266" r:id="rId16"/>
+    <p:sldId id="267" r:id="rId17"/>
   </p:sldIdLst>
   <p:sldSz cy="5143500" cx="9144000"/>
   <p:notesSz cx="6858000" cy="9144000"/>
@@ -814,7 +815,7 @@
       </p:grpSpPr>
       <p:sp>
         <p:nvSpPr>
-          <p:cNvPr id="107" name="Google Shape;107;g8cec1572f1_1_14:notes"/>
+          <p:cNvPr id="107" name="Google Shape;107;g8cec1572f1_1_6:notes"/>
           <p:cNvSpPr/>
           <p:nvPr>
             <p:ph idx="2" type="sldImg"/>
@@ -849,7 +850,7 @@
       </p:sp>
       <p:sp>
         <p:nvSpPr>
-          <p:cNvPr id="108" name="Google Shape;108;g8cec1572f1_1_14:notes"/>
+          <p:cNvPr id="108" name="Google Shape;108;g8cec1572f1_1_6:notes"/>
           <p:cNvSpPr txBox="1"/>
           <p:nvPr>
             <p:ph idx="1" type="body"/>
@@ -913,7 +914,7 @@
       </p:grpSpPr>
       <p:sp>
         <p:nvSpPr>
-          <p:cNvPr id="113" name="Google Shape;113;g8cec1572f1_1_20:notes"/>
+          <p:cNvPr id="113" name="Google Shape;113;g8cec1572f1_1_14:notes"/>
           <p:cNvSpPr/>
           <p:nvPr>
             <p:ph idx="2" type="sldImg"/>
@@ -948,7 +949,106 @@
       </p:sp>
       <p:sp>
         <p:nvSpPr>
-          <p:cNvPr id="114" name="Google Shape;114;g8cec1572f1_1_20:notes"/>
+          <p:cNvPr id="114" name="Google Shape;114;g8cec1572f1_1_14:notes"/>
+          <p:cNvSpPr txBox="1"/>
+          <p:nvPr>
+            <p:ph idx="1" type="body"/>
+          </p:nvPr>
+        </p:nvSpPr>
+        <p:spPr>
+          <a:xfrm>
+            <a:off x="685800" y="4343400"/>
+            <a:ext cx="5486400" cy="4114800"/>
+          </a:xfrm>
+          <a:prstGeom prst="rect">
+            <a:avLst/>
+          </a:prstGeom>
+        </p:spPr>
+        <p:txBody>
+          <a:bodyPr anchorCtr="0" anchor="t" bIns="91425" lIns="91425" spcFirstLastPara="1" rIns="91425" wrap="square" tIns="91425">
+            <a:noAutofit/>
+          </a:bodyPr>
+          <a:lstStyle/>
+          <a:p>
+            <a:pPr indent="0" lvl="0" marL="0" rtl="0" algn="l">
+              <a:spcBef>
+                <a:spcPts val="0"/>
+              </a:spcBef>
+              <a:spcAft>
+                <a:spcPts val="0"/>
+              </a:spcAft>
+              <a:buNone/>
+            </a:pPr>
+            <a:r>
+              <a:t/>
+            </a:r>
+            <a:endParaRPr/>
+          </a:p>
+        </p:txBody>
+      </p:sp>
+    </p:spTree>
+  </p:cSld>
+  <p:clrMapOvr>
+    <a:masterClrMapping/>
+  </p:clrMapOvr>
+</p:notes>
+</file>
+
+<file path=ppt/notesSlides/notesSlide12.xml><?xml version="1.0" encoding="utf-8"?>
+<p:notes xmlns:a="http://schemas.openxmlformats.org/drawingml/2006/main" xmlns:r="http://schemas.openxmlformats.org/officeDocument/2006/relationships" xmlns:mc="http://schemas.openxmlformats.org/markup-compatibility/2006" xmlns:mv="urn:schemas-microsoft-com:mac:vml" xmlns:p="http://schemas.openxmlformats.org/presentationml/2006/main" xmlns:c="http://schemas.openxmlformats.org/drawingml/2006/chart" xmlns:dgm="http://schemas.openxmlformats.org/drawingml/2006/diagram" xmlns:o="urn:schemas-microsoft-com:office:office" xmlns:v="urn:schemas-microsoft-com:vml" xmlns:pvml="urn:schemas-microsoft-com:office:powerpoint" xmlns:com="http://schemas.openxmlformats.org/drawingml/2006/compatibility" xmlns:p14="http://schemas.microsoft.com/office/powerpoint/2010/main" xmlns:p15="http://schemas.microsoft.com/office/powerpoint/2012/main" xmlns:ahyp="http://schemas.microsoft.com/office/drawing/2018/hyperlinkcolor" showMasterPhAnim="0" showMasterSp="0">
+  <p:cSld>
+    <p:spTree>
+      <p:nvGrpSpPr>
+        <p:cNvPr id="118" name="Shape 118"/>
+        <p:cNvGrpSpPr/>
+        <p:nvPr/>
+      </p:nvGrpSpPr>
+      <p:grpSpPr>
+        <a:xfrm>
+          <a:off x="0" y="0"/>
+          <a:ext cx="0" cy="0"/>
+          <a:chOff x="0" y="0"/>
+          <a:chExt cx="0" cy="0"/>
+        </a:xfrm>
+      </p:grpSpPr>
+      <p:sp>
+        <p:nvSpPr>
+          <p:cNvPr id="119" name="Google Shape;119;g8cec1572f1_1_20:notes"/>
+          <p:cNvSpPr/>
+          <p:nvPr>
+            <p:ph idx="2" type="sldImg"/>
+          </p:nvPr>
+        </p:nvSpPr>
+        <p:spPr>
+          <a:xfrm>
+            <a:off x="381300" y="685800"/>
+            <a:ext cx="6096000" cy="3429000"/>
+          </a:xfrm>
+          <a:custGeom>
+            <a:rect b="b" l="l" r="r" t="t"/>
+            <a:pathLst>
+              <a:path extrusionOk="0" h="120000" w="120000">
+                <a:moveTo>
+                  <a:pt x="0" y="0"/>
+                </a:moveTo>
+                <a:lnTo>
+                  <a:pt x="120000" y="0"/>
+                </a:lnTo>
+                <a:lnTo>
+                  <a:pt x="120000" y="120000"/>
+                </a:lnTo>
+                <a:lnTo>
+                  <a:pt x="0" y="120000"/>
+                </a:lnTo>
+                <a:close/>
+              </a:path>
+            </a:pathLst>
+          </a:custGeom>
+        </p:spPr>
+      </p:sp>
+      <p:sp>
+        <p:nvSpPr>
+          <p:cNvPr id="120" name="Google Shape;120;g8cec1572f1_1_20:notes"/>
           <p:cNvSpPr txBox="1"/>
           <p:nvPr>
             <p:ph idx="1" type="body"/>
@@ -1705,7 +1805,7 @@
       </p:grpSpPr>
       <p:sp>
         <p:nvSpPr>
-          <p:cNvPr id="101" name="Google Shape;101;g8cec1572f1_1_6:notes"/>
+          <p:cNvPr id="101" name="Google Shape;101;g8ecb716fee_0_0:notes"/>
           <p:cNvSpPr/>
           <p:nvPr>
             <p:ph idx="2" type="sldImg"/>
@@ -1740,7 +1840,7 @@
       </p:sp>
       <p:sp>
         <p:nvSpPr>
-          <p:cNvPr id="102" name="Google Shape;102;g8cec1572f1_1_6:notes"/>
+          <p:cNvPr id="102" name="Google Shape;102;g8ecb716fee_0_0:notes"/>
           <p:cNvSpPr txBox="1"/>
           <p:nvPr>
             <p:ph idx="1" type="body"/>
@@ -6617,7 +6717,7 @@
             </a:pPr>
             <a:r>
               <a:rPr lang="en"/>
-              <a:t>PLUTO Activities</a:t>
+              <a:t>The PLUTO Code for Astrophysical Gas Dynamics</a:t>
             </a:r>
             <a:endParaRPr/>
           </a:p>
@@ -6657,59 +6757,39 @@
             </a:pPr>
             <a:r>
               <a:rPr lang="en"/>
-              <a:t>To explore fluid dynamics, the rest of this lesson will ask students to complete two activities. Each will take approximately 30 minutes.</a:t>
+              <a:t>Let’s fast forward to 2020. In the next two lessons, we will use a publicly available code to simulate fluid dynamical simulations and visualize and analyze those simulations in VisIt.</a:t>
             </a:r>
             <a:endParaRPr/>
           </a:p>
           <a:p>
-            <a:pPr indent="-342900" lvl="0" marL="457200" rtl="0" algn="l">
+            <a:pPr indent="0" lvl="0" marL="0" rtl="0" algn="l">
               <a:spcBef>
                 <a:spcPts val="1600"/>
               </a:spcBef>
               <a:spcAft>
                 <a:spcPts val="0"/>
               </a:spcAft>
-              <a:buSzPts val="1800"/>
-              <a:buAutoNum type="arabicPeriod"/>
+              <a:buNone/>
             </a:pPr>
             <a:r>
               <a:rPr lang="en"/>
-              <a:t>Download and install PLUTO. Run a first MPI simulation: </a:t>
-            </a:r>
-            <a:r>
-              <a:rPr lang="en" u="sng">
-                <a:solidFill>
-                  <a:schemeClr val="hlink"/>
-                </a:solidFill>
-                <a:hlinkClick r:id="rId3"/>
-              </a:rPr>
-              <a:t>11.3 Activity 1</a:t>
+              <a:t>PLUTO is freely-distributed software for the numerical solution of mixed hyperbolic/parabolic systems of partial differential equations (conservation laws) targeting supersonic flows in astrophysical fluid dynamics.</a:t>
             </a:r>
             <a:endParaRPr/>
           </a:p>
           <a:p>
-            <a:pPr indent="-342900" lvl="0" marL="457200" rtl="0" algn="l">
-              <a:spcBef>
-                <a:spcPts val="0"/>
-              </a:spcBef>
-              <a:spcAft>
-                <a:spcPts val="0"/>
-              </a:spcAft>
-              <a:buSzPts val="1800"/>
-              <a:buAutoNum type="arabicPeriod"/>
+            <a:pPr indent="0" lvl="0" marL="0" rtl="0" algn="l">
+              <a:spcBef>
+                <a:spcPts val="1600"/>
+              </a:spcBef>
+              <a:spcAft>
+                <a:spcPts val="1600"/>
+              </a:spcAft>
+              <a:buNone/>
             </a:pPr>
             <a:r>
               <a:rPr lang="en"/>
-              <a:t>Run a Rayleigh-Taylor instability simulation in 2D: </a:t>
-            </a:r>
-            <a:r>
-              <a:rPr lang="en" u="sng">
-                <a:solidFill>
-                  <a:schemeClr val="hlink"/>
-                </a:solidFill>
-                <a:hlinkClick r:id="rId4"/>
-              </a:rPr>
-              <a:t>11.3 Activity 2</a:t>
+              <a:t>PLUTO is a finite volume code: it averages physical quantities like density and velocity within a volume element inside a mesh (and defines electric and magnetic fields and other variables) at the faces and sides of each volume element.</a:t>
             </a:r>
             <a:endParaRPr/>
           </a:p>
@@ -6774,7 +6854,7 @@
             </a:pPr>
             <a:r>
               <a:rPr lang="en"/>
-              <a:t>Further Reading</a:t>
+              <a:t>PLUTO Activities</a:t>
             </a:r>
             <a:endParaRPr/>
           </a:p>
@@ -6783,6 +6863,167 @@
       <p:sp>
         <p:nvSpPr>
           <p:cNvPr id="117" name="Google Shape;117;p23"/>
+          <p:cNvSpPr txBox="1"/>
+          <p:nvPr>
+            <p:ph idx="1" type="body"/>
+          </p:nvPr>
+        </p:nvSpPr>
+        <p:spPr>
+          <a:xfrm>
+            <a:off x="311700" y="1152475"/>
+            <a:ext cx="8520600" cy="3416400"/>
+          </a:xfrm>
+          <a:prstGeom prst="rect">
+            <a:avLst/>
+          </a:prstGeom>
+        </p:spPr>
+        <p:txBody>
+          <a:bodyPr anchorCtr="0" anchor="t" bIns="91425" lIns="91425" spcFirstLastPara="1" rIns="91425" wrap="square" tIns="91425">
+            <a:noAutofit/>
+          </a:bodyPr>
+          <a:lstStyle/>
+          <a:p>
+            <a:pPr indent="0" lvl="0" marL="0" rtl="0" algn="l">
+              <a:spcBef>
+                <a:spcPts val="0"/>
+              </a:spcBef>
+              <a:spcAft>
+                <a:spcPts val="0"/>
+              </a:spcAft>
+              <a:buNone/>
+            </a:pPr>
+            <a:r>
+              <a:rPr lang="en"/>
+              <a:t>To explore fluid dynamics, the rest of this lesson will ask students to complete two activities. Each will take approximately 30 minutes.</a:t>
+            </a:r>
+            <a:endParaRPr/>
+          </a:p>
+          <a:p>
+            <a:pPr indent="-342900" lvl="0" marL="457200" rtl="0" algn="l">
+              <a:spcBef>
+                <a:spcPts val="1600"/>
+              </a:spcBef>
+              <a:spcAft>
+                <a:spcPts val="0"/>
+              </a:spcAft>
+              <a:buSzPts val="1800"/>
+              <a:buAutoNum type="arabicPeriod"/>
+            </a:pPr>
+            <a:r>
+              <a:rPr lang="en"/>
+              <a:t>Review </a:t>
+            </a:r>
+            <a:r>
+              <a:rPr lang="en" u="sng">
+                <a:solidFill>
+                  <a:schemeClr val="hlink"/>
+                </a:solidFill>
+                <a:hlinkClick r:id="rId3"/>
+              </a:rPr>
+              <a:t>Submitting Jobs and Running Programs</a:t>
+            </a:r>
+            <a:r>
+              <a:rPr lang="en"/>
+              <a:t> on Blue Waters</a:t>
+            </a:r>
+            <a:endParaRPr/>
+          </a:p>
+          <a:p>
+            <a:pPr indent="-342900" lvl="0" marL="457200" rtl="0" algn="l">
+              <a:spcBef>
+                <a:spcPts val="0"/>
+              </a:spcBef>
+              <a:spcAft>
+                <a:spcPts val="0"/>
+              </a:spcAft>
+              <a:buSzPts val="1800"/>
+              <a:buAutoNum type="arabicPeriod"/>
+            </a:pPr>
+            <a:r>
+              <a:rPr lang="en"/>
+              <a:t>Download and install PLUTO. Run a first MPI simulation: </a:t>
+            </a:r>
+            <a:r>
+              <a:rPr lang="en" u="sng">
+                <a:solidFill>
+                  <a:schemeClr val="hlink"/>
+                </a:solidFill>
+                <a:hlinkClick r:id="rId4"/>
+              </a:rPr>
+              <a:t>11.3 Activity 1</a:t>
+            </a:r>
+            <a:endParaRPr/>
+          </a:p>
+        </p:txBody>
+      </p:sp>
+    </p:spTree>
+  </p:cSld>
+  <p:clrMapOvr>
+    <a:masterClrMapping/>
+  </p:clrMapOvr>
+</p:sld>
+</file>
+
+<file path=ppt/slides/slide12.xml><?xml version="1.0" encoding="utf-8"?>
+<p:sld xmlns:a="http://schemas.openxmlformats.org/drawingml/2006/main" xmlns:r="http://schemas.openxmlformats.org/officeDocument/2006/relationships" xmlns:mc="http://schemas.openxmlformats.org/markup-compatibility/2006" xmlns:mv="urn:schemas-microsoft-com:mac:vml" xmlns:p="http://schemas.openxmlformats.org/presentationml/2006/main" xmlns:c="http://schemas.openxmlformats.org/drawingml/2006/chart" xmlns:dgm="http://schemas.openxmlformats.org/drawingml/2006/diagram" xmlns:o="urn:schemas-microsoft-com:office:office" xmlns:v="urn:schemas-microsoft-com:vml" xmlns:pvml="urn:schemas-microsoft-com:office:powerpoint" xmlns:com="http://schemas.openxmlformats.org/drawingml/2006/compatibility" xmlns:p14="http://schemas.microsoft.com/office/powerpoint/2010/main" xmlns:p15="http://schemas.microsoft.com/office/powerpoint/2012/main" xmlns:ahyp="http://schemas.microsoft.com/office/drawing/2018/hyperlinkcolor">
+  <p:cSld>
+    <p:spTree>
+      <p:nvGrpSpPr>
+        <p:cNvPr id="121" name="Shape 121"/>
+        <p:cNvGrpSpPr/>
+        <p:nvPr/>
+      </p:nvGrpSpPr>
+      <p:grpSpPr>
+        <a:xfrm>
+          <a:off x="0" y="0"/>
+          <a:ext cx="0" cy="0"/>
+          <a:chOff x="0" y="0"/>
+          <a:chExt cx="0" cy="0"/>
+        </a:xfrm>
+      </p:grpSpPr>
+      <p:sp>
+        <p:nvSpPr>
+          <p:cNvPr id="122" name="Google Shape;122;p24"/>
+          <p:cNvSpPr txBox="1"/>
+          <p:nvPr>
+            <p:ph type="title"/>
+          </p:nvPr>
+        </p:nvSpPr>
+        <p:spPr>
+          <a:xfrm>
+            <a:off x="311700" y="445025"/>
+            <a:ext cx="8520600" cy="572700"/>
+          </a:xfrm>
+          <a:prstGeom prst="rect">
+            <a:avLst/>
+          </a:prstGeom>
+        </p:spPr>
+        <p:txBody>
+          <a:bodyPr anchorCtr="0" anchor="t" bIns="91425" lIns="91425" spcFirstLastPara="1" rIns="91425" wrap="square" tIns="91425">
+            <a:noAutofit/>
+          </a:bodyPr>
+          <a:lstStyle/>
+          <a:p>
+            <a:pPr indent="0" lvl="0" marL="0" rtl="0" algn="l">
+              <a:spcBef>
+                <a:spcPts val="0"/>
+              </a:spcBef>
+              <a:spcAft>
+                <a:spcPts val="0"/>
+              </a:spcAft>
+              <a:buNone/>
+            </a:pPr>
+            <a:r>
+              <a:rPr lang="en"/>
+              <a:t>Further Reading</a:t>
+            </a:r>
+            <a:endParaRPr/>
+          </a:p>
+        </p:txBody>
+      </p:sp>
+      <p:sp>
+        <p:nvSpPr>
+          <p:cNvPr id="123" name="Google Shape;123;p24"/>
           <p:cNvSpPr txBox="1"/>
           <p:nvPr>
             <p:ph idx="1" type="body"/>
@@ -7236,6 +7477,9 @@
               <a:rPr lang="en" sz="1600"/>
               <a:t>).</a:t>
             </a:r>
+            <a:br>
+              <a:rPr lang="en" sz="1600"/>
+            </a:br>
             <a:endParaRPr sz="1600"/>
           </a:p>
           <a:p>
@@ -7249,9 +7493,6 @@
               <a:buSzPts val="1600"/>
               <a:buChar char="●"/>
             </a:pPr>
-            <a:br>
-              <a:rPr lang="en" sz="1600"/>
-            </a:br>
             <a:r>
               <a:rPr lang="en" sz="1600"/>
               <a:t>If the length scale is </a:t>
@@ -7380,7 +7621,7 @@
             </a:r>
             <a:r>
               <a:rPr lang="en"/>
-              <a:t>𝑣</a:t>
+              <a:t>𝑤</a:t>
             </a:r>
             <a:r>
               <a:rPr lang="en"/>
@@ -7409,7 +7650,7 @@
             </a:pPr>
             <a:r>
               <a:rPr lang="en"/>
-              <a:t>What is this characteristic speed? If the system is in equilibrium, then the velocities of the particles are given by the Maxwell-Boltzmann distribution. We won’t concern ourselves with details. For now, let’s say that the velocity distribution is a bell curve centered around the average velocity 𝑤, characterized by the temperature 𝑇.</a:t>
+              <a:t>What is this characteristic speed? If the system is in equilibrium, then the velocities of the particles are given by the Maxwell-Boltzmann distribution. We won’t concern ourselves with details. For now, let’s say that the velocity distribution is a bell curve centered around the average velocity 𝑤, characterized by a temperature 𝑇.</a:t>
             </a:r>
             <a:endParaRPr/>
           </a:p>
@@ -7519,14 +7760,7 @@
             </a:r>
             <a:r>
               <a:rPr lang="en" sz="1600"/>
-              <a:t>𝑇 and number density 𝑛. If we can determine the average mass of the particles, which we’ll call 𝜇, then the mass density:</a:t>
-            </a:r>
-            <a:br>
-              <a:rPr lang="en" sz="1600"/>
-            </a:br>
-            <a:r>
-              <a:rPr lang="en" sz="1600"/>
-              <a:t>𝜌 = 𝜇𝑛 and the pressure of the ideal gas is: 𝑃 = 𝑛𝑅𝑇 = 𝜌𝑅𝑇 / 𝜇. 𝑅 is the gas constant from your high-school chemistry class.</a:t>
+              <a:t>𝑇 and number density 𝑛. If we can determine the average mass of the particles, which we’ll call 𝜇, the mean molecular mass, then the mass density is 𝜌 = 𝜇𝑛 and the pressure of the ideal gas is 𝑃 = 𝑛𝑅𝑇 = 𝜌𝑅𝑇 / 𝜇. 𝑅 is the gas constant from your high-school chemistry class.</a:t>
             </a:r>
             <a:br>
               <a:rPr lang="en" sz="1600"/>
@@ -7546,7 +7780,7 @@
             </a:pPr>
             <a:r>
               <a:rPr lang="en" sz="1600"/>
-              <a:t>The pressure is a measure of the force per unit area - think of the force a warm gas exerts on the wall of a container. But the pressure is also directly related to the energy density - the amount of internal energy in the gas per unit volume. The exact scaling between internal energy and pressure depends on the nature of the ideal gas, and the thermodynamics process being considered (isobaric, isothermal, adiabatic, etc.)</a:t>
+              <a:t>The pressure is a measure of the force per unit area - think of the force a warm gas exerts on the wall of a container. But the pressure is also directly related to the energy density - the amount of internal energy in the gas per unit volume. The exact scaling between internal energy and pressure depends on the nature of the ideal gas, and the thermodynamic process being considered (isobaric, isothermal, adiabatic, etc.)</a:t>
             </a:r>
             <a:endParaRPr sz="1600"/>
           </a:p>
@@ -7953,7 +8187,7 @@
             </a:pPr>
             <a:r>
               <a:rPr lang="en" sz="1600"/>
-              <a:t> The energy equation (accounts for energy)</a:t>
+              <a:t>The energy equation (accounts for energy)</a:t>
             </a:r>
             <a:endParaRPr sz="1600"/>
           </a:p>
@@ -8047,6 +8281,26 @@
           </a:bodyPr>
           <a:lstStyle/>
           <a:p>
+            <a:pPr indent="-330200" lvl="0" marL="457200" rtl="0" algn="l">
+              <a:spcBef>
+                <a:spcPts val="0"/>
+              </a:spcBef>
+              <a:spcAft>
+                <a:spcPts val="0"/>
+              </a:spcAft>
+              <a:buSzPts val="1600"/>
+              <a:buChar char="●"/>
+            </a:pPr>
+            <a:r>
+              <a:rPr lang="en" sz="1600"/>
+              <a:t>Historically, this problem was first formalized by Leonhard Euler in 1757 by ignoring the effects of fluid viscosity and thermal conductivity. The resulting PDEs are now known as the Euler Equations.</a:t>
+            </a:r>
+            <a:br>
+              <a:rPr lang="en" sz="1600"/>
+            </a:br>
+            <a:endParaRPr sz="1600"/>
+          </a:p>
+          <a:p>
             <a:pPr indent="-323850" lvl="0" marL="457200" rtl="0" algn="l">
               <a:spcBef>
                 <a:spcPts val="0"/>
@@ -8058,61 +8312,24 @@
               <a:buChar char="●"/>
             </a:pPr>
             <a:r>
-              <a:rPr lang="en" sz="1500"/>
-              <a:t>Historically, this problem was first formalized by Leonhard Euler in 1757 by ignoring the effects of fluid viscosity and thermal conductivity. The PDEs are now known as the Euler Equations.</a:t>
+              <a:rPr lang="en" sz="1600"/>
+              <a:t>In 1823, Claude-Louis Navier published a memoir on the motions of fluids which could account for friction (dissipation of energy) in fluids by using Laplace’s newly formulated idea of molecular forces. Those equations were formalized as PDEs and are now known as the Navier-Stokes equations. The Euler equations are a </a:t>
+            </a:r>
+            <a:r>
+              <a:rPr lang="en" sz="1600"/>
+              <a:t>specific</a:t>
+            </a:r>
+            <a:r>
+              <a:rPr lang="en" sz="1600"/>
+              <a:t> case of the </a:t>
+            </a:r>
+            <a:r>
+              <a:rPr lang="en" sz="1600"/>
+              <a:t>Navier-Stokes equations. The enterprise of fluid dynamics has been to solve the Navier-Stokes equations with certain boundary conditions using a range of analytical and numerical techniques.</a:t>
             </a:r>
             <a:br>
               <a:rPr lang="en" sz="1500"/>
             </a:br>
-            <a:endParaRPr sz="1500"/>
-          </a:p>
-          <a:p>
-            <a:pPr indent="-323850" lvl="0" marL="457200" rtl="0" algn="l">
-              <a:spcBef>
-                <a:spcPts val="0"/>
-              </a:spcBef>
-              <a:spcAft>
-                <a:spcPts val="0"/>
-              </a:spcAft>
-              <a:buSzPts val="1500"/>
-              <a:buChar char="●"/>
-            </a:pPr>
-            <a:r>
-              <a:rPr lang="en" sz="1500"/>
-              <a:t>In 1823, Claude-Louis Navier published a memoir on the motions of fluids which could account for friction (dissipation of energy) in fluids by using Laplace’s newly formulated idea of molecular forces. Those equations were formalized as PDEs and are now known as the Navier-Stokes equations. The Euler equations are a </a:t>
-            </a:r>
-            <a:r>
-              <a:rPr lang="en" sz="1500"/>
-              <a:t>specific</a:t>
-            </a:r>
-            <a:r>
-              <a:rPr lang="en" sz="1500"/>
-              <a:t> case of the </a:t>
-            </a:r>
-            <a:r>
-              <a:rPr lang="en" sz="1500"/>
-              <a:t>Navier-Stokes equations. The enterprise of fluid dynamics has been to solve the Navier-Stokes equations with certain boundary conditions using a range of analytical and numerical techniques.</a:t>
-            </a:r>
-            <a:br>
-              <a:rPr lang="en" sz="1500"/>
-            </a:br>
-            <a:endParaRPr sz="1500"/>
-          </a:p>
-          <a:p>
-            <a:pPr indent="-323850" lvl="0" marL="457200" rtl="0" algn="l">
-              <a:spcBef>
-                <a:spcPts val="0"/>
-              </a:spcBef>
-              <a:spcAft>
-                <a:spcPts val="0"/>
-              </a:spcAft>
-              <a:buSzPts val="1500"/>
-              <a:buChar char="●"/>
-            </a:pPr>
-            <a:r>
-              <a:rPr lang="en" sz="1500"/>
-              <a:t>It’s interesting to note that there is no mathematical proof that solutions for the Navier-Stokes equations always exist.</a:t>
-            </a:r>
             <a:endParaRPr sz="1500"/>
           </a:p>
         </p:txBody>
@@ -8176,7 +8393,7 @@
             </a:pPr>
             <a:r>
               <a:rPr lang="en"/>
-              <a:t>The PLUTO Code for Astrophysical Gas Dynamics</a:t>
+              <a:t>Solving the Navier-Stokes Equations</a:t>
             </a:r>
             <a:endParaRPr/>
           </a:p>
@@ -8216,7 +8433,15 @@
             </a:pPr>
             <a:r>
               <a:rPr lang="en"/>
-              <a:t>Fast forward to 2020, in this lesson, we will use a publicly available code to simulate fluid dynamical simulations and visualize those simulations in VisIt.</a:t>
+              <a:t>Even though these equations were written down nearly 200 years ago, why they work, and whether they always work, is not known. One of the Clay Mathematics Institute </a:t>
+            </a:r>
+            <a:r>
+              <a:rPr lang="en"/>
+              <a:t>Millennium</a:t>
+            </a:r>
+            <a:r>
+              <a:rPr lang="en"/>
+              <a:t> Prizes is devoted to this very problem.</a:t>
             </a:r>
             <a:endParaRPr/>
           </a:p>
@@ -8232,7 +8457,7 @@
             </a:pPr>
             <a:r>
               <a:rPr lang="en"/>
-              <a:t>PLUTO is freely-distributed software for the numerical solution of mixed hyperbolic/parabolic systems of partial differential equations (conservation laws) targeting high Mach number flows in astrophysical fluid dynamics.</a:t>
+              <a:t>“The challenge is to make substantial progress toward a mathematical theory which will unlock the secrets hidden in the Navier-Stokes equations.”</a:t>
             </a:r>
             <a:endParaRPr/>
           </a:p>
@@ -8248,7 +8473,19 @@
             </a:pPr>
             <a:r>
               <a:rPr lang="en"/>
-              <a:t>PLUTO is a finite volume code: it averages physical quantities like density and velocity within a volume element inside a mesh (and defines electric and magnetic fields and other variables) at the faces and sides of each volume element.</a:t>
+              <a:t>For details:</a:t>
+            </a:r>
+            <a:br>
+              <a:rPr lang="en"/>
+            </a:br>
+            <a:r>
+              <a:rPr lang="en" u="sng">
+                <a:solidFill>
+                  <a:schemeClr val="hlink"/>
+                </a:solidFill>
+                <a:hlinkClick r:id="rId3"/>
+              </a:rPr>
+              <a:t>EXISTENCE AND SMOOTHNESS OF THE NAVIER–STOKES EQUATION</a:t>
             </a:r>
             <a:endParaRPr/>
           </a:p>

--- a/units/11/lessons/3/resources/petascale-lesson-11.3-slides.pptx
+++ b/units/11/lessons/3/resources/petascale-lesson-11.3-slides.pptx
@@ -1,30 +1,31 @@
 
 <file path=ppt/presentation.xml><?xml version="1.0" encoding="utf-8"?>
-<p:presentation xmlns:a="http://schemas.openxmlformats.org/drawingml/2006/main" xmlns:r="http://schemas.openxmlformats.org/officeDocument/2006/relationships" xmlns:mc="http://schemas.openxmlformats.org/markup-compatibility/2006" xmlns:mv="urn:schemas-microsoft-com:mac:vml" xmlns:p="http://schemas.openxmlformats.org/presentationml/2006/main" xmlns:c="http://schemas.openxmlformats.org/drawingml/2006/chart" xmlns:dgm="http://schemas.openxmlformats.org/drawingml/2006/diagram" xmlns:o="urn:schemas-microsoft-com:office:office" xmlns:v="urn:schemas-microsoft-com:vml" xmlns:pvml="urn:schemas-microsoft-com:office:powerpoint" xmlns:com="http://schemas.openxmlformats.org/drawingml/2006/compatibility" xmlns:p14="http://schemas.microsoft.com/office/powerpoint/2010/main" xmlns:p15="http://schemas.microsoft.com/office/powerpoint/2012/main" xmlns:ahyp="http://schemas.microsoft.com/office/drawing/2018/hyperlinkcolor" autoCompressPictures="0" strictFirstAndLastChars="0" saveSubsetFonts="1">
+<p:presentation xmlns:a="http://schemas.openxmlformats.org/drawingml/2006/main" xmlns:r="http://schemas.openxmlformats.org/officeDocument/2006/relationships" xmlns:p="http://schemas.openxmlformats.org/presentationml/2006/main" strictFirstAndLastChars="0" saveSubsetFonts="1" autoCompressPictures="0">
   <p:sldMasterIdLst>
-    <p:sldMasterId id="2147483659" r:id="rId4"/>
+    <p:sldMasterId id="2147483659" r:id="rId1"/>
   </p:sldMasterIdLst>
   <p:notesMasterIdLst>
-    <p:notesMasterId r:id="rId5"/>
+    <p:notesMasterId r:id="rId15"/>
   </p:notesMasterIdLst>
   <p:sldIdLst>
-    <p:sldId id="256" r:id="rId6"/>
-    <p:sldId id="257" r:id="rId7"/>
-    <p:sldId id="258" r:id="rId8"/>
-    <p:sldId id="259" r:id="rId9"/>
-    <p:sldId id="260" r:id="rId10"/>
-    <p:sldId id="261" r:id="rId11"/>
-    <p:sldId id="262" r:id="rId12"/>
-    <p:sldId id="263" r:id="rId13"/>
-    <p:sldId id="264" r:id="rId14"/>
-    <p:sldId id="265" r:id="rId15"/>
-    <p:sldId id="266" r:id="rId16"/>
-    <p:sldId id="267" r:id="rId17"/>
+    <p:sldId id="268" r:id="rId2"/>
+    <p:sldId id="269" r:id="rId3"/>
+    <p:sldId id="257" r:id="rId4"/>
+    <p:sldId id="258" r:id="rId5"/>
+    <p:sldId id="259" r:id="rId6"/>
+    <p:sldId id="260" r:id="rId7"/>
+    <p:sldId id="261" r:id="rId8"/>
+    <p:sldId id="262" r:id="rId9"/>
+    <p:sldId id="263" r:id="rId10"/>
+    <p:sldId id="264" r:id="rId11"/>
+    <p:sldId id="265" r:id="rId12"/>
+    <p:sldId id="266" r:id="rId13"/>
+    <p:sldId id="267" r:id="rId14"/>
   </p:sldIdLst>
-  <p:sldSz cy="5143500" cx="9144000"/>
+  <p:sldSz cx="9144000" cy="5143500" type="screen16x9"/>
   <p:notesSz cx="6858000" cy="9144000"/>
   <p:defaultTextStyle>
-    <a:defPPr lvl="0" marR="0" rtl="0" algn="l">
+    <a:defPPr marR="0" lvl="0" algn="l" rtl="0">
       <a:lnSpc>
         <a:spcPct val="100000"/>
       </a:lnSpc>
@@ -35,7 +36,7 @@
         <a:spcPts val="0"/>
       </a:spcAft>
     </a:defPPr>
-    <a:lvl1pPr lvl="0" marR="0" rtl="0" algn="l">
+    <a:lvl1pPr marR="0" lvl="0" algn="l" rtl="0">
       <a:lnSpc>
         <a:spcPct val="100000"/>
       </a:lnSpc>
@@ -49,7 +50,7 @@
         <a:srgbClr val="000000"/>
       </a:buClr>
       <a:buFont typeface="Arial"/>
-      <a:defRPr b="0" i="0" sz="1400" u="none" cap="none" strike="noStrike">
+      <a:defRPr sz="1400" b="0" i="0" u="none" strike="noStrike" cap="none">
         <a:solidFill>
           <a:srgbClr val="000000"/>
         </a:solidFill>
@@ -59,7 +60,7 @@
         <a:sym typeface="Arial"/>
       </a:defRPr>
     </a:lvl1pPr>
-    <a:lvl2pPr lvl="1" marR="0" rtl="0" algn="l">
+    <a:lvl2pPr marR="0" lvl="1" algn="l" rtl="0">
       <a:lnSpc>
         <a:spcPct val="100000"/>
       </a:lnSpc>
@@ -73,7 +74,7 @@
         <a:srgbClr val="000000"/>
       </a:buClr>
       <a:buFont typeface="Arial"/>
-      <a:defRPr b="0" i="0" sz="1400" u="none" cap="none" strike="noStrike">
+      <a:defRPr sz="1400" b="0" i="0" u="none" strike="noStrike" cap="none">
         <a:solidFill>
           <a:srgbClr val="000000"/>
         </a:solidFill>
@@ -83,7 +84,7 @@
         <a:sym typeface="Arial"/>
       </a:defRPr>
     </a:lvl2pPr>
-    <a:lvl3pPr lvl="2" marR="0" rtl="0" algn="l">
+    <a:lvl3pPr marR="0" lvl="2" algn="l" rtl="0">
       <a:lnSpc>
         <a:spcPct val="100000"/>
       </a:lnSpc>
@@ -97,7 +98,7 @@
         <a:srgbClr val="000000"/>
       </a:buClr>
       <a:buFont typeface="Arial"/>
-      <a:defRPr b="0" i="0" sz="1400" u="none" cap="none" strike="noStrike">
+      <a:defRPr sz="1400" b="0" i="0" u="none" strike="noStrike" cap="none">
         <a:solidFill>
           <a:srgbClr val="000000"/>
         </a:solidFill>
@@ -107,7 +108,7 @@
         <a:sym typeface="Arial"/>
       </a:defRPr>
     </a:lvl3pPr>
-    <a:lvl4pPr lvl="3" marR="0" rtl="0" algn="l">
+    <a:lvl4pPr marR="0" lvl="3" algn="l" rtl="0">
       <a:lnSpc>
         <a:spcPct val="100000"/>
       </a:lnSpc>
@@ -121,7 +122,7 @@
         <a:srgbClr val="000000"/>
       </a:buClr>
       <a:buFont typeface="Arial"/>
-      <a:defRPr b="0" i="0" sz="1400" u="none" cap="none" strike="noStrike">
+      <a:defRPr sz="1400" b="0" i="0" u="none" strike="noStrike" cap="none">
         <a:solidFill>
           <a:srgbClr val="000000"/>
         </a:solidFill>
@@ -131,7 +132,7 @@
         <a:sym typeface="Arial"/>
       </a:defRPr>
     </a:lvl4pPr>
-    <a:lvl5pPr lvl="4" marR="0" rtl="0" algn="l">
+    <a:lvl5pPr marR="0" lvl="4" algn="l" rtl="0">
       <a:lnSpc>
         <a:spcPct val="100000"/>
       </a:lnSpc>
@@ -145,7 +146,7 @@
         <a:srgbClr val="000000"/>
       </a:buClr>
       <a:buFont typeface="Arial"/>
-      <a:defRPr b="0" i="0" sz="1400" u="none" cap="none" strike="noStrike">
+      <a:defRPr sz="1400" b="0" i="0" u="none" strike="noStrike" cap="none">
         <a:solidFill>
           <a:srgbClr val="000000"/>
         </a:solidFill>
@@ -155,7 +156,7 @@
         <a:sym typeface="Arial"/>
       </a:defRPr>
     </a:lvl5pPr>
-    <a:lvl6pPr lvl="5" marR="0" rtl="0" algn="l">
+    <a:lvl6pPr marR="0" lvl="5" algn="l" rtl="0">
       <a:lnSpc>
         <a:spcPct val="100000"/>
       </a:lnSpc>
@@ -169,7 +170,7 @@
         <a:srgbClr val="000000"/>
       </a:buClr>
       <a:buFont typeface="Arial"/>
-      <a:defRPr b="0" i="0" sz="1400" u="none" cap="none" strike="noStrike">
+      <a:defRPr sz="1400" b="0" i="0" u="none" strike="noStrike" cap="none">
         <a:solidFill>
           <a:srgbClr val="000000"/>
         </a:solidFill>
@@ -179,7 +180,7 @@
         <a:sym typeface="Arial"/>
       </a:defRPr>
     </a:lvl6pPr>
-    <a:lvl7pPr lvl="6" marR="0" rtl="0" algn="l">
+    <a:lvl7pPr marR="0" lvl="6" algn="l" rtl="0">
       <a:lnSpc>
         <a:spcPct val="100000"/>
       </a:lnSpc>
@@ -193,7 +194,7 @@
         <a:srgbClr val="000000"/>
       </a:buClr>
       <a:buFont typeface="Arial"/>
-      <a:defRPr b="0" i="0" sz="1400" u="none" cap="none" strike="noStrike">
+      <a:defRPr sz="1400" b="0" i="0" u="none" strike="noStrike" cap="none">
         <a:solidFill>
           <a:srgbClr val="000000"/>
         </a:solidFill>
@@ -203,7 +204,7 @@
         <a:sym typeface="Arial"/>
       </a:defRPr>
     </a:lvl7pPr>
-    <a:lvl8pPr lvl="7" marR="0" rtl="0" algn="l">
+    <a:lvl8pPr marR="0" lvl="7" algn="l" rtl="0">
       <a:lnSpc>
         <a:spcPct val="100000"/>
       </a:lnSpc>
@@ -217,7 +218,7 @@
         <a:srgbClr val="000000"/>
       </a:buClr>
       <a:buFont typeface="Arial"/>
-      <a:defRPr b="0" i="0" sz="1400" u="none" cap="none" strike="noStrike">
+      <a:defRPr sz="1400" b="0" i="0" u="none" strike="noStrike" cap="none">
         <a:solidFill>
           <a:srgbClr val="000000"/>
         </a:solidFill>
@@ -227,7 +228,7 @@
         <a:sym typeface="Arial"/>
       </a:defRPr>
     </a:lvl8pPr>
-    <a:lvl9pPr lvl="8" marR="0" rtl="0" algn="l">
+    <a:lvl9pPr marR="0" lvl="8" algn="l" rtl="0">
       <a:lnSpc>
         <a:spcPct val="100000"/>
       </a:lnSpc>
@@ -241,7 +242,7 @@
         <a:srgbClr val="000000"/>
       </a:buClr>
       <a:buFont typeface="Arial"/>
-      <a:defRPr b="0" i="0" sz="1400" u="none" cap="none" strike="noStrike">
+      <a:defRPr sz="1400" b="0" i="0" u="none" strike="noStrike" cap="none">
         <a:solidFill>
           <a:srgbClr val="000000"/>
         </a:solidFill>
@@ -254,7 +255,7 @@
   </p:defaultTextStyle>
   <p:extLst>
     <p:ext uri="{EFAFB233-063F-42B5-8137-9DF3F51BA10A}">
-      <p15:sldGuideLst>
+      <p15:sldGuideLst xmlns:p15="http://schemas.microsoft.com/office/powerpoint/2012/main">
         <p15:guide id="1" orient="horz" pos="1620">
           <p15:clr>
             <a:srgbClr val="A4A3A4"/>
@@ -272,11 +273,16 @@
 </file>
 
 <file path=ppt/notesMasters/notesMaster1.xml><?xml version="1.0" encoding="utf-8"?>
-<p:notesMaster xmlns:a="http://schemas.openxmlformats.org/drawingml/2006/main" xmlns:r="http://schemas.openxmlformats.org/officeDocument/2006/relationships" xmlns:mc="http://schemas.openxmlformats.org/markup-compatibility/2006" xmlns:mv="urn:schemas-microsoft-com:mac:vml" xmlns:p="http://schemas.openxmlformats.org/presentationml/2006/main" xmlns:c="http://schemas.openxmlformats.org/drawingml/2006/chart" xmlns:dgm="http://schemas.openxmlformats.org/drawingml/2006/diagram" xmlns:o="urn:schemas-microsoft-com:office:office" xmlns:v="urn:schemas-microsoft-com:vml" xmlns:pvml="urn:schemas-microsoft-com:office:powerpoint" xmlns:com="http://schemas.openxmlformats.org/drawingml/2006/compatibility" xmlns:p14="http://schemas.microsoft.com/office/powerpoint/2010/main" xmlns:p15="http://schemas.microsoft.com/office/powerpoint/2012/main" xmlns:ahyp="http://schemas.microsoft.com/office/drawing/2018/hyperlinkcolor">
+<p:notesMaster xmlns:a="http://schemas.openxmlformats.org/drawingml/2006/main" xmlns:r="http://schemas.openxmlformats.org/officeDocument/2006/relationships" xmlns:p="http://schemas.openxmlformats.org/presentationml/2006/main">
   <p:cSld>
+    <p:bg>
+      <p:bgRef idx="1001">
+        <a:schemeClr val="bg1"/>
+      </p:bgRef>
+    </p:bg>
     <p:spTree>
       <p:nvGrpSpPr>
-        <p:cNvPr id="2" name="Shape 2"/>
+        <p:cNvPr id="1" name="Shape 2"/>
         <p:cNvGrpSpPr/>
         <p:nvPr/>
       </p:nvGrpSpPr>
@@ -291,9 +297,11 @@
       <p:sp>
         <p:nvSpPr>
           <p:cNvPr id="3" name="Google Shape;3;n"/>
-          <p:cNvSpPr/>
+          <p:cNvSpPr>
+            <a:spLocks noGrp="1" noRot="1" noChangeAspect="1"/>
+          </p:cNvSpPr>
           <p:nvPr>
-            <p:ph idx="2" type="sldImg"/>
+            <p:ph type="sldImg" idx="2"/>
           </p:nvPr>
         </p:nvSpPr>
         <p:spPr>
@@ -302,9 +310,13 @@
             <a:ext cx="6096075" cy="3429000"/>
           </a:xfrm>
           <a:custGeom>
-            <a:rect b="b" l="l" r="r" t="t"/>
+            <a:avLst/>
+            <a:gdLst/>
+            <a:ahLst/>
+            <a:cxnLst/>
+            <a:rect l="l" t="t" r="r" b="b"/>
             <a:pathLst>
-              <a:path extrusionOk="0" h="120000" w="120000">
+              <a:path w="120000" h="120000" extrusionOk="0">
                 <a:moveTo>
                   <a:pt x="0" y="0"/>
                 </a:moveTo>
@@ -322,23 +334,25 @@
             </a:pathLst>
           </a:custGeom>
           <a:noFill/>
-          <a:ln cap="flat" cmpd="sng" w="9525">
+          <a:ln w="9525" cap="flat" cmpd="sng">
             <a:solidFill>
               <a:srgbClr val="000000"/>
             </a:solidFill>
             <a:prstDash val="solid"/>
             <a:round/>
-            <a:headEnd len="sm" w="sm" type="none"/>
-            <a:tailEnd len="sm" w="sm" type="none"/>
+            <a:headEnd type="none" w="sm" len="sm"/>
+            <a:tailEnd type="none" w="sm" len="sm"/>
           </a:ln>
         </p:spPr>
       </p:sp>
       <p:sp>
         <p:nvSpPr>
           <p:cNvPr id="4" name="Google Shape;4;n"/>
-          <p:cNvSpPr txBox="1"/>
+          <p:cNvSpPr txBox="1">
+            <a:spLocks noGrp="1"/>
+          </p:cNvSpPr>
           <p:nvPr>
-            <p:ph idx="1" type="body"/>
+            <p:ph type="body" idx="1"/>
           </p:nvPr>
         </p:nvSpPr>
         <p:spPr>
@@ -355,11 +369,11 @@
           </a:ln>
         </p:spPr>
         <p:txBody>
-          <a:bodyPr anchorCtr="0" anchor="t" bIns="91425" lIns="91425" spcFirstLastPara="1" rIns="91425" wrap="square" tIns="91425">
+          <a:bodyPr spcFirstLastPara="1" wrap="square" lIns="91425" tIns="91425" rIns="91425" bIns="91425" anchor="t" anchorCtr="0">
             <a:noAutofit/>
           </a:bodyPr>
           <a:lstStyle>
-            <a:lvl1pPr indent="-298450" lvl="0" marL="457200">
+            <a:lvl1pPr marL="457200" lvl="0" indent="-298450">
               <a:spcBef>
                 <a:spcPts val="0"/>
               </a:spcBef>
@@ -370,7 +384,7 @@
               <a:buChar char="●"/>
               <a:defRPr sz="1100"/>
             </a:lvl1pPr>
-            <a:lvl2pPr indent="-298450" lvl="1" marL="914400">
+            <a:lvl2pPr marL="914400" lvl="1" indent="-298450">
               <a:spcBef>
                 <a:spcPts val="0"/>
               </a:spcBef>
@@ -381,7 +395,7 @@
               <a:buChar char="○"/>
               <a:defRPr sz="1100"/>
             </a:lvl2pPr>
-            <a:lvl3pPr indent="-298450" lvl="2" marL="1371600">
+            <a:lvl3pPr marL="1371600" lvl="2" indent="-298450">
               <a:spcBef>
                 <a:spcPts val="0"/>
               </a:spcBef>
@@ -392,7 +406,7 @@
               <a:buChar char="■"/>
               <a:defRPr sz="1100"/>
             </a:lvl3pPr>
-            <a:lvl4pPr indent="-298450" lvl="3" marL="1828800">
+            <a:lvl4pPr marL="1828800" lvl="3" indent="-298450">
               <a:spcBef>
                 <a:spcPts val="0"/>
               </a:spcBef>
@@ -403,7 +417,7 @@
               <a:buChar char="●"/>
               <a:defRPr sz="1100"/>
             </a:lvl4pPr>
-            <a:lvl5pPr indent="-298450" lvl="4" marL="2286000">
+            <a:lvl5pPr marL="2286000" lvl="4" indent="-298450">
               <a:spcBef>
                 <a:spcPts val="0"/>
               </a:spcBef>
@@ -414,7 +428,7 @@
               <a:buChar char="○"/>
               <a:defRPr sz="1100"/>
             </a:lvl5pPr>
-            <a:lvl6pPr indent="-298450" lvl="5" marL="2743200">
+            <a:lvl6pPr marL="2743200" lvl="5" indent="-298450">
               <a:spcBef>
                 <a:spcPts val="0"/>
               </a:spcBef>
@@ -425,7 +439,7 @@
               <a:buChar char="■"/>
               <a:defRPr sz="1100"/>
             </a:lvl6pPr>
-            <a:lvl7pPr indent="-298450" lvl="6" marL="3200400">
+            <a:lvl7pPr marL="3200400" lvl="6" indent="-298450">
               <a:spcBef>
                 <a:spcPts val="0"/>
               </a:spcBef>
@@ -436,7 +450,7 @@
               <a:buChar char="●"/>
               <a:defRPr sz="1100"/>
             </a:lvl7pPr>
-            <a:lvl8pPr indent="-298450" lvl="7" marL="3657600">
+            <a:lvl8pPr marL="3657600" lvl="7" indent="-298450">
               <a:spcBef>
                 <a:spcPts val="0"/>
               </a:spcBef>
@@ -447,7 +461,7 @@
               <a:buChar char="○"/>
               <a:defRPr sz="1100"/>
             </a:lvl8pPr>
-            <a:lvl9pPr indent="-298450" lvl="8" marL="4114800">
+            <a:lvl9pPr marL="4114800" lvl="8" indent="-298450">
               <a:spcBef>
                 <a:spcPts val="0"/>
               </a:spcBef>
@@ -459,14 +473,16 @@
               <a:defRPr sz="1100"/>
             </a:lvl9pPr>
           </a:lstStyle>
-          <a:p/>
+          <a:p>
+            <a:endParaRPr/>
+          </a:p>
         </p:txBody>
       </p:sp>
     </p:spTree>
   </p:cSld>
-  <p:clrMap accent1="accent1" accent2="accent2" accent3="accent3" accent4="accent4" accent5="accent5" accent6="accent6" bg1="lt1" bg2="dk2" tx1="dk1" tx2="lt2" folHlink="folHlink" hlink="hlink"/>
+  <p:clrMap bg1="lt1" tx1="dk1" bg2="dk2" tx2="lt2" accent1="accent1" accent2="accent2" accent3="accent3" accent4="accent4" accent5="accent5" accent6="accent6" hlink="hlink" folHlink="folHlink"/>
   <p:notesStyle>
-    <a:defPPr lvl="0" marR="0" rtl="0" algn="l">
+    <a:defPPr marR="0" lvl="0" algn="l" rtl="0">
       <a:lnSpc>
         <a:spcPct val="100000"/>
       </a:lnSpc>
@@ -477,7 +493,7 @@
         <a:spcPts val="0"/>
       </a:spcAft>
     </a:defPPr>
-    <a:lvl1pPr lvl="0" marR="0" rtl="0" algn="l">
+    <a:lvl1pPr marR="0" lvl="0" algn="l" rtl="0">
       <a:lnSpc>
         <a:spcPct val="100000"/>
       </a:lnSpc>
@@ -491,7 +507,7 @@
         <a:srgbClr val="000000"/>
       </a:buClr>
       <a:buFont typeface="Arial"/>
-      <a:defRPr b="0" i="0" sz="1400" u="none" cap="none" strike="noStrike">
+      <a:defRPr sz="1400" b="0" i="0" u="none" strike="noStrike" cap="none">
         <a:solidFill>
           <a:srgbClr val="000000"/>
         </a:solidFill>
@@ -501,7 +517,7 @@
         <a:sym typeface="Arial"/>
       </a:defRPr>
     </a:lvl1pPr>
-    <a:lvl2pPr lvl="1" marR="0" rtl="0" algn="l">
+    <a:lvl2pPr marR="0" lvl="1" algn="l" rtl="0">
       <a:lnSpc>
         <a:spcPct val="100000"/>
       </a:lnSpc>
@@ -515,7 +531,7 @@
         <a:srgbClr val="000000"/>
       </a:buClr>
       <a:buFont typeface="Arial"/>
-      <a:defRPr b="0" i="0" sz="1400" u="none" cap="none" strike="noStrike">
+      <a:defRPr sz="1400" b="0" i="0" u="none" strike="noStrike" cap="none">
         <a:solidFill>
           <a:srgbClr val="000000"/>
         </a:solidFill>
@@ -525,7 +541,7 @@
         <a:sym typeface="Arial"/>
       </a:defRPr>
     </a:lvl2pPr>
-    <a:lvl3pPr lvl="2" marR="0" rtl="0" algn="l">
+    <a:lvl3pPr marR="0" lvl="2" algn="l" rtl="0">
       <a:lnSpc>
         <a:spcPct val="100000"/>
       </a:lnSpc>
@@ -539,7 +555,7 @@
         <a:srgbClr val="000000"/>
       </a:buClr>
       <a:buFont typeface="Arial"/>
-      <a:defRPr b="0" i="0" sz="1400" u="none" cap="none" strike="noStrike">
+      <a:defRPr sz="1400" b="0" i="0" u="none" strike="noStrike" cap="none">
         <a:solidFill>
           <a:srgbClr val="000000"/>
         </a:solidFill>
@@ -549,7 +565,7 @@
         <a:sym typeface="Arial"/>
       </a:defRPr>
     </a:lvl3pPr>
-    <a:lvl4pPr lvl="3" marR="0" rtl="0" algn="l">
+    <a:lvl4pPr marR="0" lvl="3" algn="l" rtl="0">
       <a:lnSpc>
         <a:spcPct val="100000"/>
       </a:lnSpc>
@@ -563,7 +579,7 @@
         <a:srgbClr val="000000"/>
       </a:buClr>
       <a:buFont typeface="Arial"/>
-      <a:defRPr b="0" i="0" sz="1400" u="none" cap="none" strike="noStrike">
+      <a:defRPr sz="1400" b="0" i="0" u="none" strike="noStrike" cap="none">
         <a:solidFill>
           <a:srgbClr val="000000"/>
         </a:solidFill>
@@ -573,7 +589,7 @@
         <a:sym typeface="Arial"/>
       </a:defRPr>
     </a:lvl4pPr>
-    <a:lvl5pPr lvl="4" marR="0" rtl="0" algn="l">
+    <a:lvl5pPr marR="0" lvl="4" algn="l" rtl="0">
       <a:lnSpc>
         <a:spcPct val="100000"/>
       </a:lnSpc>
@@ -587,7 +603,7 @@
         <a:srgbClr val="000000"/>
       </a:buClr>
       <a:buFont typeface="Arial"/>
-      <a:defRPr b="0" i="0" sz="1400" u="none" cap="none" strike="noStrike">
+      <a:defRPr sz="1400" b="0" i="0" u="none" strike="noStrike" cap="none">
         <a:solidFill>
           <a:srgbClr val="000000"/>
         </a:solidFill>
@@ -597,7 +613,7 @@
         <a:sym typeface="Arial"/>
       </a:defRPr>
     </a:lvl5pPr>
-    <a:lvl6pPr lvl="5" marR="0" rtl="0" algn="l">
+    <a:lvl6pPr marR="0" lvl="5" algn="l" rtl="0">
       <a:lnSpc>
         <a:spcPct val="100000"/>
       </a:lnSpc>
@@ -611,7 +627,7 @@
         <a:srgbClr val="000000"/>
       </a:buClr>
       <a:buFont typeface="Arial"/>
-      <a:defRPr b="0" i="0" sz="1400" u="none" cap="none" strike="noStrike">
+      <a:defRPr sz="1400" b="0" i="0" u="none" strike="noStrike" cap="none">
         <a:solidFill>
           <a:srgbClr val="000000"/>
         </a:solidFill>
@@ -621,7 +637,7 @@
         <a:sym typeface="Arial"/>
       </a:defRPr>
     </a:lvl6pPr>
-    <a:lvl7pPr lvl="6" marR="0" rtl="0" algn="l">
+    <a:lvl7pPr marR="0" lvl="6" algn="l" rtl="0">
       <a:lnSpc>
         <a:spcPct val="100000"/>
       </a:lnSpc>
@@ -635,7 +651,7 @@
         <a:srgbClr val="000000"/>
       </a:buClr>
       <a:buFont typeface="Arial"/>
-      <a:defRPr b="0" i="0" sz="1400" u="none" cap="none" strike="noStrike">
+      <a:defRPr sz="1400" b="0" i="0" u="none" strike="noStrike" cap="none">
         <a:solidFill>
           <a:srgbClr val="000000"/>
         </a:solidFill>
@@ -645,7 +661,7 @@
         <a:sym typeface="Arial"/>
       </a:defRPr>
     </a:lvl7pPr>
-    <a:lvl8pPr lvl="7" marR="0" rtl="0" algn="l">
+    <a:lvl8pPr marR="0" lvl="7" algn="l" rtl="0">
       <a:lnSpc>
         <a:spcPct val="100000"/>
       </a:lnSpc>
@@ -659,7 +675,7 @@
         <a:srgbClr val="000000"/>
       </a:buClr>
       <a:buFont typeface="Arial"/>
-      <a:defRPr b="0" i="0" sz="1400" u="none" cap="none" strike="noStrike">
+      <a:defRPr sz="1400" b="0" i="0" u="none" strike="noStrike" cap="none">
         <a:solidFill>
           <a:srgbClr val="000000"/>
         </a:solidFill>
@@ -669,7 +685,7 @@
         <a:sym typeface="Arial"/>
       </a:defRPr>
     </a:lvl8pPr>
-    <a:lvl9pPr lvl="8" marR="0" rtl="0" algn="l">
+    <a:lvl9pPr marR="0" lvl="8" algn="l" rtl="0">
       <a:lnSpc>
         <a:spcPct val="100000"/>
       </a:lnSpc>
@@ -683,7 +699,7 @@
         <a:srgbClr val="000000"/>
       </a:buClr>
       <a:buFont typeface="Arial"/>
-      <a:defRPr b="0" i="0" sz="1400" u="none" cap="none" strike="noStrike">
+      <a:defRPr sz="1400" b="0" i="0" u="none" strike="noStrike" cap="none">
         <a:solidFill>
           <a:srgbClr val="000000"/>
         </a:solidFill>
@@ -698,11 +714,11 @@
 </file>
 
 <file path=ppt/notesSlides/notesSlide1.xml><?xml version="1.0" encoding="utf-8"?>
-<p:notes xmlns:a="http://schemas.openxmlformats.org/drawingml/2006/main" xmlns:r="http://schemas.openxmlformats.org/officeDocument/2006/relationships" xmlns:mc="http://schemas.openxmlformats.org/markup-compatibility/2006" xmlns:mv="urn:schemas-microsoft-com:mac:vml" xmlns:p="http://schemas.openxmlformats.org/presentationml/2006/main" xmlns:c="http://schemas.openxmlformats.org/drawingml/2006/chart" xmlns:dgm="http://schemas.openxmlformats.org/drawingml/2006/diagram" xmlns:o="urn:schemas-microsoft-com:office:office" xmlns:v="urn:schemas-microsoft-com:vml" xmlns:pvml="urn:schemas-microsoft-com:office:powerpoint" xmlns:com="http://schemas.openxmlformats.org/drawingml/2006/compatibility" xmlns:p14="http://schemas.microsoft.com/office/powerpoint/2010/main" xmlns:p15="http://schemas.microsoft.com/office/powerpoint/2012/main" xmlns:ahyp="http://schemas.microsoft.com/office/drawing/2018/hyperlinkcolor" showMasterPhAnim="0" showMasterSp="0">
+<p:notes xmlns:a="http://schemas.openxmlformats.org/drawingml/2006/main" xmlns:r="http://schemas.openxmlformats.org/officeDocument/2006/relationships" xmlns:p="http://schemas.openxmlformats.org/presentationml/2006/main">
   <p:cSld>
     <p:spTree>
       <p:nvGrpSpPr>
-        <p:cNvPr id="50" name="Shape 50"/>
+        <p:cNvPr id="1" name=""/>
         <p:cNvGrpSpPr/>
         <p:nvPr/>
       </p:nvGrpSpPr>
@@ -716,79 +732,65 @@
       </p:grpSpPr>
       <p:sp>
         <p:nvSpPr>
-          <p:cNvPr id="51" name="Google Shape;51;p:notes"/>
-          <p:cNvSpPr/>
+          <p:cNvPr id="2" name="Slide Image Placeholder 1"/>
+          <p:cNvSpPr>
+            <a:spLocks noGrp="1" noRot="1" noChangeAspect="1"/>
+          </p:cNvSpPr>
           <p:nvPr>
-            <p:ph idx="2" type="sldImg"/>
+            <p:ph type="sldImg"/>
           </p:nvPr>
         </p:nvSpPr>
         <p:spPr>
           <a:xfrm>
-            <a:off x="381300" y="685800"/>
-            <a:ext cx="6096075" cy="3429000"/>
+            <a:off x="381000" y="685800"/>
+            <a:ext cx="6096000" cy="3429000"/>
           </a:xfrm>
-          <a:custGeom>
-            <a:rect b="b" l="l" r="r" t="t"/>
-            <a:pathLst>
-              <a:path extrusionOk="0" h="120000" w="120000">
-                <a:moveTo>
-                  <a:pt x="0" y="0"/>
-                </a:moveTo>
-                <a:lnTo>
-                  <a:pt x="120000" y="0"/>
-                </a:lnTo>
-                <a:lnTo>
-                  <a:pt x="120000" y="120000"/>
-                </a:lnTo>
-                <a:lnTo>
-                  <a:pt x="0" y="120000"/>
-                </a:lnTo>
-                <a:close/>
-              </a:path>
-            </a:pathLst>
-          </a:custGeom>
         </p:spPr>
       </p:sp>
       <p:sp>
         <p:nvSpPr>
-          <p:cNvPr id="52" name="Google Shape;52;p:notes"/>
-          <p:cNvSpPr txBox="1"/>
+          <p:cNvPr id="3" name="Notes Placeholder 2"/>
+          <p:cNvSpPr>
+            <a:spLocks noGrp="1"/>
+          </p:cNvSpPr>
           <p:nvPr>
-            <p:ph idx="1" type="body"/>
+            <p:ph type="body" idx="1"/>
           </p:nvPr>
         </p:nvSpPr>
-        <p:spPr>
-          <a:xfrm>
-            <a:off x="685800" y="4343400"/>
-            <a:ext cx="5486400" cy="4114800"/>
-          </a:xfrm>
-          <a:prstGeom prst="rect">
-            <a:avLst/>
-          </a:prstGeom>
-        </p:spPr>
+        <p:spPr/>
         <p:txBody>
-          <a:bodyPr anchorCtr="0" anchor="t" bIns="91425" lIns="91425" spcFirstLastPara="1" rIns="91425" wrap="square" tIns="91425">
-            <a:noAutofit/>
-          </a:bodyPr>
+          <a:bodyPr/>
           <a:lstStyle/>
           <a:p>
-            <a:pPr indent="0" lvl="0" marL="0" rtl="0" algn="l">
-              <a:spcBef>
-                <a:spcPts val="0"/>
-              </a:spcBef>
-              <a:spcAft>
-                <a:spcPts val="0"/>
-              </a:spcAft>
-              <a:buNone/>
+            <a:pPr marL="457200" marR="0" lvl="0" indent="-298450" algn="l" defTabSz="914400" rtl="0" eaLnBrk="1" fontAlgn="auto" latinLnBrk="0" hangingPunct="1">
+              <a:lnSpc>
+                <a:spcPct val="100000"/>
+              </a:lnSpc>
+              <a:spcBef>
+                <a:spcPts val="0"/>
+              </a:spcBef>
+              <a:spcAft>
+                <a:spcPts val="0"/>
+              </a:spcAft>
+              <a:buClr>
+                <a:srgbClr val="000000"/>
+              </a:buClr>
+              <a:buSzPts val="1100"/>
+              <a:buFont typeface="Arial"/>
+              <a:buNone/>
+              <a:tabLst/>
+              <a:defRPr/>
             </a:pPr>
-            <a:r>
-              <a:t/>
-            </a:r>
-            <a:endParaRPr/>
+            <a:endParaRPr lang="en-US" dirty="0"/>
           </a:p>
         </p:txBody>
       </p:sp>
     </p:spTree>
+    <p:extLst>
+      <p:ext uri="{BB962C8B-B14F-4D97-AF65-F5344CB8AC3E}">
+        <p14:creationId xmlns:p14="http://schemas.microsoft.com/office/powerpoint/2010/main" val="622401075"/>
+      </p:ext>
+    </p:extLst>
   </p:cSld>
   <p:clrMapOvr>
     <a:masterClrMapping/>
@@ -797,11 +799,11 @@
 </file>
 
 <file path=ppt/notesSlides/notesSlide10.xml><?xml version="1.0" encoding="utf-8"?>
-<p:notes xmlns:a="http://schemas.openxmlformats.org/drawingml/2006/main" xmlns:r="http://schemas.openxmlformats.org/officeDocument/2006/relationships" xmlns:mc="http://schemas.openxmlformats.org/markup-compatibility/2006" xmlns:mv="urn:schemas-microsoft-com:mac:vml" xmlns:p="http://schemas.openxmlformats.org/presentationml/2006/main" xmlns:c="http://schemas.openxmlformats.org/drawingml/2006/chart" xmlns:dgm="http://schemas.openxmlformats.org/drawingml/2006/diagram" xmlns:o="urn:schemas-microsoft-com:office:office" xmlns:v="urn:schemas-microsoft-com:vml" xmlns:pvml="urn:schemas-microsoft-com:office:powerpoint" xmlns:com="http://schemas.openxmlformats.org/drawingml/2006/compatibility" xmlns:p14="http://schemas.microsoft.com/office/powerpoint/2010/main" xmlns:p15="http://schemas.microsoft.com/office/powerpoint/2012/main" xmlns:ahyp="http://schemas.microsoft.com/office/drawing/2018/hyperlinkcolor" showMasterPhAnim="0" showMasterSp="0">
+<p:notes xmlns:a="http://schemas.openxmlformats.org/drawingml/2006/main" xmlns:r="http://schemas.openxmlformats.org/officeDocument/2006/relationships" xmlns:p="http://schemas.openxmlformats.org/presentationml/2006/main" showMasterSp="0" showMasterPhAnim="0">
   <p:cSld>
     <p:spTree>
       <p:nvGrpSpPr>
-        <p:cNvPr id="106" name="Shape 106"/>
+        <p:cNvPr id="1" name="Shape 106"/>
         <p:cNvGrpSpPr/>
         <p:nvPr/>
       </p:nvGrpSpPr>
@@ -816,9 +818,11 @@
       <p:sp>
         <p:nvSpPr>
           <p:cNvPr id="107" name="Google Shape;107;g8cec1572f1_1_6:notes"/>
-          <p:cNvSpPr/>
+          <p:cNvSpPr>
+            <a:spLocks noGrp="1" noRot="1" noChangeAspect="1"/>
+          </p:cNvSpPr>
           <p:nvPr>
-            <p:ph idx="2" type="sldImg"/>
+            <p:ph type="sldImg" idx="2"/>
           </p:nvPr>
         </p:nvSpPr>
         <p:spPr>
@@ -827,9 +831,13 @@
             <a:ext cx="6096000" cy="3429000"/>
           </a:xfrm>
           <a:custGeom>
-            <a:rect b="b" l="l" r="r" t="t"/>
+            <a:avLst/>
+            <a:gdLst/>
+            <a:ahLst/>
+            <a:cxnLst/>
+            <a:rect l="l" t="t" r="r" b="b"/>
             <a:pathLst>
-              <a:path extrusionOk="0" h="120000" w="120000">
+              <a:path w="120000" h="120000" extrusionOk="0">
                 <a:moveTo>
                   <a:pt x="0" y="0"/>
                 </a:moveTo>
@@ -851,9 +859,11 @@
       <p:sp>
         <p:nvSpPr>
           <p:cNvPr id="108" name="Google Shape;108;g8cec1572f1_1_6:notes"/>
-          <p:cNvSpPr txBox="1"/>
+          <p:cNvSpPr txBox="1">
+            <a:spLocks noGrp="1"/>
+          </p:cNvSpPr>
           <p:nvPr>
-            <p:ph idx="1" type="body"/>
+            <p:ph type="body" idx="1"/>
           </p:nvPr>
         </p:nvSpPr>
         <p:spPr>
@@ -866,12 +876,12 @@
           </a:prstGeom>
         </p:spPr>
         <p:txBody>
-          <a:bodyPr anchorCtr="0" anchor="t" bIns="91425" lIns="91425" spcFirstLastPara="1" rIns="91425" wrap="square" tIns="91425">
+          <a:bodyPr spcFirstLastPara="1" wrap="square" lIns="91425" tIns="91425" rIns="91425" bIns="91425" anchor="t" anchorCtr="0">
             <a:noAutofit/>
           </a:bodyPr>
           <a:lstStyle/>
           <a:p>
-            <a:pPr indent="0" lvl="0" marL="0" rtl="0" algn="l">
+            <a:pPr marL="0" lvl="0" indent="0" algn="l" rtl="0">
               <a:spcBef>
                 <a:spcPts val="0"/>
               </a:spcBef>
@@ -880,9 +890,6 @@
               </a:spcAft>
               <a:buNone/>
             </a:pPr>
-            <a:r>
-              <a:t/>
-            </a:r>
             <a:endParaRPr/>
           </a:p>
         </p:txBody>
@@ -896,11 +903,11 @@
 </file>
 
 <file path=ppt/notesSlides/notesSlide11.xml><?xml version="1.0" encoding="utf-8"?>
-<p:notes xmlns:a="http://schemas.openxmlformats.org/drawingml/2006/main" xmlns:r="http://schemas.openxmlformats.org/officeDocument/2006/relationships" xmlns:mc="http://schemas.openxmlformats.org/markup-compatibility/2006" xmlns:mv="urn:schemas-microsoft-com:mac:vml" xmlns:p="http://schemas.openxmlformats.org/presentationml/2006/main" xmlns:c="http://schemas.openxmlformats.org/drawingml/2006/chart" xmlns:dgm="http://schemas.openxmlformats.org/drawingml/2006/diagram" xmlns:o="urn:schemas-microsoft-com:office:office" xmlns:v="urn:schemas-microsoft-com:vml" xmlns:pvml="urn:schemas-microsoft-com:office:powerpoint" xmlns:com="http://schemas.openxmlformats.org/drawingml/2006/compatibility" xmlns:p14="http://schemas.microsoft.com/office/powerpoint/2010/main" xmlns:p15="http://schemas.microsoft.com/office/powerpoint/2012/main" xmlns:ahyp="http://schemas.microsoft.com/office/drawing/2018/hyperlinkcolor" showMasterPhAnim="0" showMasterSp="0">
+<p:notes xmlns:a="http://schemas.openxmlformats.org/drawingml/2006/main" xmlns:r="http://schemas.openxmlformats.org/officeDocument/2006/relationships" xmlns:p="http://schemas.openxmlformats.org/presentationml/2006/main" showMasterSp="0" showMasterPhAnim="0">
   <p:cSld>
     <p:spTree>
       <p:nvGrpSpPr>
-        <p:cNvPr id="112" name="Shape 112"/>
+        <p:cNvPr id="1" name="Shape 112"/>
         <p:cNvGrpSpPr/>
         <p:nvPr/>
       </p:nvGrpSpPr>
@@ -915,9 +922,11 @@
       <p:sp>
         <p:nvSpPr>
           <p:cNvPr id="113" name="Google Shape;113;g8cec1572f1_1_14:notes"/>
-          <p:cNvSpPr/>
+          <p:cNvSpPr>
+            <a:spLocks noGrp="1" noRot="1" noChangeAspect="1"/>
+          </p:cNvSpPr>
           <p:nvPr>
-            <p:ph idx="2" type="sldImg"/>
+            <p:ph type="sldImg" idx="2"/>
           </p:nvPr>
         </p:nvSpPr>
         <p:spPr>
@@ -926,9 +935,13 @@
             <a:ext cx="6096000" cy="3429000"/>
           </a:xfrm>
           <a:custGeom>
-            <a:rect b="b" l="l" r="r" t="t"/>
+            <a:avLst/>
+            <a:gdLst/>
+            <a:ahLst/>
+            <a:cxnLst/>
+            <a:rect l="l" t="t" r="r" b="b"/>
             <a:pathLst>
-              <a:path extrusionOk="0" h="120000" w="120000">
+              <a:path w="120000" h="120000" extrusionOk="0">
                 <a:moveTo>
                   <a:pt x="0" y="0"/>
                 </a:moveTo>
@@ -950,9 +963,11 @@
       <p:sp>
         <p:nvSpPr>
           <p:cNvPr id="114" name="Google Shape;114;g8cec1572f1_1_14:notes"/>
-          <p:cNvSpPr txBox="1"/>
+          <p:cNvSpPr txBox="1">
+            <a:spLocks noGrp="1"/>
+          </p:cNvSpPr>
           <p:nvPr>
-            <p:ph idx="1" type="body"/>
+            <p:ph type="body" idx="1"/>
           </p:nvPr>
         </p:nvSpPr>
         <p:spPr>
@@ -965,12 +980,12 @@
           </a:prstGeom>
         </p:spPr>
         <p:txBody>
-          <a:bodyPr anchorCtr="0" anchor="t" bIns="91425" lIns="91425" spcFirstLastPara="1" rIns="91425" wrap="square" tIns="91425">
+          <a:bodyPr spcFirstLastPara="1" wrap="square" lIns="91425" tIns="91425" rIns="91425" bIns="91425" anchor="t" anchorCtr="0">
             <a:noAutofit/>
           </a:bodyPr>
           <a:lstStyle/>
           <a:p>
-            <a:pPr indent="0" lvl="0" marL="0" rtl="0" algn="l">
+            <a:pPr marL="0" lvl="0" indent="0" algn="l" rtl="0">
               <a:spcBef>
                 <a:spcPts val="0"/>
               </a:spcBef>
@@ -979,9 +994,6 @@
               </a:spcAft>
               <a:buNone/>
             </a:pPr>
-            <a:r>
-              <a:t/>
-            </a:r>
             <a:endParaRPr/>
           </a:p>
         </p:txBody>
@@ -995,11 +1007,11 @@
 </file>
 
 <file path=ppt/notesSlides/notesSlide12.xml><?xml version="1.0" encoding="utf-8"?>
-<p:notes xmlns:a="http://schemas.openxmlformats.org/drawingml/2006/main" xmlns:r="http://schemas.openxmlformats.org/officeDocument/2006/relationships" xmlns:mc="http://schemas.openxmlformats.org/markup-compatibility/2006" xmlns:mv="urn:schemas-microsoft-com:mac:vml" xmlns:p="http://schemas.openxmlformats.org/presentationml/2006/main" xmlns:c="http://schemas.openxmlformats.org/drawingml/2006/chart" xmlns:dgm="http://schemas.openxmlformats.org/drawingml/2006/diagram" xmlns:o="urn:schemas-microsoft-com:office:office" xmlns:v="urn:schemas-microsoft-com:vml" xmlns:pvml="urn:schemas-microsoft-com:office:powerpoint" xmlns:com="http://schemas.openxmlformats.org/drawingml/2006/compatibility" xmlns:p14="http://schemas.microsoft.com/office/powerpoint/2010/main" xmlns:p15="http://schemas.microsoft.com/office/powerpoint/2012/main" xmlns:ahyp="http://schemas.microsoft.com/office/drawing/2018/hyperlinkcolor" showMasterPhAnim="0" showMasterSp="0">
+<p:notes xmlns:a="http://schemas.openxmlformats.org/drawingml/2006/main" xmlns:r="http://schemas.openxmlformats.org/officeDocument/2006/relationships" xmlns:p="http://schemas.openxmlformats.org/presentationml/2006/main" showMasterSp="0" showMasterPhAnim="0">
   <p:cSld>
     <p:spTree>
       <p:nvGrpSpPr>
-        <p:cNvPr id="118" name="Shape 118"/>
+        <p:cNvPr id="1" name="Shape 118"/>
         <p:cNvGrpSpPr/>
         <p:nvPr/>
       </p:nvGrpSpPr>
@@ -1014,9 +1026,11 @@
       <p:sp>
         <p:nvSpPr>
           <p:cNvPr id="119" name="Google Shape;119;g8cec1572f1_1_20:notes"/>
-          <p:cNvSpPr/>
+          <p:cNvSpPr>
+            <a:spLocks noGrp="1" noRot="1" noChangeAspect="1"/>
+          </p:cNvSpPr>
           <p:nvPr>
-            <p:ph idx="2" type="sldImg"/>
+            <p:ph type="sldImg" idx="2"/>
           </p:nvPr>
         </p:nvSpPr>
         <p:spPr>
@@ -1025,9 +1039,13 @@
             <a:ext cx="6096000" cy="3429000"/>
           </a:xfrm>
           <a:custGeom>
-            <a:rect b="b" l="l" r="r" t="t"/>
+            <a:avLst/>
+            <a:gdLst/>
+            <a:ahLst/>
+            <a:cxnLst/>
+            <a:rect l="l" t="t" r="r" b="b"/>
             <a:pathLst>
-              <a:path extrusionOk="0" h="120000" w="120000">
+              <a:path w="120000" h="120000" extrusionOk="0">
                 <a:moveTo>
                   <a:pt x="0" y="0"/>
                 </a:moveTo>
@@ -1049,9 +1067,11 @@
       <p:sp>
         <p:nvSpPr>
           <p:cNvPr id="120" name="Google Shape;120;g8cec1572f1_1_20:notes"/>
-          <p:cNvSpPr txBox="1"/>
+          <p:cNvSpPr txBox="1">
+            <a:spLocks noGrp="1"/>
+          </p:cNvSpPr>
           <p:nvPr>
-            <p:ph idx="1" type="body"/>
+            <p:ph type="body" idx="1"/>
           </p:nvPr>
         </p:nvSpPr>
         <p:spPr>
@@ -1064,12 +1084,12 @@
           </a:prstGeom>
         </p:spPr>
         <p:txBody>
-          <a:bodyPr anchorCtr="0" anchor="t" bIns="91425" lIns="91425" spcFirstLastPara="1" rIns="91425" wrap="square" tIns="91425">
+          <a:bodyPr spcFirstLastPara="1" wrap="square" lIns="91425" tIns="91425" rIns="91425" bIns="91425" anchor="t" anchorCtr="0">
             <a:noAutofit/>
           </a:bodyPr>
           <a:lstStyle/>
           <a:p>
-            <a:pPr indent="0" lvl="0" marL="0" rtl="0" algn="l">
+            <a:pPr marL="0" lvl="0" indent="0" algn="l" rtl="0">
               <a:spcBef>
                 <a:spcPts val="0"/>
               </a:spcBef>
@@ -1078,9 +1098,6 @@
               </a:spcAft>
               <a:buNone/>
             </a:pPr>
-            <a:r>
-              <a:t/>
-            </a:r>
             <a:endParaRPr/>
           </a:p>
         </p:txBody>
@@ -1094,11 +1111,11 @@
 </file>
 
 <file path=ppt/notesSlides/notesSlide2.xml><?xml version="1.0" encoding="utf-8"?>
-<p:notes xmlns:a="http://schemas.openxmlformats.org/drawingml/2006/main" xmlns:r="http://schemas.openxmlformats.org/officeDocument/2006/relationships" xmlns:mc="http://schemas.openxmlformats.org/markup-compatibility/2006" xmlns:mv="urn:schemas-microsoft-com:mac:vml" xmlns:p="http://schemas.openxmlformats.org/presentationml/2006/main" xmlns:c="http://schemas.openxmlformats.org/drawingml/2006/chart" xmlns:dgm="http://schemas.openxmlformats.org/drawingml/2006/diagram" xmlns:o="urn:schemas-microsoft-com:office:office" xmlns:v="urn:schemas-microsoft-com:vml" xmlns:pvml="urn:schemas-microsoft-com:office:powerpoint" xmlns:com="http://schemas.openxmlformats.org/drawingml/2006/compatibility" xmlns:p14="http://schemas.microsoft.com/office/powerpoint/2010/main" xmlns:p15="http://schemas.microsoft.com/office/powerpoint/2012/main" xmlns:ahyp="http://schemas.microsoft.com/office/drawing/2018/hyperlinkcolor" showMasterPhAnim="0" showMasterSp="0">
+<p:notes xmlns:a="http://schemas.openxmlformats.org/drawingml/2006/main" xmlns:r="http://schemas.openxmlformats.org/officeDocument/2006/relationships" xmlns:p="http://schemas.openxmlformats.org/presentationml/2006/main" showMasterSp="0" showMasterPhAnim="0">
   <p:cSld>
     <p:spTree>
       <p:nvGrpSpPr>
-        <p:cNvPr id="56" name="Shape 56"/>
+        <p:cNvPr id="1" name="Shape 56"/>
         <p:cNvGrpSpPr/>
         <p:nvPr/>
       </p:nvGrpSpPr>
@@ -1113,9 +1130,11 @@
       <p:sp>
         <p:nvSpPr>
           <p:cNvPr id="57" name="Google Shape;57;g887adf6851_0_1:notes"/>
-          <p:cNvSpPr/>
+          <p:cNvSpPr>
+            <a:spLocks noGrp="1" noRot="1" noChangeAspect="1"/>
+          </p:cNvSpPr>
           <p:nvPr>
-            <p:ph idx="2" type="sldImg"/>
+            <p:ph type="sldImg" idx="2"/>
           </p:nvPr>
         </p:nvSpPr>
         <p:spPr>
@@ -1124,9 +1143,13 @@
             <a:ext cx="6096000" cy="3429000"/>
           </a:xfrm>
           <a:custGeom>
-            <a:rect b="b" l="l" r="r" t="t"/>
+            <a:avLst/>
+            <a:gdLst/>
+            <a:ahLst/>
+            <a:cxnLst/>
+            <a:rect l="l" t="t" r="r" b="b"/>
             <a:pathLst>
-              <a:path extrusionOk="0" h="120000" w="120000">
+              <a:path w="120000" h="120000" extrusionOk="0">
                 <a:moveTo>
                   <a:pt x="0" y="0"/>
                 </a:moveTo>
@@ -1148,9 +1171,11 @@
       <p:sp>
         <p:nvSpPr>
           <p:cNvPr id="58" name="Google Shape;58;g887adf6851_0_1:notes"/>
-          <p:cNvSpPr txBox="1"/>
+          <p:cNvSpPr txBox="1">
+            <a:spLocks noGrp="1"/>
+          </p:cNvSpPr>
           <p:nvPr>
-            <p:ph idx="1" type="body"/>
+            <p:ph type="body" idx="1"/>
           </p:nvPr>
         </p:nvSpPr>
         <p:spPr>
@@ -1163,12 +1188,12 @@
           </a:prstGeom>
         </p:spPr>
         <p:txBody>
-          <a:bodyPr anchorCtr="0" anchor="t" bIns="91425" lIns="91425" spcFirstLastPara="1" rIns="91425" wrap="square" tIns="91425">
+          <a:bodyPr spcFirstLastPara="1" wrap="square" lIns="91425" tIns="91425" rIns="91425" bIns="91425" anchor="t" anchorCtr="0">
             <a:noAutofit/>
           </a:bodyPr>
           <a:lstStyle/>
           <a:p>
-            <a:pPr indent="0" lvl="0" marL="0" rtl="0" algn="l">
+            <a:pPr marL="0" lvl="0" indent="0" algn="l" rtl="0">
               <a:spcBef>
                 <a:spcPts val="0"/>
               </a:spcBef>
@@ -1177,9 +1202,6 @@
               </a:spcAft>
               <a:buNone/>
             </a:pPr>
-            <a:r>
-              <a:t/>
-            </a:r>
             <a:endParaRPr/>
           </a:p>
         </p:txBody>
@@ -1193,11 +1215,11 @@
 </file>
 
 <file path=ppt/notesSlides/notesSlide3.xml><?xml version="1.0" encoding="utf-8"?>
-<p:notes xmlns:a="http://schemas.openxmlformats.org/drawingml/2006/main" xmlns:r="http://schemas.openxmlformats.org/officeDocument/2006/relationships" xmlns:mc="http://schemas.openxmlformats.org/markup-compatibility/2006" xmlns:mv="urn:schemas-microsoft-com:mac:vml" xmlns:p="http://schemas.openxmlformats.org/presentationml/2006/main" xmlns:c="http://schemas.openxmlformats.org/drawingml/2006/chart" xmlns:dgm="http://schemas.openxmlformats.org/drawingml/2006/diagram" xmlns:o="urn:schemas-microsoft-com:office:office" xmlns:v="urn:schemas-microsoft-com:vml" xmlns:pvml="urn:schemas-microsoft-com:office:powerpoint" xmlns:com="http://schemas.openxmlformats.org/drawingml/2006/compatibility" xmlns:p14="http://schemas.microsoft.com/office/powerpoint/2010/main" xmlns:p15="http://schemas.microsoft.com/office/powerpoint/2012/main" xmlns:ahyp="http://schemas.microsoft.com/office/drawing/2018/hyperlinkcolor" showMasterPhAnim="0" showMasterSp="0">
+<p:notes xmlns:a="http://schemas.openxmlformats.org/drawingml/2006/main" xmlns:r="http://schemas.openxmlformats.org/officeDocument/2006/relationships" xmlns:p="http://schemas.openxmlformats.org/presentationml/2006/main" showMasterSp="0" showMasterPhAnim="0">
   <p:cSld>
     <p:spTree>
       <p:nvGrpSpPr>
-        <p:cNvPr id="62" name="Shape 62"/>
+        <p:cNvPr id="1" name="Shape 62"/>
         <p:cNvGrpSpPr/>
         <p:nvPr/>
       </p:nvGrpSpPr>
@@ -1212,9 +1234,11 @@
       <p:sp>
         <p:nvSpPr>
           <p:cNvPr id="63" name="Google Shape;63;g8cec1572f1_0_3:notes"/>
-          <p:cNvSpPr/>
+          <p:cNvSpPr>
+            <a:spLocks noGrp="1" noRot="1" noChangeAspect="1"/>
+          </p:cNvSpPr>
           <p:nvPr>
-            <p:ph idx="2" type="sldImg"/>
+            <p:ph type="sldImg" idx="2"/>
           </p:nvPr>
         </p:nvSpPr>
         <p:spPr>
@@ -1223,9 +1247,13 @@
             <a:ext cx="6096000" cy="3429000"/>
           </a:xfrm>
           <a:custGeom>
-            <a:rect b="b" l="l" r="r" t="t"/>
+            <a:avLst/>
+            <a:gdLst/>
+            <a:ahLst/>
+            <a:cxnLst/>
+            <a:rect l="l" t="t" r="r" b="b"/>
             <a:pathLst>
-              <a:path extrusionOk="0" h="120000" w="120000">
+              <a:path w="120000" h="120000" extrusionOk="0">
                 <a:moveTo>
                   <a:pt x="0" y="0"/>
                 </a:moveTo>
@@ -1247,9 +1275,11 @@
       <p:sp>
         <p:nvSpPr>
           <p:cNvPr id="64" name="Google Shape;64;g8cec1572f1_0_3:notes"/>
-          <p:cNvSpPr txBox="1"/>
+          <p:cNvSpPr txBox="1">
+            <a:spLocks noGrp="1"/>
+          </p:cNvSpPr>
           <p:nvPr>
-            <p:ph idx="1" type="body"/>
+            <p:ph type="body" idx="1"/>
           </p:nvPr>
         </p:nvSpPr>
         <p:spPr>
@@ -1262,12 +1292,12 @@
           </a:prstGeom>
         </p:spPr>
         <p:txBody>
-          <a:bodyPr anchorCtr="0" anchor="t" bIns="91425" lIns="91425" spcFirstLastPara="1" rIns="91425" wrap="square" tIns="91425">
+          <a:bodyPr spcFirstLastPara="1" wrap="square" lIns="91425" tIns="91425" rIns="91425" bIns="91425" anchor="t" anchorCtr="0">
             <a:noAutofit/>
           </a:bodyPr>
           <a:lstStyle/>
           <a:p>
-            <a:pPr indent="0" lvl="0" marL="0" rtl="0" algn="l">
+            <a:pPr marL="0" lvl="0" indent="0" algn="l" rtl="0">
               <a:spcBef>
                 <a:spcPts val="0"/>
               </a:spcBef>
@@ -1276,9 +1306,6 @@
               </a:spcAft>
               <a:buNone/>
             </a:pPr>
-            <a:r>
-              <a:t/>
-            </a:r>
             <a:endParaRPr/>
           </a:p>
         </p:txBody>
@@ -1292,11 +1319,11 @@
 </file>
 
 <file path=ppt/notesSlides/notesSlide4.xml><?xml version="1.0" encoding="utf-8"?>
-<p:notes xmlns:a="http://schemas.openxmlformats.org/drawingml/2006/main" xmlns:r="http://schemas.openxmlformats.org/officeDocument/2006/relationships" xmlns:mc="http://schemas.openxmlformats.org/markup-compatibility/2006" xmlns:mv="urn:schemas-microsoft-com:mac:vml" xmlns:p="http://schemas.openxmlformats.org/presentationml/2006/main" xmlns:c="http://schemas.openxmlformats.org/drawingml/2006/chart" xmlns:dgm="http://schemas.openxmlformats.org/drawingml/2006/diagram" xmlns:o="urn:schemas-microsoft-com:office:office" xmlns:v="urn:schemas-microsoft-com:vml" xmlns:pvml="urn:schemas-microsoft-com:office:powerpoint" xmlns:com="http://schemas.openxmlformats.org/drawingml/2006/compatibility" xmlns:p14="http://schemas.microsoft.com/office/powerpoint/2010/main" xmlns:p15="http://schemas.microsoft.com/office/powerpoint/2012/main" xmlns:ahyp="http://schemas.microsoft.com/office/drawing/2018/hyperlinkcolor" showMasterPhAnim="0" showMasterSp="0">
+<p:notes xmlns:a="http://schemas.openxmlformats.org/drawingml/2006/main" xmlns:r="http://schemas.openxmlformats.org/officeDocument/2006/relationships" xmlns:p="http://schemas.openxmlformats.org/presentationml/2006/main" showMasterSp="0" showMasterPhAnim="0">
   <p:cSld>
     <p:spTree>
       <p:nvGrpSpPr>
-        <p:cNvPr id="68" name="Shape 68"/>
+        <p:cNvPr id="1" name="Shape 68"/>
         <p:cNvGrpSpPr/>
         <p:nvPr/>
       </p:nvGrpSpPr>
@@ -1311,9 +1338,11 @@
       <p:sp>
         <p:nvSpPr>
           <p:cNvPr id="69" name="Google Shape;69;g8cec1572f1_0_8:notes"/>
-          <p:cNvSpPr/>
+          <p:cNvSpPr>
+            <a:spLocks noGrp="1" noRot="1" noChangeAspect="1"/>
+          </p:cNvSpPr>
           <p:nvPr>
-            <p:ph idx="2" type="sldImg"/>
+            <p:ph type="sldImg" idx="2"/>
           </p:nvPr>
         </p:nvSpPr>
         <p:spPr>
@@ -1322,9 +1351,13 @@
             <a:ext cx="6096000" cy="3429000"/>
           </a:xfrm>
           <a:custGeom>
-            <a:rect b="b" l="l" r="r" t="t"/>
+            <a:avLst/>
+            <a:gdLst/>
+            <a:ahLst/>
+            <a:cxnLst/>
+            <a:rect l="l" t="t" r="r" b="b"/>
             <a:pathLst>
-              <a:path extrusionOk="0" h="120000" w="120000">
+              <a:path w="120000" h="120000" extrusionOk="0">
                 <a:moveTo>
                   <a:pt x="0" y="0"/>
                 </a:moveTo>
@@ -1346,9 +1379,11 @@
       <p:sp>
         <p:nvSpPr>
           <p:cNvPr id="70" name="Google Shape;70;g8cec1572f1_0_8:notes"/>
-          <p:cNvSpPr txBox="1"/>
+          <p:cNvSpPr txBox="1">
+            <a:spLocks noGrp="1"/>
+          </p:cNvSpPr>
           <p:nvPr>
-            <p:ph idx="1" type="body"/>
+            <p:ph type="body" idx="1"/>
           </p:nvPr>
         </p:nvSpPr>
         <p:spPr>
@@ -1361,12 +1396,12 @@
           </a:prstGeom>
         </p:spPr>
         <p:txBody>
-          <a:bodyPr anchorCtr="0" anchor="t" bIns="91425" lIns="91425" spcFirstLastPara="1" rIns="91425" wrap="square" tIns="91425">
+          <a:bodyPr spcFirstLastPara="1" wrap="square" lIns="91425" tIns="91425" rIns="91425" bIns="91425" anchor="t" anchorCtr="0">
             <a:noAutofit/>
           </a:bodyPr>
           <a:lstStyle/>
           <a:p>
-            <a:pPr indent="0" lvl="0" marL="0" rtl="0" algn="l">
+            <a:pPr marL="0" lvl="0" indent="0" algn="l" rtl="0">
               <a:spcBef>
                 <a:spcPts val="0"/>
               </a:spcBef>
@@ -1375,9 +1410,6 @@
               </a:spcAft>
               <a:buNone/>
             </a:pPr>
-            <a:r>
-              <a:t/>
-            </a:r>
             <a:endParaRPr/>
           </a:p>
         </p:txBody>
@@ -1391,11 +1423,11 @@
 </file>
 
 <file path=ppt/notesSlides/notesSlide5.xml><?xml version="1.0" encoding="utf-8"?>
-<p:notes xmlns:a="http://schemas.openxmlformats.org/drawingml/2006/main" xmlns:r="http://schemas.openxmlformats.org/officeDocument/2006/relationships" xmlns:mc="http://schemas.openxmlformats.org/markup-compatibility/2006" xmlns:mv="urn:schemas-microsoft-com:mac:vml" xmlns:p="http://schemas.openxmlformats.org/presentationml/2006/main" xmlns:c="http://schemas.openxmlformats.org/drawingml/2006/chart" xmlns:dgm="http://schemas.openxmlformats.org/drawingml/2006/diagram" xmlns:o="urn:schemas-microsoft-com:office:office" xmlns:v="urn:schemas-microsoft-com:vml" xmlns:pvml="urn:schemas-microsoft-com:office:powerpoint" xmlns:com="http://schemas.openxmlformats.org/drawingml/2006/compatibility" xmlns:p14="http://schemas.microsoft.com/office/powerpoint/2010/main" xmlns:p15="http://schemas.microsoft.com/office/powerpoint/2012/main" xmlns:ahyp="http://schemas.microsoft.com/office/drawing/2018/hyperlinkcolor" showMasterPhAnim="0" showMasterSp="0">
+<p:notes xmlns:a="http://schemas.openxmlformats.org/drawingml/2006/main" xmlns:r="http://schemas.openxmlformats.org/officeDocument/2006/relationships" xmlns:p="http://schemas.openxmlformats.org/presentationml/2006/main" showMasterSp="0" showMasterPhAnim="0">
   <p:cSld>
     <p:spTree>
       <p:nvGrpSpPr>
-        <p:cNvPr id="74" name="Shape 74"/>
+        <p:cNvPr id="1" name="Shape 74"/>
         <p:cNvGrpSpPr/>
         <p:nvPr/>
       </p:nvGrpSpPr>
@@ -1410,9 +1442,11 @@
       <p:sp>
         <p:nvSpPr>
           <p:cNvPr id="75" name="Google Shape;75;g8cec1572f1_0_13:notes"/>
-          <p:cNvSpPr/>
+          <p:cNvSpPr>
+            <a:spLocks noGrp="1" noRot="1" noChangeAspect="1"/>
+          </p:cNvSpPr>
           <p:nvPr>
-            <p:ph idx="2" type="sldImg"/>
+            <p:ph type="sldImg" idx="2"/>
           </p:nvPr>
         </p:nvSpPr>
         <p:spPr>
@@ -1421,9 +1455,13 @@
             <a:ext cx="6096000" cy="3429000"/>
           </a:xfrm>
           <a:custGeom>
-            <a:rect b="b" l="l" r="r" t="t"/>
+            <a:avLst/>
+            <a:gdLst/>
+            <a:ahLst/>
+            <a:cxnLst/>
+            <a:rect l="l" t="t" r="r" b="b"/>
             <a:pathLst>
-              <a:path extrusionOk="0" h="120000" w="120000">
+              <a:path w="120000" h="120000" extrusionOk="0">
                 <a:moveTo>
                   <a:pt x="0" y="0"/>
                 </a:moveTo>
@@ -1445,9 +1483,11 @@
       <p:sp>
         <p:nvSpPr>
           <p:cNvPr id="76" name="Google Shape;76;g8cec1572f1_0_13:notes"/>
-          <p:cNvSpPr txBox="1"/>
+          <p:cNvSpPr txBox="1">
+            <a:spLocks noGrp="1"/>
+          </p:cNvSpPr>
           <p:nvPr>
-            <p:ph idx="1" type="body"/>
+            <p:ph type="body" idx="1"/>
           </p:nvPr>
         </p:nvSpPr>
         <p:spPr>
@@ -1460,12 +1500,12 @@
           </a:prstGeom>
         </p:spPr>
         <p:txBody>
-          <a:bodyPr anchorCtr="0" anchor="t" bIns="91425" lIns="91425" spcFirstLastPara="1" rIns="91425" wrap="square" tIns="91425">
+          <a:bodyPr spcFirstLastPara="1" wrap="square" lIns="91425" tIns="91425" rIns="91425" bIns="91425" anchor="t" anchorCtr="0">
             <a:noAutofit/>
           </a:bodyPr>
           <a:lstStyle/>
           <a:p>
-            <a:pPr indent="0" lvl="0" marL="0" rtl="0" algn="l">
+            <a:pPr marL="0" lvl="0" indent="0" algn="l" rtl="0">
               <a:spcBef>
                 <a:spcPts val="0"/>
               </a:spcBef>
@@ -1474,9 +1514,6 @@
               </a:spcAft>
               <a:buNone/>
             </a:pPr>
-            <a:r>
-              <a:t/>
-            </a:r>
             <a:endParaRPr/>
           </a:p>
         </p:txBody>
@@ -1490,11 +1527,11 @@
 </file>
 
 <file path=ppt/notesSlides/notesSlide6.xml><?xml version="1.0" encoding="utf-8"?>
-<p:notes xmlns:a="http://schemas.openxmlformats.org/drawingml/2006/main" xmlns:r="http://schemas.openxmlformats.org/officeDocument/2006/relationships" xmlns:mc="http://schemas.openxmlformats.org/markup-compatibility/2006" xmlns:mv="urn:schemas-microsoft-com:mac:vml" xmlns:p="http://schemas.openxmlformats.org/presentationml/2006/main" xmlns:c="http://schemas.openxmlformats.org/drawingml/2006/chart" xmlns:dgm="http://schemas.openxmlformats.org/drawingml/2006/diagram" xmlns:o="urn:schemas-microsoft-com:office:office" xmlns:v="urn:schemas-microsoft-com:vml" xmlns:pvml="urn:schemas-microsoft-com:office:powerpoint" xmlns:com="http://schemas.openxmlformats.org/drawingml/2006/compatibility" xmlns:p14="http://schemas.microsoft.com/office/powerpoint/2010/main" xmlns:p15="http://schemas.microsoft.com/office/powerpoint/2012/main" xmlns:ahyp="http://schemas.microsoft.com/office/drawing/2018/hyperlinkcolor" showMasterPhAnim="0" showMasterSp="0">
+<p:notes xmlns:a="http://schemas.openxmlformats.org/drawingml/2006/main" xmlns:r="http://schemas.openxmlformats.org/officeDocument/2006/relationships" xmlns:p="http://schemas.openxmlformats.org/presentationml/2006/main" showMasterSp="0" showMasterPhAnim="0">
   <p:cSld>
     <p:spTree>
       <p:nvGrpSpPr>
-        <p:cNvPr id="80" name="Shape 80"/>
+        <p:cNvPr id="1" name="Shape 80"/>
         <p:cNvGrpSpPr/>
         <p:nvPr/>
       </p:nvGrpSpPr>
@@ -1509,9 +1546,11 @@
       <p:sp>
         <p:nvSpPr>
           <p:cNvPr id="81" name="Google Shape;81;g8cec1572f1_0_19:notes"/>
-          <p:cNvSpPr/>
+          <p:cNvSpPr>
+            <a:spLocks noGrp="1" noRot="1" noChangeAspect="1"/>
+          </p:cNvSpPr>
           <p:nvPr>
-            <p:ph idx="2" type="sldImg"/>
+            <p:ph type="sldImg" idx="2"/>
           </p:nvPr>
         </p:nvSpPr>
         <p:spPr>
@@ -1520,9 +1559,13 @@
             <a:ext cx="6096000" cy="3429000"/>
           </a:xfrm>
           <a:custGeom>
-            <a:rect b="b" l="l" r="r" t="t"/>
+            <a:avLst/>
+            <a:gdLst/>
+            <a:ahLst/>
+            <a:cxnLst/>
+            <a:rect l="l" t="t" r="r" b="b"/>
             <a:pathLst>
-              <a:path extrusionOk="0" h="120000" w="120000">
+              <a:path w="120000" h="120000" extrusionOk="0">
                 <a:moveTo>
                   <a:pt x="0" y="0"/>
                 </a:moveTo>
@@ -1544,9 +1587,11 @@
       <p:sp>
         <p:nvSpPr>
           <p:cNvPr id="82" name="Google Shape;82;g8cec1572f1_0_19:notes"/>
-          <p:cNvSpPr txBox="1"/>
+          <p:cNvSpPr txBox="1">
+            <a:spLocks noGrp="1"/>
+          </p:cNvSpPr>
           <p:nvPr>
-            <p:ph idx="1" type="body"/>
+            <p:ph type="body" idx="1"/>
           </p:nvPr>
         </p:nvSpPr>
         <p:spPr>
@@ -1559,12 +1604,12 @@
           </a:prstGeom>
         </p:spPr>
         <p:txBody>
-          <a:bodyPr anchorCtr="0" anchor="t" bIns="91425" lIns="91425" spcFirstLastPara="1" rIns="91425" wrap="square" tIns="91425">
+          <a:bodyPr spcFirstLastPara="1" wrap="square" lIns="91425" tIns="91425" rIns="91425" bIns="91425" anchor="t" anchorCtr="0">
             <a:noAutofit/>
           </a:bodyPr>
           <a:lstStyle/>
           <a:p>
-            <a:pPr indent="0" lvl="0" marL="0" rtl="0" algn="l">
+            <a:pPr marL="0" lvl="0" indent="0" algn="l" rtl="0">
               <a:spcBef>
                 <a:spcPts val="0"/>
               </a:spcBef>
@@ -1573,9 +1618,6 @@
               </a:spcAft>
               <a:buNone/>
             </a:pPr>
-            <a:r>
-              <a:t/>
-            </a:r>
             <a:endParaRPr/>
           </a:p>
         </p:txBody>
@@ -1589,11 +1631,11 @@
 </file>
 
 <file path=ppt/notesSlides/notesSlide7.xml><?xml version="1.0" encoding="utf-8"?>
-<p:notes xmlns:a="http://schemas.openxmlformats.org/drawingml/2006/main" xmlns:r="http://schemas.openxmlformats.org/officeDocument/2006/relationships" xmlns:mc="http://schemas.openxmlformats.org/markup-compatibility/2006" xmlns:mv="urn:schemas-microsoft-com:mac:vml" xmlns:p="http://schemas.openxmlformats.org/presentationml/2006/main" xmlns:c="http://schemas.openxmlformats.org/drawingml/2006/chart" xmlns:dgm="http://schemas.openxmlformats.org/drawingml/2006/diagram" xmlns:o="urn:schemas-microsoft-com:office:office" xmlns:v="urn:schemas-microsoft-com:vml" xmlns:pvml="urn:schemas-microsoft-com:office:powerpoint" xmlns:com="http://schemas.openxmlformats.org/drawingml/2006/compatibility" xmlns:p14="http://schemas.microsoft.com/office/powerpoint/2010/main" xmlns:p15="http://schemas.microsoft.com/office/powerpoint/2012/main" xmlns:ahyp="http://schemas.microsoft.com/office/drawing/2018/hyperlinkcolor" showMasterPhAnim="0" showMasterSp="0">
+<p:notes xmlns:a="http://schemas.openxmlformats.org/drawingml/2006/main" xmlns:r="http://schemas.openxmlformats.org/officeDocument/2006/relationships" xmlns:p="http://schemas.openxmlformats.org/presentationml/2006/main" showMasterSp="0" showMasterPhAnim="0">
   <p:cSld>
     <p:spTree>
       <p:nvGrpSpPr>
-        <p:cNvPr id="88" name="Shape 88"/>
+        <p:cNvPr id="1" name="Shape 88"/>
         <p:cNvGrpSpPr/>
         <p:nvPr/>
       </p:nvGrpSpPr>
@@ -1608,9 +1650,11 @@
       <p:sp>
         <p:nvSpPr>
           <p:cNvPr id="89" name="Google Shape;89;g8cec1572f1_0_27:notes"/>
-          <p:cNvSpPr/>
+          <p:cNvSpPr>
+            <a:spLocks noGrp="1" noRot="1" noChangeAspect="1"/>
+          </p:cNvSpPr>
           <p:nvPr>
-            <p:ph idx="2" type="sldImg"/>
+            <p:ph type="sldImg" idx="2"/>
           </p:nvPr>
         </p:nvSpPr>
         <p:spPr>
@@ -1619,9 +1663,13 @@
             <a:ext cx="6096000" cy="3429000"/>
           </a:xfrm>
           <a:custGeom>
-            <a:rect b="b" l="l" r="r" t="t"/>
+            <a:avLst/>
+            <a:gdLst/>
+            <a:ahLst/>
+            <a:cxnLst/>
+            <a:rect l="l" t="t" r="r" b="b"/>
             <a:pathLst>
-              <a:path extrusionOk="0" h="120000" w="120000">
+              <a:path w="120000" h="120000" extrusionOk="0">
                 <a:moveTo>
                   <a:pt x="0" y="0"/>
                 </a:moveTo>
@@ -1643,9 +1691,11 @@
       <p:sp>
         <p:nvSpPr>
           <p:cNvPr id="90" name="Google Shape;90;g8cec1572f1_0_27:notes"/>
-          <p:cNvSpPr txBox="1"/>
+          <p:cNvSpPr txBox="1">
+            <a:spLocks noGrp="1"/>
+          </p:cNvSpPr>
           <p:nvPr>
-            <p:ph idx="1" type="body"/>
+            <p:ph type="body" idx="1"/>
           </p:nvPr>
         </p:nvSpPr>
         <p:spPr>
@@ -1658,12 +1708,12 @@
           </a:prstGeom>
         </p:spPr>
         <p:txBody>
-          <a:bodyPr anchorCtr="0" anchor="t" bIns="91425" lIns="91425" spcFirstLastPara="1" rIns="91425" wrap="square" tIns="91425">
+          <a:bodyPr spcFirstLastPara="1" wrap="square" lIns="91425" tIns="91425" rIns="91425" bIns="91425" anchor="t" anchorCtr="0">
             <a:noAutofit/>
           </a:bodyPr>
           <a:lstStyle/>
           <a:p>
-            <a:pPr indent="0" lvl="0" marL="0" rtl="0" algn="l">
+            <a:pPr marL="0" lvl="0" indent="0" algn="l" rtl="0">
               <a:spcBef>
                 <a:spcPts val="0"/>
               </a:spcBef>
@@ -1672,9 +1722,6 @@
               </a:spcAft>
               <a:buNone/>
             </a:pPr>
-            <a:r>
-              <a:t/>
-            </a:r>
             <a:endParaRPr/>
           </a:p>
         </p:txBody>
@@ -1688,11 +1735,11 @@
 </file>
 
 <file path=ppt/notesSlides/notesSlide8.xml><?xml version="1.0" encoding="utf-8"?>
-<p:notes xmlns:a="http://schemas.openxmlformats.org/drawingml/2006/main" xmlns:r="http://schemas.openxmlformats.org/officeDocument/2006/relationships" xmlns:mc="http://schemas.openxmlformats.org/markup-compatibility/2006" xmlns:mv="urn:schemas-microsoft-com:mac:vml" xmlns:p="http://schemas.openxmlformats.org/presentationml/2006/main" xmlns:c="http://schemas.openxmlformats.org/drawingml/2006/chart" xmlns:dgm="http://schemas.openxmlformats.org/drawingml/2006/diagram" xmlns:o="urn:schemas-microsoft-com:office:office" xmlns:v="urn:schemas-microsoft-com:vml" xmlns:pvml="urn:schemas-microsoft-com:office:powerpoint" xmlns:com="http://schemas.openxmlformats.org/drawingml/2006/compatibility" xmlns:p14="http://schemas.microsoft.com/office/powerpoint/2010/main" xmlns:p15="http://schemas.microsoft.com/office/powerpoint/2012/main" xmlns:ahyp="http://schemas.microsoft.com/office/drawing/2018/hyperlinkcolor" showMasterPhAnim="0" showMasterSp="0">
+<p:notes xmlns:a="http://schemas.openxmlformats.org/drawingml/2006/main" xmlns:r="http://schemas.openxmlformats.org/officeDocument/2006/relationships" xmlns:p="http://schemas.openxmlformats.org/presentationml/2006/main" showMasterSp="0" showMasterPhAnim="0">
   <p:cSld>
     <p:spTree>
       <p:nvGrpSpPr>
-        <p:cNvPr id="94" name="Shape 94"/>
+        <p:cNvPr id="1" name="Shape 94"/>
         <p:cNvGrpSpPr/>
         <p:nvPr/>
       </p:nvGrpSpPr>
@@ -1707,9 +1754,11 @@
       <p:sp>
         <p:nvSpPr>
           <p:cNvPr id="95" name="Google Shape;95;g8cec1572f1_1_0:notes"/>
-          <p:cNvSpPr/>
+          <p:cNvSpPr>
+            <a:spLocks noGrp="1" noRot="1" noChangeAspect="1"/>
+          </p:cNvSpPr>
           <p:nvPr>
-            <p:ph idx="2" type="sldImg"/>
+            <p:ph type="sldImg" idx="2"/>
           </p:nvPr>
         </p:nvSpPr>
         <p:spPr>
@@ -1718,9 +1767,13 @@
             <a:ext cx="6096000" cy="3429000"/>
           </a:xfrm>
           <a:custGeom>
-            <a:rect b="b" l="l" r="r" t="t"/>
+            <a:avLst/>
+            <a:gdLst/>
+            <a:ahLst/>
+            <a:cxnLst/>
+            <a:rect l="l" t="t" r="r" b="b"/>
             <a:pathLst>
-              <a:path extrusionOk="0" h="120000" w="120000">
+              <a:path w="120000" h="120000" extrusionOk="0">
                 <a:moveTo>
                   <a:pt x="0" y="0"/>
                 </a:moveTo>
@@ -1742,9 +1795,11 @@
       <p:sp>
         <p:nvSpPr>
           <p:cNvPr id="96" name="Google Shape;96;g8cec1572f1_1_0:notes"/>
-          <p:cNvSpPr txBox="1"/>
+          <p:cNvSpPr txBox="1">
+            <a:spLocks noGrp="1"/>
+          </p:cNvSpPr>
           <p:nvPr>
-            <p:ph idx="1" type="body"/>
+            <p:ph type="body" idx="1"/>
           </p:nvPr>
         </p:nvSpPr>
         <p:spPr>
@@ -1757,12 +1812,12 @@
           </a:prstGeom>
         </p:spPr>
         <p:txBody>
-          <a:bodyPr anchorCtr="0" anchor="t" bIns="91425" lIns="91425" spcFirstLastPara="1" rIns="91425" wrap="square" tIns="91425">
+          <a:bodyPr spcFirstLastPara="1" wrap="square" lIns="91425" tIns="91425" rIns="91425" bIns="91425" anchor="t" anchorCtr="0">
             <a:noAutofit/>
           </a:bodyPr>
           <a:lstStyle/>
           <a:p>
-            <a:pPr indent="0" lvl="0" marL="0" rtl="0" algn="l">
+            <a:pPr marL="0" lvl="0" indent="0" algn="l" rtl="0">
               <a:spcBef>
                 <a:spcPts val="0"/>
               </a:spcBef>
@@ -1771,9 +1826,6 @@
               </a:spcAft>
               <a:buNone/>
             </a:pPr>
-            <a:r>
-              <a:t/>
-            </a:r>
             <a:endParaRPr/>
           </a:p>
         </p:txBody>
@@ -1787,11 +1839,11 @@
 </file>
 
 <file path=ppt/notesSlides/notesSlide9.xml><?xml version="1.0" encoding="utf-8"?>
-<p:notes xmlns:a="http://schemas.openxmlformats.org/drawingml/2006/main" xmlns:r="http://schemas.openxmlformats.org/officeDocument/2006/relationships" xmlns:mc="http://schemas.openxmlformats.org/markup-compatibility/2006" xmlns:mv="urn:schemas-microsoft-com:mac:vml" xmlns:p="http://schemas.openxmlformats.org/presentationml/2006/main" xmlns:c="http://schemas.openxmlformats.org/drawingml/2006/chart" xmlns:dgm="http://schemas.openxmlformats.org/drawingml/2006/diagram" xmlns:o="urn:schemas-microsoft-com:office:office" xmlns:v="urn:schemas-microsoft-com:vml" xmlns:pvml="urn:schemas-microsoft-com:office:powerpoint" xmlns:com="http://schemas.openxmlformats.org/drawingml/2006/compatibility" xmlns:p14="http://schemas.microsoft.com/office/powerpoint/2010/main" xmlns:p15="http://schemas.microsoft.com/office/powerpoint/2012/main" xmlns:ahyp="http://schemas.microsoft.com/office/drawing/2018/hyperlinkcolor" showMasterPhAnim="0" showMasterSp="0">
+<p:notes xmlns:a="http://schemas.openxmlformats.org/drawingml/2006/main" xmlns:r="http://schemas.openxmlformats.org/officeDocument/2006/relationships" xmlns:p="http://schemas.openxmlformats.org/presentationml/2006/main" showMasterSp="0" showMasterPhAnim="0">
   <p:cSld>
     <p:spTree>
       <p:nvGrpSpPr>
-        <p:cNvPr id="100" name="Shape 100"/>
+        <p:cNvPr id="1" name="Shape 100"/>
         <p:cNvGrpSpPr/>
         <p:nvPr/>
       </p:nvGrpSpPr>
@@ -1806,9 +1858,11 @@
       <p:sp>
         <p:nvSpPr>
           <p:cNvPr id="101" name="Google Shape;101;g8ecb716fee_0_0:notes"/>
-          <p:cNvSpPr/>
+          <p:cNvSpPr>
+            <a:spLocks noGrp="1" noRot="1" noChangeAspect="1"/>
+          </p:cNvSpPr>
           <p:nvPr>
-            <p:ph idx="2" type="sldImg"/>
+            <p:ph type="sldImg" idx="2"/>
           </p:nvPr>
         </p:nvSpPr>
         <p:spPr>
@@ -1817,9 +1871,13 @@
             <a:ext cx="6096000" cy="3429000"/>
           </a:xfrm>
           <a:custGeom>
-            <a:rect b="b" l="l" r="r" t="t"/>
+            <a:avLst/>
+            <a:gdLst/>
+            <a:ahLst/>
+            <a:cxnLst/>
+            <a:rect l="l" t="t" r="r" b="b"/>
             <a:pathLst>
-              <a:path extrusionOk="0" h="120000" w="120000">
+              <a:path w="120000" h="120000" extrusionOk="0">
                 <a:moveTo>
                   <a:pt x="0" y="0"/>
                 </a:moveTo>
@@ -1841,9 +1899,11 @@
       <p:sp>
         <p:nvSpPr>
           <p:cNvPr id="102" name="Google Shape;102;g8ecb716fee_0_0:notes"/>
-          <p:cNvSpPr txBox="1"/>
+          <p:cNvSpPr txBox="1">
+            <a:spLocks noGrp="1"/>
+          </p:cNvSpPr>
           <p:nvPr>
-            <p:ph idx="1" type="body"/>
+            <p:ph type="body" idx="1"/>
           </p:nvPr>
         </p:nvSpPr>
         <p:spPr>
@@ -1856,12 +1916,12 @@
           </a:prstGeom>
         </p:spPr>
         <p:txBody>
-          <a:bodyPr anchorCtr="0" anchor="t" bIns="91425" lIns="91425" spcFirstLastPara="1" rIns="91425" wrap="square" tIns="91425">
+          <a:bodyPr spcFirstLastPara="1" wrap="square" lIns="91425" tIns="91425" rIns="91425" bIns="91425" anchor="t" anchorCtr="0">
             <a:noAutofit/>
           </a:bodyPr>
           <a:lstStyle/>
           <a:p>
-            <a:pPr indent="0" lvl="0" marL="0" rtl="0" algn="l">
+            <a:pPr marL="0" lvl="0" indent="0" algn="l" rtl="0">
               <a:spcBef>
                 <a:spcPts val="0"/>
               </a:spcBef>
@@ -1870,9 +1930,6 @@
               </a:spcAft>
               <a:buNone/>
             </a:pPr>
-            <a:r>
-              <a:t/>
-            </a:r>
             <a:endParaRPr/>
           </a:p>
         </p:txBody>
@@ -1886,11 +1943,11 @@
 </file>
 
 <file path=ppt/slideLayouts/slideLayout1.xml><?xml version="1.0" encoding="utf-8"?>
-<p:sldLayout xmlns:a="http://schemas.openxmlformats.org/drawingml/2006/main" xmlns:r="http://schemas.openxmlformats.org/officeDocument/2006/relationships" xmlns:mc="http://schemas.openxmlformats.org/markup-compatibility/2006" xmlns:mv="urn:schemas-microsoft-com:mac:vml" xmlns:p="http://schemas.openxmlformats.org/presentationml/2006/main" xmlns:c="http://schemas.openxmlformats.org/drawingml/2006/chart" xmlns:dgm="http://schemas.openxmlformats.org/drawingml/2006/diagram" xmlns:o="urn:schemas-microsoft-com:office:office" xmlns:v="urn:schemas-microsoft-com:vml" xmlns:pvml="urn:schemas-microsoft-com:office:powerpoint" xmlns:com="http://schemas.openxmlformats.org/drawingml/2006/compatibility" xmlns:p14="http://schemas.microsoft.com/office/powerpoint/2010/main" xmlns:p15="http://schemas.microsoft.com/office/powerpoint/2012/main" xmlns:ahyp="http://schemas.microsoft.com/office/drawing/2018/hyperlinkcolor" matchingName="Title slide" type="title">
+<p:sldLayout xmlns:a="http://schemas.openxmlformats.org/drawingml/2006/main" xmlns:r="http://schemas.openxmlformats.org/officeDocument/2006/relationships" xmlns:p="http://schemas.openxmlformats.org/presentationml/2006/main" matchingName="Title slide" type="title">
   <p:cSld name="TITLE">
     <p:spTree>
       <p:nvGrpSpPr>
-        <p:cNvPr id="9" name="Shape 9"/>
+        <p:cNvPr id="1" name="Shape 9"/>
         <p:cNvGrpSpPr/>
         <p:nvPr/>
       </p:nvGrpSpPr>
@@ -1905,7 +1962,9 @@
       <p:sp>
         <p:nvSpPr>
           <p:cNvPr id="10" name="Google Shape;10;p2"/>
-          <p:cNvSpPr txBox="1"/>
+          <p:cNvSpPr txBox="1">
+            <a:spLocks noGrp="1"/>
+          </p:cNvSpPr>
           <p:nvPr>
             <p:ph type="ctrTitle"/>
           </p:nvPr>
@@ -1920,7 +1979,7 @@
           </a:prstGeom>
         </p:spPr>
         <p:txBody>
-          <a:bodyPr anchorCtr="0" anchor="b" bIns="91425" lIns="91425" spcFirstLastPara="1" rIns="91425" wrap="square" tIns="91425">
+          <a:bodyPr spcFirstLastPara="1" wrap="square" lIns="91425" tIns="91425" rIns="91425" bIns="91425" anchor="b" anchorCtr="0">
             <a:noAutofit/>
           </a:bodyPr>
           <a:lstStyle>
@@ -2024,15 +2083,19 @@
               <a:defRPr sz="5200"/>
             </a:lvl9pPr>
           </a:lstStyle>
-          <a:p/>
+          <a:p>
+            <a:endParaRPr/>
+          </a:p>
         </p:txBody>
       </p:sp>
       <p:sp>
         <p:nvSpPr>
           <p:cNvPr id="11" name="Google Shape;11;p2"/>
-          <p:cNvSpPr txBox="1"/>
+          <p:cNvSpPr txBox="1">
+            <a:spLocks noGrp="1"/>
+          </p:cNvSpPr>
           <p:nvPr>
-            <p:ph idx="1" type="subTitle"/>
+            <p:ph type="subTitle" idx="1"/>
           </p:nvPr>
         </p:nvSpPr>
         <p:spPr>
@@ -2045,7 +2108,7 @@
           </a:prstGeom>
         </p:spPr>
         <p:txBody>
-          <a:bodyPr anchorCtr="0" anchor="t" bIns="91425" lIns="91425" spcFirstLastPara="1" rIns="91425" wrap="square" tIns="91425">
+          <a:bodyPr spcFirstLastPara="1" wrap="square" lIns="91425" tIns="91425" rIns="91425" bIns="91425" anchor="t" anchorCtr="0">
             <a:noAutofit/>
           </a:bodyPr>
           <a:lstStyle>
@@ -2176,15 +2239,19 @@
               <a:defRPr sz="2800"/>
             </a:lvl9pPr>
           </a:lstStyle>
-          <a:p/>
+          <a:p>
+            <a:endParaRPr/>
+          </a:p>
         </p:txBody>
       </p:sp>
       <p:sp>
         <p:nvSpPr>
           <p:cNvPr id="12" name="Google Shape;12;p2"/>
-          <p:cNvSpPr txBox="1"/>
+          <p:cNvSpPr txBox="1">
+            <a:spLocks noGrp="1"/>
+          </p:cNvSpPr>
           <p:nvPr>
-            <p:ph idx="12" type="sldNum"/>
+            <p:ph type="sldNum" idx="12"/>
           </p:nvPr>
         </p:nvSpPr>
         <p:spPr>
@@ -2197,7 +2264,7 @@
           </a:prstGeom>
         </p:spPr>
         <p:txBody>
-          <a:bodyPr anchorCtr="0" anchor="ctr" bIns="91425" lIns="91425" spcFirstLastPara="1" rIns="91425" wrap="square" tIns="91425">
+          <a:bodyPr spcFirstLastPara="1" wrap="square" lIns="91425" tIns="91425" rIns="91425" bIns="91425" anchor="ctr" anchorCtr="0">
             <a:noAutofit/>
           </a:bodyPr>
           <a:lstStyle>
@@ -2239,7 +2306,7 @@
             </a:lvl9pPr>
           </a:lstStyle>
           <a:p>
-            <a:pPr indent="0" lvl="0" marL="0" rtl="0" algn="r">
+            <a:pPr marL="0" lvl="0" indent="0" algn="r" rtl="0">
               <a:spcBef>
                 <a:spcPts val="0"/>
               </a:spcBef>
@@ -2265,11 +2332,11 @@
 </file>
 
 <file path=ppt/slideLayouts/slideLayout10.xml><?xml version="1.0" encoding="utf-8"?>
-<p:sldLayout xmlns:a="http://schemas.openxmlformats.org/drawingml/2006/main" xmlns:r="http://schemas.openxmlformats.org/officeDocument/2006/relationships" xmlns:mc="http://schemas.openxmlformats.org/markup-compatibility/2006" xmlns:mv="urn:schemas-microsoft-com:mac:vml" xmlns:p="http://schemas.openxmlformats.org/presentationml/2006/main" xmlns:c="http://schemas.openxmlformats.org/drawingml/2006/chart" xmlns:dgm="http://schemas.openxmlformats.org/drawingml/2006/diagram" xmlns:o="urn:schemas-microsoft-com:office:office" xmlns:v="urn:schemas-microsoft-com:vml" xmlns:pvml="urn:schemas-microsoft-com:office:powerpoint" xmlns:com="http://schemas.openxmlformats.org/drawingml/2006/compatibility" xmlns:p14="http://schemas.microsoft.com/office/powerpoint/2010/main" xmlns:p15="http://schemas.microsoft.com/office/powerpoint/2012/main" xmlns:ahyp="http://schemas.microsoft.com/office/drawing/2018/hyperlinkcolor" matchingName="Big number">
+<p:sldLayout xmlns:a="http://schemas.openxmlformats.org/drawingml/2006/main" xmlns:r="http://schemas.openxmlformats.org/officeDocument/2006/relationships" xmlns:p="http://schemas.openxmlformats.org/presentationml/2006/main" matchingName="Big number">
   <p:cSld name="BIG_NUMBER">
     <p:spTree>
       <p:nvGrpSpPr>
-        <p:cNvPr id="44" name="Shape 44"/>
+        <p:cNvPr id="1" name="Shape 44"/>
         <p:cNvGrpSpPr/>
         <p:nvPr/>
       </p:nvGrpSpPr>
@@ -2284,9 +2351,11 @@
       <p:sp>
         <p:nvSpPr>
           <p:cNvPr id="45" name="Google Shape;45;p11"/>
-          <p:cNvSpPr txBox="1"/>
+          <p:cNvSpPr txBox="1">
+            <a:spLocks noGrp="1"/>
+          </p:cNvSpPr>
           <p:nvPr>
-            <p:ph hasCustomPrompt="1" type="title"/>
+            <p:ph type="title" hasCustomPrompt="1"/>
           </p:nvPr>
         </p:nvSpPr>
         <p:spPr>
@@ -2299,7 +2368,7 @@
           </a:prstGeom>
         </p:spPr>
         <p:txBody>
-          <a:bodyPr anchorCtr="0" anchor="b" bIns="91425" lIns="91425" spcFirstLastPara="1" rIns="91425" wrap="square" tIns="91425">
+          <a:bodyPr spcFirstLastPara="1" wrap="square" lIns="91425" tIns="91425" rIns="91425" bIns="91425" anchor="b" anchorCtr="0">
             <a:noAutofit/>
           </a:bodyPr>
           <a:lstStyle>
@@ -2413,9 +2482,11 @@
       <p:sp>
         <p:nvSpPr>
           <p:cNvPr id="46" name="Google Shape;46;p11"/>
-          <p:cNvSpPr txBox="1"/>
+          <p:cNvSpPr txBox="1">
+            <a:spLocks noGrp="1"/>
+          </p:cNvSpPr>
           <p:nvPr>
-            <p:ph idx="1" type="body"/>
+            <p:ph type="body" idx="1"/>
           </p:nvPr>
         </p:nvSpPr>
         <p:spPr>
@@ -2428,11 +2499,11 @@
           </a:prstGeom>
         </p:spPr>
         <p:txBody>
-          <a:bodyPr anchorCtr="0" anchor="t" bIns="91425" lIns="91425" spcFirstLastPara="1" rIns="91425" wrap="square" tIns="91425">
+          <a:bodyPr spcFirstLastPara="1" wrap="square" lIns="91425" tIns="91425" rIns="91425" bIns="91425" anchor="t" anchorCtr="0">
             <a:noAutofit/>
           </a:bodyPr>
           <a:lstStyle>
-            <a:lvl1pPr indent="-342900" lvl="0" marL="457200" algn="ctr">
+            <a:lvl1pPr marL="457200" lvl="0" indent="-342900" algn="ctr">
               <a:spcBef>
                 <a:spcPts val="0"/>
               </a:spcBef>
@@ -2443,7 +2514,7 @@
               <a:buChar char="●"/>
               <a:defRPr/>
             </a:lvl1pPr>
-            <a:lvl2pPr indent="-317500" lvl="1" marL="914400" algn="ctr">
+            <a:lvl2pPr marL="914400" lvl="1" indent="-317500" algn="ctr">
               <a:spcBef>
                 <a:spcPts val="1600"/>
               </a:spcBef>
@@ -2454,7 +2525,7 @@
               <a:buChar char="○"/>
               <a:defRPr/>
             </a:lvl2pPr>
-            <a:lvl3pPr indent="-317500" lvl="2" marL="1371600" algn="ctr">
+            <a:lvl3pPr marL="1371600" lvl="2" indent="-317500" algn="ctr">
               <a:spcBef>
                 <a:spcPts val="1600"/>
               </a:spcBef>
@@ -2465,7 +2536,7 @@
               <a:buChar char="■"/>
               <a:defRPr/>
             </a:lvl3pPr>
-            <a:lvl4pPr indent="-317500" lvl="3" marL="1828800" algn="ctr">
+            <a:lvl4pPr marL="1828800" lvl="3" indent="-317500" algn="ctr">
               <a:spcBef>
                 <a:spcPts val="1600"/>
               </a:spcBef>
@@ -2476,7 +2547,7 @@
               <a:buChar char="●"/>
               <a:defRPr/>
             </a:lvl4pPr>
-            <a:lvl5pPr indent="-317500" lvl="4" marL="2286000" algn="ctr">
+            <a:lvl5pPr marL="2286000" lvl="4" indent="-317500" algn="ctr">
               <a:spcBef>
                 <a:spcPts val="1600"/>
               </a:spcBef>
@@ -2487,7 +2558,7 @@
               <a:buChar char="○"/>
               <a:defRPr/>
             </a:lvl5pPr>
-            <a:lvl6pPr indent="-317500" lvl="5" marL="2743200" algn="ctr">
+            <a:lvl6pPr marL="2743200" lvl="5" indent="-317500" algn="ctr">
               <a:spcBef>
                 <a:spcPts val="1600"/>
               </a:spcBef>
@@ -2498,7 +2569,7 @@
               <a:buChar char="■"/>
               <a:defRPr/>
             </a:lvl6pPr>
-            <a:lvl7pPr indent="-317500" lvl="6" marL="3200400" algn="ctr">
+            <a:lvl7pPr marL="3200400" lvl="6" indent="-317500" algn="ctr">
               <a:spcBef>
                 <a:spcPts val="1600"/>
               </a:spcBef>
@@ -2509,7 +2580,7 @@
               <a:buChar char="●"/>
               <a:defRPr/>
             </a:lvl7pPr>
-            <a:lvl8pPr indent="-317500" lvl="7" marL="3657600" algn="ctr">
+            <a:lvl8pPr marL="3657600" lvl="7" indent="-317500" algn="ctr">
               <a:spcBef>
                 <a:spcPts val="1600"/>
               </a:spcBef>
@@ -2520,7 +2591,7 @@
               <a:buChar char="○"/>
               <a:defRPr/>
             </a:lvl8pPr>
-            <a:lvl9pPr indent="-317500" lvl="8" marL="4114800" algn="ctr">
+            <a:lvl9pPr marL="4114800" lvl="8" indent="-317500" algn="ctr">
               <a:spcBef>
                 <a:spcPts val="1600"/>
               </a:spcBef>
@@ -2532,15 +2603,19 @@
               <a:defRPr/>
             </a:lvl9pPr>
           </a:lstStyle>
-          <a:p/>
+          <a:p>
+            <a:endParaRPr/>
+          </a:p>
         </p:txBody>
       </p:sp>
       <p:sp>
         <p:nvSpPr>
           <p:cNvPr id="47" name="Google Shape;47;p11"/>
-          <p:cNvSpPr txBox="1"/>
+          <p:cNvSpPr txBox="1">
+            <a:spLocks noGrp="1"/>
+          </p:cNvSpPr>
           <p:nvPr>
-            <p:ph idx="12" type="sldNum"/>
+            <p:ph type="sldNum" idx="12"/>
           </p:nvPr>
         </p:nvSpPr>
         <p:spPr>
@@ -2553,7 +2628,7 @@
           </a:prstGeom>
         </p:spPr>
         <p:txBody>
-          <a:bodyPr anchorCtr="0" anchor="ctr" bIns="91425" lIns="91425" spcFirstLastPara="1" rIns="91425" wrap="square" tIns="91425">
+          <a:bodyPr spcFirstLastPara="1" wrap="square" lIns="91425" tIns="91425" rIns="91425" bIns="91425" anchor="ctr" anchorCtr="0">
             <a:noAutofit/>
           </a:bodyPr>
           <a:lstStyle>
@@ -2595,7 +2670,7 @@
             </a:lvl9pPr>
           </a:lstStyle>
           <a:p>
-            <a:pPr indent="0" lvl="0" marL="0" rtl="0" algn="r">
+            <a:pPr marL="0" lvl="0" indent="0" algn="r" rtl="0">
               <a:spcBef>
                 <a:spcPts val="0"/>
               </a:spcBef>
@@ -2621,11 +2696,11 @@
 </file>
 
 <file path=ppt/slideLayouts/slideLayout11.xml><?xml version="1.0" encoding="utf-8"?>
-<p:sldLayout xmlns:a="http://schemas.openxmlformats.org/drawingml/2006/main" xmlns:r="http://schemas.openxmlformats.org/officeDocument/2006/relationships" xmlns:mc="http://schemas.openxmlformats.org/markup-compatibility/2006" xmlns:mv="urn:schemas-microsoft-com:mac:vml" xmlns:p="http://schemas.openxmlformats.org/presentationml/2006/main" xmlns:c="http://schemas.openxmlformats.org/drawingml/2006/chart" xmlns:dgm="http://schemas.openxmlformats.org/drawingml/2006/diagram" xmlns:o="urn:schemas-microsoft-com:office:office" xmlns:v="urn:schemas-microsoft-com:vml" xmlns:pvml="urn:schemas-microsoft-com:office:powerpoint" xmlns:com="http://schemas.openxmlformats.org/drawingml/2006/compatibility" xmlns:p14="http://schemas.microsoft.com/office/powerpoint/2010/main" xmlns:p15="http://schemas.microsoft.com/office/powerpoint/2012/main" xmlns:ahyp="http://schemas.microsoft.com/office/drawing/2018/hyperlinkcolor" matchingName="Blank" type="blank">
+<p:sldLayout xmlns:a="http://schemas.openxmlformats.org/drawingml/2006/main" xmlns:r="http://schemas.openxmlformats.org/officeDocument/2006/relationships" xmlns:p="http://schemas.openxmlformats.org/presentationml/2006/main" matchingName="Blank" type="blank">
   <p:cSld name="BLANK">
     <p:spTree>
       <p:nvGrpSpPr>
-        <p:cNvPr id="48" name="Shape 48"/>
+        <p:cNvPr id="1" name="Shape 48"/>
         <p:cNvGrpSpPr/>
         <p:nvPr/>
       </p:nvGrpSpPr>
@@ -2640,9 +2715,11 @@
       <p:sp>
         <p:nvSpPr>
           <p:cNvPr id="49" name="Google Shape;49;p12"/>
-          <p:cNvSpPr txBox="1"/>
+          <p:cNvSpPr txBox="1">
+            <a:spLocks noGrp="1"/>
+          </p:cNvSpPr>
           <p:nvPr>
-            <p:ph idx="12" type="sldNum"/>
+            <p:ph type="sldNum" idx="12"/>
           </p:nvPr>
         </p:nvSpPr>
         <p:spPr>
@@ -2655,7 +2732,7 @@
           </a:prstGeom>
         </p:spPr>
         <p:txBody>
-          <a:bodyPr anchorCtr="0" anchor="ctr" bIns="91425" lIns="91425" spcFirstLastPara="1" rIns="91425" wrap="square" tIns="91425">
+          <a:bodyPr spcFirstLastPara="1" wrap="square" lIns="91425" tIns="91425" rIns="91425" bIns="91425" anchor="ctr" anchorCtr="0">
             <a:noAutofit/>
           </a:bodyPr>
           <a:lstStyle>
@@ -2697,7 +2774,7 @@
             </a:lvl9pPr>
           </a:lstStyle>
           <a:p>
-            <a:pPr indent="0" lvl="0" marL="0" rtl="0" algn="r">
+            <a:pPr marL="0" lvl="0" indent="0" algn="r" rtl="0">
               <a:spcBef>
                 <a:spcPts val="0"/>
               </a:spcBef>
@@ -2723,11 +2800,11 @@
 </file>
 
 <file path=ppt/slideLayouts/slideLayout2.xml><?xml version="1.0" encoding="utf-8"?>
-<p:sldLayout xmlns:a="http://schemas.openxmlformats.org/drawingml/2006/main" xmlns:r="http://schemas.openxmlformats.org/officeDocument/2006/relationships" xmlns:mc="http://schemas.openxmlformats.org/markup-compatibility/2006" xmlns:mv="urn:schemas-microsoft-com:mac:vml" xmlns:p="http://schemas.openxmlformats.org/presentationml/2006/main" xmlns:c="http://schemas.openxmlformats.org/drawingml/2006/chart" xmlns:dgm="http://schemas.openxmlformats.org/drawingml/2006/diagram" xmlns:o="urn:schemas-microsoft-com:office:office" xmlns:v="urn:schemas-microsoft-com:vml" xmlns:pvml="urn:schemas-microsoft-com:office:powerpoint" xmlns:com="http://schemas.openxmlformats.org/drawingml/2006/compatibility" xmlns:p14="http://schemas.microsoft.com/office/powerpoint/2010/main" xmlns:p15="http://schemas.microsoft.com/office/powerpoint/2012/main" xmlns:ahyp="http://schemas.microsoft.com/office/drawing/2018/hyperlinkcolor" matchingName="Section header" type="secHead">
+<p:sldLayout xmlns:a="http://schemas.openxmlformats.org/drawingml/2006/main" xmlns:r="http://schemas.openxmlformats.org/officeDocument/2006/relationships" xmlns:p="http://schemas.openxmlformats.org/presentationml/2006/main" matchingName="Section header" type="secHead">
   <p:cSld name="SECTION_HEADER">
     <p:spTree>
       <p:nvGrpSpPr>
-        <p:cNvPr id="13" name="Shape 13"/>
+        <p:cNvPr id="1" name="Shape 13"/>
         <p:cNvGrpSpPr/>
         <p:nvPr/>
       </p:nvGrpSpPr>
@@ -2742,7 +2819,9 @@
       <p:sp>
         <p:nvSpPr>
           <p:cNvPr id="14" name="Google Shape;14;p3"/>
-          <p:cNvSpPr txBox="1"/>
+          <p:cNvSpPr txBox="1">
+            <a:spLocks noGrp="1"/>
+          </p:cNvSpPr>
           <p:nvPr>
             <p:ph type="title"/>
           </p:nvPr>
@@ -2757,7 +2836,7 @@
           </a:prstGeom>
         </p:spPr>
         <p:txBody>
-          <a:bodyPr anchorCtr="0" anchor="ctr" bIns="91425" lIns="91425" spcFirstLastPara="1" rIns="91425" wrap="square" tIns="91425">
+          <a:bodyPr spcFirstLastPara="1" wrap="square" lIns="91425" tIns="91425" rIns="91425" bIns="91425" anchor="ctr" anchorCtr="0">
             <a:noAutofit/>
           </a:bodyPr>
           <a:lstStyle>
@@ -2861,15 +2940,19 @@
               <a:defRPr sz="3600"/>
             </a:lvl9pPr>
           </a:lstStyle>
-          <a:p/>
+          <a:p>
+            <a:endParaRPr/>
+          </a:p>
         </p:txBody>
       </p:sp>
       <p:sp>
         <p:nvSpPr>
           <p:cNvPr id="15" name="Google Shape;15;p3"/>
-          <p:cNvSpPr txBox="1"/>
+          <p:cNvSpPr txBox="1">
+            <a:spLocks noGrp="1"/>
+          </p:cNvSpPr>
           <p:nvPr>
-            <p:ph idx="12" type="sldNum"/>
+            <p:ph type="sldNum" idx="12"/>
           </p:nvPr>
         </p:nvSpPr>
         <p:spPr>
@@ -2882,7 +2965,7 @@
           </a:prstGeom>
         </p:spPr>
         <p:txBody>
-          <a:bodyPr anchorCtr="0" anchor="ctr" bIns="91425" lIns="91425" spcFirstLastPara="1" rIns="91425" wrap="square" tIns="91425">
+          <a:bodyPr spcFirstLastPara="1" wrap="square" lIns="91425" tIns="91425" rIns="91425" bIns="91425" anchor="ctr" anchorCtr="0">
             <a:noAutofit/>
           </a:bodyPr>
           <a:lstStyle>
@@ -2924,7 +3007,7 @@
             </a:lvl9pPr>
           </a:lstStyle>
           <a:p>
-            <a:pPr indent="0" lvl="0" marL="0" rtl="0" algn="r">
+            <a:pPr marL="0" lvl="0" indent="0" algn="r" rtl="0">
               <a:spcBef>
                 <a:spcPts val="0"/>
               </a:spcBef>
@@ -2950,11 +3033,11 @@
 </file>
 
 <file path=ppt/slideLayouts/slideLayout3.xml><?xml version="1.0" encoding="utf-8"?>
-<p:sldLayout xmlns:a="http://schemas.openxmlformats.org/drawingml/2006/main" xmlns:r="http://schemas.openxmlformats.org/officeDocument/2006/relationships" xmlns:mc="http://schemas.openxmlformats.org/markup-compatibility/2006" xmlns:mv="urn:schemas-microsoft-com:mac:vml" xmlns:p="http://schemas.openxmlformats.org/presentationml/2006/main" xmlns:c="http://schemas.openxmlformats.org/drawingml/2006/chart" xmlns:dgm="http://schemas.openxmlformats.org/drawingml/2006/diagram" xmlns:o="urn:schemas-microsoft-com:office:office" xmlns:v="urn:schemas-microsoft-com:vml" xmlns:pvml="urn:schemas-microsoft-com:office:powerpoint" xmlns:com="http://schemas.openxmlformats.org/drawingml/2006/compatibility" xmlns:p14="http://schemas.microsoft.com/office/powerpoint/2010/main" xmlns:p15="http://schemas.microsoft.com/office/powerpoint/2012/main" xmlns:ahyp="http://schemas.microsoft.com/office/drawing/2018/hyperlinkcolor" matchingName="Title and body" type="tx">
+<p:sldLayout xmlns:a="http://schemas.openxmlformats.org/drawingml/2006/main" xmlns:r="http://schemas.openxmlformats.org/officeDocument/2006/relationships" xmlns:p="http://schemas.openxmlformats.org/presentationml/2006/main" matchingName="Title and body" type="tx">
   <p:cSld name="TITLE_AND_BODY">
     <p:spTree>
       <p:nvGrpSpPr>
-        <p:cNvPr id="16" name="Shape 16"/>
+        <p:cNvPr id="1" name="Shape 16"/>
         <p:cNvGrpSpPr/>
         <p:nvPr/>
       </p:nvGrpSpPr>
@@ -2969,7 +3052,9 @@
       <p:sp>
         <p:nvSpPr>
           <p:cNvPr id="17" name="Google Shape;17;p4"/>
-          <p:cNvSpPr txBox="1"/>
+          <p:cNvSpPr txBox="1">
+            <a:spLocks noGrp="1"/>
+          </p:cNvSpPr>
           <p:nvPr>
             <p:ph type="title"/>
           </p:nvPr>
@@ -2984,7 +3069,7 @@
           </a:prstGeom>
         </p:spPr>
         <p:txBody>
-          <a:bodyPr anchorCtr="0" anchor="t" bIns="91425" lIns="91425" spcFirstLastPara="1" rIns="91425" wrap="square" tIns="91425">
+          <a:bodyPr spcFirstLastPara="1" wrap="square" lIns="91425" tIns="91425" rIns="91425" bIns="91425" anchor="t" anchorCtr="0">
             <a:noAutofit/>
           </a:bodyPr>
           <a:lstStyle>
@@ -3088,15 +3173,19 @@
               <a:defRPr/>
             </a:lvl9pPr>
           </a:lstStyle>
-          <a:p/>
+          <a:p>
+            <a:endParaRPr/>
+          </a:p>
         </p:txBody>
       </p:sp>
       <p:sp>
         <p:nvSpPr>
           <p:cNvPr id="18" name="Google Shape;18;p4"/>
-          <p:cNvSpPr txBox="1"/>
+          <p:cNvSpPr txBox="1">
+            <a:spLocks noGrp="1"/>
+          </p:cNvSpPr>
           <p:nvPr>
-            <p:ph idx="1" type="body"/>
+            <p:ph type="body" idx="1"/>
           </p:nvPr>
         </p:nvSpPr>
         <p:spPr>
@@ -3109,11 +3198,11 @@
           </a:prstGeom>
         </p:spPr>
         <p:txBody>
-          <a:bodyPr anchorCtr="0" anchor="t" bIns="91425" lIns="91425" spcFirstLastPara="1" rIns="91425" wrap="square" tIns="91425">
+          <a:bodyPr spcFirstLastPara="1" wrap="square" lIns="91425" tIns="91425" rIns="91425" bIns="91425" anchor="t" anchorCtr="0">
             <a:noAutofit/>
           </a:bodyPr>
           <a:lstStyle>
-            <a:lvl1pPr indent="-342900" lvl="0" marL="457200">
+            <a:lvl1pPr marL="457200" lvl="0" indent="-342900">
               <a:spcBef>
                 <a:spcPts val="0"/>
               </a:spcBef>
@@ -3124,7 +3213,7 @@
               <a:buChar char="●"/>
               <a:defRPr/>
             </a:lvl1pPr>
-            <a:lvl2pPr indent="-317500" lvl="1" marL="914400">
+            <a:lvl2pPr marL="914400" lvl="1" indent="-317500">
               <a:spcBef>
                 <a:spcPts val="1600"/>
               </a:spcBef>
@@ -3135,7 +3224,7 @@
               <a:buChar char="○"/>
               <a:defRPr/>
             </a:lvl2pPr>
-            <a:lvl3pPr indent="-317500" lvl="2" marL="1371600">
+            <a:lvl3pPr marL="1371600" lvl="2" indent="-317500">
               <a:spcBef>
                 <a:spcPts val="1600"/>
               </a:spcBef>
@@ -3146,7 +3235,7 @@
               <a:buChar char="■"/>
               <a:defRPr/>
             </a:lvl3pPr>
-            <a:lvl4pPr indent="-317500" lvl="3" marL="1828800">
+            <a:lvl4pPr marL="1828800" lvl="3" indent="-317500">
               <a:spcBef>
                 <a:spcPts val="1600"/>
               </a:spcBef>
@@ -3157,7 +3246,7 @@
               <a:buChar char="●"/>
               <a:defRPr/>
             </a:lvl4pPr>
-            <a:lvl5pPr indent="-317500" lvl="4" marL="2286000">
+            <a:lvl5pPr marL="2286000" lvl="4" indent="-317500">
               <a:spcBef>
                 <a:spcPts val="1600"/>
               </a:spcBef>
@@ -3168,7 +3257,7 @@
               <a:buChar char="○"/>
               <a:defRPr/>
             </a:lvl5pPr>
-            <a:lvl6pPr indent="-317500" lvl="5" marL="2743200">
+            <a:lvl6pPr marL="2743200" lvl="5" indent="-317500">
               <a:spcBef>
                 <a:spcPts val="1600"/>
               </a:spcBef>
@@ -3179,7 +3268,7 @@
               <a:buChar char="■"/>
               <a:defRPr/>
             </a:lvl6pPr>
-            <a:lvl7pPr indent="-317500" lvl="6" marL="3200400">
+            <a:lvl7pPr marL="3200400" lvl="6" indent="-317500">
               <a:spcBef>
                 <a:spcPts val="1600"/>
               </a:spcBef>
@@ -3190,7 +3279,7 @@
               <a:buChar char="●"/>
               <a:defRPr/>
             </a:lvl7pPr>
-            <a:lvl8pPr indent="-317500" lvl="7" marL="3657600">
+            <a:lvl8pPr marL="3657600" lvl="7" indent="-317500">
               <a:spcBef>
                 <a:spcPts val="1600"/>
               </a:spcBef>
@@ -3201,7 +3290,7 @@
               <a:buChar char="○"/>
               <a:defRPr/>
             </a:lvl8pPr>
-            <a:lvl9pPr indent="-317500" lvl="8" marL="4114800">
+            <a:lvl9pPr marL="4114800" lvl="8" indent="-317500">
               <a:spcBef>
                 <a:spcPts val="1600"/>
               </a:spcBef>
@@ -3213,15 +3302,19 @@
               <a:defRPr/>
             </a:lvl9pPr>
           </a:lstStyle>
-          <a:p/>
+          <a:p>
+            <a:endParaRPr/>
+          </a:p>
         </p:txBody>
       </p:sp>
       <p:sp>
         <p:nvSpPr>
           <p:cNvPr id="19" name="Google Shape;19;p4"/>
-          <p:cNvSpPr txBox="1"/>
+          <p:cNvSpPr txBox="1">
+            <a:spLocks noGrp="1"/>
+          </p:cNvSpPr>
           <p:nvPr>
-            <p:ph idx="12" type="sldNum"/>
+            <p:ph type="sldNum" idx="12"/>
           </p:nvPr>
         </p:nvSpPr>
         <p:spPr>
@@ -3234,7 +3327,7 @@
           </a:prstGeom>
         </p:spPr>
         <p:txBody>
-          <a:bodyPr anchorCtr="0" anchor="ctr" bIns="91425" lIns="91425" spcFirstLastPara="1" rIns="91425" wrap="square" tIns="91425">
+          <a:bodyPr spcFirstLastPara="1" wrap="square" lIns="91425" tIns="91425" rIns="91425" bIns="91425" anchor="ctr" anchorCtr="0">
             <a:noAutofit/>
           </a:bodyPr>
           <a:lstStyle>
@@ -3276,7 +3369,7 @@
             </a:lvl9pPr>
           </a:lstStyle>
           <a:p>
-            <a:pPr indent="0" lvl="0" marL="0" rtl="0" algn="r">
+            <a:pPr marL="0" lvl="0" indent="0" algn="r" rtl="0">
               <a:spcBef>
                 <a:spcPts val="0"/>
               </a:spcBef>
@@ -3302,11 +3395,11 @@
 </file>
 
 <file path=ppt/slideLayouts/slideLayout4.xml><?xml version="1.0" encoding="utf-8"?>
-<p:sldLayout xmlns:a="http://schemas.openxmlformats.org/drawingml/2006/main" xmlns:r="http://schemas.openxmlformats.org/officeDocument/2006/relationships" xmlns:mc="http://schemas.openxmlformats.org/markup-compatibility/2006" xmlns:mv="urn:schemas-microsoft-com:mac:vml" xmlns:p="http://schemas.openxmlformats.org/presentationml/2006/main" xmlns:c="http://schemas.openxmlformats.org/drawingml/2006/chart" xmlns:dgm="http://schemas.openxmlformats.org/drawingml/2006/diagram" xmlns:o="urn:schemas-microsoft-com:office:office" xmlns:v="urn:schemas-microsoft-com:vml" xmlns:pvml="urn:schemas-microsoft-com:office:powerpoint" xmlns:com="http://schemas.openxmlformats.org/drawingml/2006/compatibility" xmlns:p14="http://schemas.microsoft.com/office/powerpoint/2010/main" xmlns:p15="http://schemas.microsoft.com/office/powerpoint/2012/main" xmlns:ahyp="http://schemas.microsoft.com/office/drawing/2018/hyperlinkcolor" matchingName="Title and two columns" type="twoColTx">
+<p:sldLayout xmlns:a="http://schemas.openxmlformats.org/drawingml/2006/main" xmlns:r="http://schemas.openxmlformats.org/officeDocument/2006/relationships" xmlns:p="http://schemas.openxmlformats.org/presentationml/2006/main" matchingName="Title and two columns" type="twoColTx">
   <p:cSld name="TITLE_AND_TWO_COLUMNS">
     <p:spTree>
       <p:nvGrpSpPr>
-        <p:cNvPr id="20" name="Shape 20"/>
+        <p:cNvPr id="1" name="Shape 20"/>
         <p:cNvGrpSpPr/>
         <p:nvPr/>
       </p:nvGrpSpPr>
@@ -3321,7 +3414,9 @@
       <p:sp>
         <p:nvSpPr>
           <p:cNvPr id="21" name="Google Shape;21;p5"/>
-          <p:cNvSpPr txBox="1"/>
+          <p:cNvSpPr txBox="1">
+            <a:spLocks noGrp="1"/>
+          </p:cNvSpPr>
           <p:nvPr>
             <p:ph type="title"/>
           </p:nvPr>
@@ -3336,7 +3431,7 @@
           </a:prstGeom>
         </p:spPr>
         <p:txBody>
-          <a:bodyPr anchorCtr="0" anchor="t" bIns="91425" lIns="91425" spcFirstLastPara="1" rIns="91425" wrap="square" tIns="91425">
+          <a:bodyPr spcFirstLastPara="1" wrap="square" lIns="91425" tIns="91425" rIns="91425" bIns="91425" anchor="t" anchorCtr="0">
             <a:noAutofit/>
           </a:bodyPr>
           <a:lstStyle>
@@ -3440,15 +3535,19 @@
               <a:defRPr/>
             </a:lvl9pPr>
           </a:lstStyle>
-          <a:p/>
+          <a:p>
+            <a:endParaRPr/>
+          </a:p>
         </p:txBody>
       </p:sp>
       <p:sp>
         <p:nvSpPr>
           <p:cNvPr id="22" name="Google Shape;22;p5"/>
-          <p:cNvSpPr txBox="1"/>
+          <p:cNvSpPr txBox="1">
+            <a:spLocks noGrp="1"/>
+          </p:cNvSpPr>
           <p:nvPr>
-            <p:ph idx="1" type="body"/>
+            <p:ph type="body" idx="1"/>
           </p:nvPr>
         </p:nvSpPr>
         <p:spPr>
@@ -3461,11 +3560,11 @@
           </a:prstGeom>
         </p:spPr>
         <p:txBody>
-          <a:bodyPr anchorCtr="0" anchor="t" bIns="91425" lIns="91425" spcFirstLastPara="1" rIns="91425" wrap="square" tIns="91425">
+          <a:bodyPr spcFirstLastPara="1" wrap="square" lIns="91425" tIns="91425" rIns="91425" bIns="91425" anchor="t" anchorCtr="0">
             <a:noAutofit/>
           </a:bodyPr>
           <a:lstStyle>
-            <a:lvl1pPr indent="-317500" lvl="0" marL="457200">
+            <a:lvl1pPr marL="457200" lvl="0" indent="-317500">
               <a:spcBef>
                 <a:spcPts val="0"/>
               </a:spcBef>
@@ -3476,7 +3575,7 @@
               <a:buChar char="●"/>
               <a:defRPr sz="1400"/>
             </a:lvl1pPr>
-            <a:lvl2pPr indent="-304800" lvl="1" marL="914400">
+            <a:lvl2pPr marL="914400" lvl="1" indent="-304800">
               <a:spcBef>
                 <a:spcPts val="1600"/>
               </a:spcBef>
@@ -3487,7 +3586,7 @@
               <a:buChar char="○"/>
               <a:defRPr sz="1200"/>
             </a:lvl2pPr>
-            <a:lvl3pPr indent="-304800" lvl="2" marL="1371600">
+            <a:lvl3pPr marL="1371600" lvl="2" indent="-304800">
               <a:spcBef>
                 <a:spcPts val="1600"/>
               </a:spcBef>
@@ -3498,7 +3597,7 @@
               <a:buChar char="■"/>
               <a:defRPr sz="1200"/>
             </a:lvl3pPr>
-            <a:lvl4pPr indent="-304800" lvl="3" marL="1828800">
+            <a:lvl4pPr marL="1828800" lvl="3" indent="-304800">
               <a:spcBef>
                 <a:spcPts val="1600"/>
               </a:spcBef>
@@ -3509,7 +3608,7 @@
               <a:buChar char="●"/>
               <a:defRPr sz="1200"/>
             </a:lvl4pPr>
-            <a:lvl5pPr indent="-304800" lvl="4" marL="2286000">
+            <a:lvl5pPr marL="2286000" lvl="4" indent="-304800">
               <a:spcBef>
                 <a:spcPts val="1600"/>
               </a:spcBef>
@@ -3520,7 +3619,7 @@
               <a:buChar char="○"/>
               <a:defRPr sz="1200"/>
             </a:lvl5pPr>
-            <a:lvl6pPr indent="-304800" lvl="5" marL="2743200">
+            <a:lvl6pPr marL="2743200" lvl="5" indent="-304800">
               <a:spcBef>
                 <a:spcPts val="1600"/>
               </a:spcBef>
@@ -3531,7 +3630,7 @@
               <a:buChar char="■"/>
               <a:defRPr sz="1200"/>
             </a:lvl6pPr>
-            <a:lvl7pPr indent="-304800" lvl="6" marL="3200400">
+            <a:lvl7pPr marL="3200400" lvl="6" indent="-304800">
               <a:spcBef>
                 <a:spcPts val="1600"/>
               </a:spcBef>
@@ -3542,7 +3641,7 @@
               <a:buChar char="●"/>
               <a:defRPr sz="1200"/>
             </a:lvl7pPr>
-            <a:lvl8pPr indent="-304800" lvl="7" marL="3657600">
+            <a:lvl8pPr marL="3657600" lvl="7" indent="-304800">
               <a:spcBef>
                 <a:spcPts val="1600"/>
               </a:spcBef>
@@ -3553,7 +3652,7 @@
               <a:buChar char="○"/>
               <a:defRPr sz="1200"/>
             </a:lvl8pPr>
-            <a:lvl9pPr indent="-304800" lvl="8" marL="4114800">
+            <a:lvl9pPr marL="4114800" lvl="8" indent="-304800">
               <a:spcBef>
                 <a:spcPts val="1600"/>
               </a:spcBef>
@@ -3565,15 +3664,19 @@
               <a:defRPr sz="1200"/>
             </a:lvl9pPr>
           </a:lstStyle>
-          <a:p/>
+          <a:p>
+            <a:endParaRPr/>
+          </a:p>
         </p:txBody>
       </p:sp>
       <p:sp>
         <p:nvSpPr>
           <p:cNvPr id="23" name="Google Shape;23;p5"/>
-          <p:cNvSpPr txBox="1"/>
+          <p:cNvSpPr txBox="1">
+            <a:spLocks noGrp="1"/>
+          </p:cNvSpPr>
           <p:nvPr>
-            <p:ph idx="2" type="body"/>
+            <p:ph type="body" idx="2"/>
           </p:nvPr>
         </p:nvSpPr>
         <p:spPr>
@@ -3586,11 +3689,11 @@
           </a:prstGeom>
         </p:spPr>
         <p:txBody>
-          <a:bodyPr anchorCtr="0" anchor="t" bIns="91425" lIns="91425" spcFirstLastPara="1" rIns="91425" wrap="square" tIns="91425">
+          <a:bodyPr spcFirstLastPara="1" wrap="square" lIns="91425" tIns="91425" rIns="91425" bIns="91425" anchor="t" anchorCtr="0">
             <a:noAutofit/>
           </a:bodyPr>
           <a:lstStyle>
-            <a:lvl1pPr indent="-317500" lvl="0" marL="457200">
+            <a:lvl1pPr marL="457200" lvl="0" indent="-317500">
               <a:spcBef>
                 <a:spcPts val="0"/>
               </a:spcBef>
@@ -3601,7 +3704,7 @@
               <a:buChar char="●"/>
               <a:defRPr sz="1400"/>
             </a:lvl1pPr>
-            <a:lvl2pPr indent="-304800" lvl="1" marL="914400">
+            <a:lvl2pPr marL="914400" lvl="1" indent="-304800">
               <a:spcBef>
                 <a:spcPts val="1600"/>
               </a:spcBef>
@@ -3612,7 +3715,7 @@
               <a:buChar char="○"/>
               <a:defRPr sz="1200"/>
             </a:lvl2pPr>
-            <a:lvl3pPr indent="-304800" lvl="2" marL="1371600">
+            <a:lvl3pPr marL="1371600" lvl="2" indent="-304800">
               <a:spcBef>
                 <a:spcPts val="1600"/>
               </a:spcBef>
@@ -3623,7 +3726,7 @@
               <a:buChar char="■"/>
               <a:defRPr sz="1200"/>
             </a:lvl3pPr>
-            <a:lvl4pPr indent="-304800" lvl="3" marL="1828800">
+            <a:lvl4pPr marL="1828800" lvl="3" indent="-304800">
               <a:spcBef>
                 <a:spcPts val="1600"/>
               </a:spcBef>
@@ -3634,7 +3737,7 @@
               <a:buChar char="●"/>
               <a:defRPr sz="1200"/>
             </a:lvl4pPr>
-            <a:lvl5pPr indent="-304800" lvl="4" marL="2286000">
+            <a:lvl5pPr marL="2286000" lvl="4" indent="-304800">
               <a:spcBef>
                 <a:spcPts val="1600"/>
               </a:spcBef>
@@ -3645,7 +3748,7 @@
               <a:buChar char="○"/>
               <a:defRPr sz="1200"/>
             </a:lvl5pPr>
-            <a:lvl6pPr indent="-304800" lvl="5" marL="2743200">
+            <a:lvl6pPr marL="2743200" lvl="5" indent="-304800">
               <a:spcBef>
                 <a:spcPts val="1600"/>
               </a:spcBef>
@@ -3656,7 +3759,7 @@
               <a:buChar char="■"/>
               <a:defRPr sz="1200"/>
             </a:lvl6pPr>
-            <a:lvl7pPr indent="-304800" lvl="6" marL="3200400">
+            <a:lvl7pPr marL="3200400" lvl="6" indent="-304800">
               <a:spcBef>
                 <a:spcPts val="1600"/>
               </a:spcBef>
@@ -3667,7 +3770,7 @@
               <a:buChar char="●"/>
               <a:defRPr sz="1200"/>
             </a:lvl7pPr>
-            <a:lvl8pPr indent="-304800" lvl="7" marL="3657600">
+            <a:lvl8pPr marL="3657600" lvl="7" indent="-304800">
               <a:spcBef>
                 <a:spcPts val="1600"/>
               </a:spcBef>
@@ -3678,7 +3781,7 @@
               <a:buChar char="○"/>
               <a:defRPr sz="1200"/>
             </a:lvl8pPr>
-            <a:lvl9pPr indent="-304800" lvl="8" marL="4114800">
+            <a:lvl9pPr marL="4114800" lvl="8" indent="-304800">
               <a:spcBef>
                 <a:spcPts val="1600"/>
               </a:spcBef>
@@ -3690,15 +3793,19 @@
               <a:defRPr sz="1200"/>
             </a:lvl9pPr>
           </a:lstStyle>
-          <a:p/>
+          <a:p>
+            <a:endParaRPr/>
+          </a:p>
         </p:txBody>
       </p:sp>
       <p:sp>
         <p:nvSpPr>
           <p:cNvPr id="24" name="Google Shape;24;p5"/>
-          <p:cNvSpPr txBox="1"/>
+          <p:cNvSpPr txBox="1">
+            <a:spLocks noGrp="1"/>
+          </p:cNvSpPr>
           <p:nvPr>
-            <p:ph idx="12" type="sldNum"/>
+            <p:ph type="sldNum" idx="12"/>
           </p:nvPr>
         </p:nvSpPr>
         <p:spPr>
@@ -3711,7 +3818,7 @@
           </a:prstGeom>
         </p:spPr>
         <p:txBody>
-          <a:bodyPr anchorCtr="0" anchor="ctr" bIns="91425" lIns="91425" spcFirstLastPara="1" rIns="91425" wrap="square" tIns="91425">
+          <a:bodyPr spcFirstLastPara="1" wrap="square" lIns="91425" tIns="91425" rIns="91425" bIns="91425" anchor="ctr" anchorCtr="0">
             <a:noAutofit/>
           </a:bodyPr>
           <a:lstStyle>
@@ -3753,7 +3860,7 @@
             </a:lvl9pPr>
           </a:lstStyle>
           <a:p>
-            <a:pPr indent="0" lvl="0" marL="0" rtl="0" algn="r">
+            <a:pPr marL="0" lvl="0" indent="0" algn="r" rtl="0">
               <a:spcBef>
                 <a:spcPts val="0"/>
               </a:spcBef>
@@ -3779,11 +3886,11 @@
 </file>
 
 <file path=ppt/slideLayouts/slideLayout5.xml><?xml version="1.0" encoding="utf-8"?>
-<p:sldLayout xmlns:a="http://schemas.openxmlformats.org/drawingml/2006/main" xmlns:r="http://schemas.openxmlformats.org/officeDocument/2006/relationships" xmlns:mc="http://schemas.openxmlformats.org/markup-compatibility/2006" xmlns:mv="urn:schemas-microsoft-com:mac:vml" xmlns:p="http://schemas.openxmlformats.org/presentationml/2006/main" xmlns:c="http://schemas.openxmlformats.org/drawingml/2006/chart" xmlns:dgm="http://schemas.openxmlformats.org/drawingml/2006/diagram" xmlns:o="urn:schemas-microsoft-com:office:office" xmlns:v="urn:schemas-microsoft-com:vml" xmlns:pvml="urn:schemas-microsoft-com:office:powerpoint" xmlns:com="http://schemas.openxmlformats.org/drawingml/2006/compatibility" xmlns:p14="http://schemas.microsoft.com/office/powerpoint/2010/main" xmlns:p15="http://schemas.microsoft.com/office/powerpoint/2012/main" xmlns:ahyp="http://schemas.microsoft.com/office/drawing/2018/hyperlinkcolor" matchingName="Title only" type="titleOnly">
+<p:sldLayout xmlns:a="http://schemas.openxmlformats.org/drawingml/2006/main" xmlns:r="http://schemas.openxmlformats.org/officeDocument/2006/relationships" xmlns:p="http://schemas.openxmlformats.org/presentationml/2006/main" matchingName="Title only" type="titleOnly">
   <p:cSld name="TITLE_ONLY">
     <p:spTree>
       <p:nvGrpSpPr>
-        <p:cNvPr id="25" name="Shape 25"/>
+        <p:cNvPr id="1" name="Shape 25"/>
         <p:cNvGrpSpPr/>
         <p:nvPr/>
       </p:nvGrpSpPr>
@@ -3798,7 +3905,9 @@
       <p:sp>
         <p:nvSpPr>
           <p:cNvPr id="26" name="Google Shape;26;p6"/>
-          <p:cNvSpPr txBox="1"/>
+          <p:cNvSpPr txBox="1">
+            <a:spLocks noGrp="1"/>
+          </p:cNvSpPr>
           <p:nvPr>
             <p:ph type="title"/>
           </p:nvPr>
@@ -3813,7 +3922,7 @@
           </a:prstGeom>
         </p:spPr>
         <p:txBody>
-          <a:bodyPr anchorCtr="0" anchor="t" bIns="91425" lIns="91425" spcFirstLastPara="1" rIns="91425" wrap="square" tIns="91425">
+          <a:bodyPr spcFirstLastPara="1" wrap="square" lIns="91425" tIns="91425" rIns="91425" bIns="91425" anchor="t" anchorCtr="0">
             <a:noAutofit/>
           </a:bodyPr>
           <a:lstStyle>
@@ -3917,15 +4026,19 @@
               <a:defRPr/>
             </a:lvl9pPr>
           </a:lstStyle>
-          <a:p/>
+          <a:p>
+            <a:endParaRPr/>
+          </a:p>
         </p:txBody>
       </p:sp>
       <p:sp>
         <p:nvSpPr>
           <p:cNvPr id="27" name="Google Shape;27;p6"/>
-          <p:cNvSpPr txBox="1"/>
+          <p:cNvSpPr txBox="1">
+            <a:spLocks noGrp="1"/>
+          </p:cNvSpPr>
           <p:nvPr>
-            <p:ph idx="12" type="sldNum"/>
+            <p:ph type="sldNum" idx="12"/>
           </p:nvPr>
         </p:nvSpPr>
         <p:spPr>
@@ -3938,7 +4051,7 @@
           </a:prstGeom>
         </p:spPr>
         <p:txBody>
-          <a:bodyPr anchorCtr="0" anchor="ctr" bIns="91425" lIns="91425" spcFirstLastPara="1" rIns="91425" wrap="square" tIns="91425">
+          <a:bodyPr spcFirstLastPara="1" wrap="square" lIns="91425" tIns="91425" rIns="91425" bIns="91425" anchor="ctr" anchorCtr="0">
             <a:noAutofit/>
           </a:bodyPr>
           <a:lstStyle>
@@ -3980,7 +4093,7 @@
             </a:lvl9pPr>
           </a:lstStyle>
           <a:p>
-            <a:pPr indent="0" lvl="0" marL="0" rtl="0" algn="r">
+            <a:pPr marL="0" lvl="0" indent="0" algn="r" rtl="0">
               <a:spcBef>
                 <a:spcPts val="0"/>
               </a:spcBef>
@@ -4006,11 +4119,11 @@
 </file>
 
 <file path=ppt/slideLayouts/slideLayout6.xml><?xml version="1.0" encoding="utf-8"?>
-<p:sldLayout xmlns:a="http://schemas.openxmlformats.org/drawingml/2006/main" xmlns:r="http://schemas.openxmlformats.org/officeDocument/2006/relationships" xmlns:mc="http://schemas.openxmlformats.org/markup-compatibility/2006" xmlns:mv="urn:schemas-microsoft-com:mac:vml" xmlns:p="http://schemas.openxmlformats.org/presentationml/2006/main" xmlns:c="http://schemas.openxmlformats.org/drawingml/2006/chart" xmlns:dgm="http://schemas.openxmlformats.org/drawingml/2006/diagram" xmlns:o="urn:schemas-microsoft-com:office:office" xmlns:v="urn:schemas-microsoft-com:vml" xmlns:pvml="urn:schemas-microsoft-com:office:powerpoint" xmlns:com="http://schemas.openxmlformats.org/drawingml/2006/compatibility" xmlns:p14="http://schemas.microsoft.com/office/powerpoint/2010/main" xmlns:p15="http://schemas.microsoft.com/office/powerpoint/2012/main" xmlns:ahyp="http://schemas.microsoft.com/office/drawing/2018/hyperlinkcolor" matchingName="One column text">
+<p:sldLayout xmlns:a="http://schemas.openxmlformats.org/drawingml/2006/main" xmlns:r="http://schemas.openxmlformats.org/officeDocument/2006/relationships" xmlns:p="http://schemas.openxmlformats.org/presentationml/2006/main" matchingName="One column text">
   <p:cSld name="ONE_COLUMN_TEXT">
     <p:spTree>
       <p:nvGrpSpPr>
-        <p:cNvPr id="28" name="Shape 28"/>
+        <p:cNvPr id="1" name="Shape 28"/>
         <p:cNvGrpSpPr/>
         <p:nvPr/>
       </p:nvGrpSpPr>
@@ -4025,7 +4138,9 @@
       <p:sp>
         <p:nvSpPr>
           <p:cNvPr id="29" name="Google Shape;29;p7"/>
-          <p:cNvSpPr txBox="1"/>
+          <p:cNvSpPr txBox="1">
+            <a:spLocks noGrp="1"/>
+          </p:cNvSpPr>
           <p:nvPr>
             <p:ph type="title"/>
           </p:nvPr>
@@ -4040,7 +4155,7 @@
           </a:prstGeom>
         </p:spPr>
         <p:txBody>
-          <a:bodyPr anchorCtr="0" anchor="b" bIns="91425" lIns="91425" spcFirstLastPara="1" rIns="91425" wrap="square" tIns="91425">
+          <a:bodyPr spcFirstLastPara="1" wrap="square" lIns="91425" tIns="91425" rIns="91425" bIns="91425" anchor="b" anchorCtr="0">
             <a:noAutofit/>
           </a:bodyPr>
           <a:lstStyle>
@@ -4144,15 +4259,19 @@
               <a:defRPr sz="2400"/>
             </a:lvl9pPr>
           </a:lstStyle>
-          <a:p/>
+          <a:p>
+            <a:endParaRPr/>
+          </a:p>
         </p:txBody>
       </p:sp>
       <p:sp>
         <p:nvSpPr>
           <p:cNvPr id="30" name="Google Shape;30;p7"/>
-          <p:cNvSpPr txBox="1"/>
+          <p:cNvSpPr txBox="1">
+            <a:spLocks noGrp="1"/>
+          </p:cNvSpPr>
           <p:nvPr>
-            <p:ph idx="1" type="body"/>
+            <p:ph type="body" idx="1"/>
           </p:nvPr>
         </p:nvSpPr>
         <p:spPr>
@@ -4165,11 +4284,11 @@
           </a:prstGeom>
         </p:spPr>
         <p:txBody>
-          <a:bodyPr anchorCtr="0" anchor="t" bIns="91425" lIns="91425" spcFirstLastPara="1" rIns="91425" wrap="square" tIns="91425">
+          <a:bodyPr spcFirstLastPara="1" wrap="square" lIns="91425" tIns="91425" rIns="91425" bIns="91425" anchor="t" anchorCtr="0">
             <a:noAutofit/>
           </a:bodyPr>
           <a:lstStyle>
-            <a:lvl1pPr indent="-304800" lvl="0" marL="457200">
+            <a:lvl1pPr marL="457200" lvl="0" indent="-304800">
               <a:spcBef>
                 <a:spcPts val="0"/>
               </a:spcBef>
@@ -4180,7 +4299,7 @@
               <a:buChar char="●"/>
               <a:defRPr sz="1200"/>
             </a:lvl1pPr>
-            <a:lvl2pPr indent="-304800" lvl="1" marL="914400">
+            <a:lvl2pPr marL="914400" lvl="1" indent="-304800">
               <a:spcBef>
                 <a:spcPts val="1600"/>
               </a:spcBef>
@@ -4191,7 +4310,7 @@
               <a:buChar char="○"/>
               <a:defRPr sz="1200"/>
             </a:lvl2pPr>
-            <a:lvl3pPr indent="-304800" lvl="2" marL="1371600">
+            <a:lvl3pPr marL="1371600" lvl="2" indent="-304800">
               <a:spcBef>
                 <a:spcPts val="1600"/>
               </a:spcBef>
@@ -4202,7 +4321,7 @@
               <a:buChar char="■"/>
               <a:defRPr sz="1200"/>
             </a:lvl3pPr>
-            <a:lvl4pPr indent="-304800" lvl="3" marL="1828800">
+            <a:lvl4pPr marL="1828800" lvl="3" indent="-304800">
               <a:spcBef>
                 <a:spcPts val="1600"/>
               </a:spcBef>
@@ -4213,7 +4332,7 @@
               <a:buChar char="●"/>
               <a:defRPr sz="1200"/>
             </a:lvl4pPr>
-            <a:lvl5pPr indent="-304800" lvl="4" marL="2286000">
+            <a:lvl5pPr marL="2286000" lvl="4" indent="-304800">
               <a:spcBef>
                 <a:spcPts val="1600"/>
               </a:spcBef>
@@ -4224,7 +4343,7 @@
               <a:buChar char="○"/>
               <a:defRPr sz="1200"/>
             </a:lvl5pPr>
-            <a:lvl6pPr indent="-304800" lvl="5" marL="2743200">
+            <a:lvl6pPr marL="2743200" lvl="5" indent="-304800">
               <a:spcBef>
                 <a:spcPts val="1600"/>
               </a:spcBef>
@@ -4235,7 +4354,7 @@
               <a:buChar char="■"/>
               <a:defRPr sz="1200"/>
             </a:lvl6pPr>
-            <a:lvl7pPr indent="-304800" lvl="6" marL="3200400">
+            <a:lvl7pPr marL="3200400" lvl="6" indent="-304800">
               <a:spcBef>
                 <a:spcPts val="1600"/>
               </a:spcBef>
@@ -4246,7 +4365,7 @@
               <a:buChar char="●"/>
               <a:defRPr sz="1200"/>
             </a:lvl7pPr>
-            <a:lvl8pPr indent="-304800" lvl="7" marL="3657600">
+            <a:lvl8pPr marL="3657600" lvl="7" indent="-304800">
               <a:spcBef>
                 <a:spcPts val="1600"/>
               </a:spcBef>
@@ -4257,7 +4376,7 @@
               <a:buChar char="○"/>
               <a:defRPr sz="1200"/>
             </a:lvl8pPr>
-            <a:lvl9pPr indent="-304800" lvl="8" marL="4114800">
+            <a:lvl9pPr marL="4114800" lvl="8" indent="-304800">
               <a:spcBef>
                 <a:spcPts val="1600"/>
               </a:spcBef>
@@ -4269,15 +4388,19 @@
               <a:defRPr sz="1200"/>
             </a:lvl9pPr>
           </a:lstStyle>
-          <a:p/>
+          <a:p>
+            <a:endParaRPr/>
+          </a:p>
         </p:txBody>
       </p:sp>
       <p:sp>
         <p:nvSpPr>
           <p:cNvPr id="31" name="Google Shape;31;p7"/>
-          <p:cNvSpPr txBox="1"/>
+          <p:cNvSpPr txBox="1">
+            <a:spLocks noGrp="1"/>
+          </p:cNvSpPr>
           <p:nvPr>
-            <p:ph idx="12" type="sldNum"/>
+            <p:ph type="sldNum" idx="12"/>
           </p:nvPr>
         </p:nvSpPr>
         <p:spPr>
@@ -4290,7 +4413,7 @@
           </a:prstGeom>
         </p:spPr>
         <p:txBody>
-          <a:bodyPr anchorCtr="0" anchor="ctr" bIns="91425" lIns="91425" spcFirstLastPara="1" rIns="91425" wrap="square" tIns="91425">
+          <a:bodyPr spcFirstLastPara="1" wrap="square" lIns="91425" tIns="91425" rIns="91425" bIns="91425" anchor="ctr" anchorCtr="0">
             <a:noAutofit/>
           </a:bodyPr>
           <a:lstStyle>
@@ -4332,7 +4455,7 @@
             </a:lvl9pPr>
           </a:lstStyle>
           <a:p>
-            <a:pPr indent="0" lvl="0" marL="0" rtl="0" algn="r">
+            <a:pPr marL="0" lvl="0" indent="0" algn="r" rtl="0">
               <a:spcBef>
                 <a:spcPts val="0"/>
               </a:spcBef>
@@ -4358,11 +4481,11 @@
 </file>
 
 <file path=ppt/slideLayouts/slideLayout7.xml><?xml version="1.0" encoding="utf-8"?>
-<p:sldLayout xmlns:a="http://schemas.openxmlformats.org/drawingml/2006/main" xmlns:r="http://schemas.openxmlformats.org/officeDocument/2006/relationships" xmlns:mc="http://schemas.openxmlformats.org/markup-compatibility/2006" xmlns:mv="urn:schemas-microsoft-com:mac:vml" xmlns:p="http://schemas.openxmlformats.org/presentationml/2006/main" xmlns:c="http://schemas.openxmlformats.org/drawingml/2006/chart" xmlns:dgm="http://schemas.openxmlformats.org/drawingml/2006/diagram" xmlns:o="urn:schemas-microsoft-com:office:office" xmlns:v="urn:schemas-microsoft-com:vml" xmlns:pvml="urn:schemas-microsoft-com:office:powerpoint" xmlns:com="http://schemas.openxmlformats.org/drawingml/2006/compatibility" xmlns:p14="http://schemas.microsoft.com/office/powerpoint/2010/main" xmlns:p15="http://schemas.microsoft.com/office/powerpoint/2012/main" xmlns:ahyp="http://schemas.microsoft.com/office/drawing/2018/hyperlinkcolor" matchingName="Main point">
+<p:sldLayout xmlns:a="http://schemas.openxmlformats.org/drawingml/2006/main" xmlns:r="http://schemas.openxmlformats.org/officeDocument/2006/relationships" xmlns:p="http://schemas.openxmlformats.org/presentationml/2006/main" matchingName="Main point">
   <p:cSld name="MAIN_POINT">
     <p:spTree>
       <p:nvGrpSpPr>
-        <p:cNvPr id="32" name="Shape 32"/>
+        <p:cNvPr id="1" name="Shape 32"/>
         <p:cNvGrpSpPr/>
         <p:nvPr/>
       </p:nvGrpSpPr>
@@ -4377,7 +4500,9 @@
       <p:sp>
         <p:nvSpPr>
           <p:cNvPr id="33" name="Google Shape;33;p8"/>
-          <p:cNvSpPr txBox="1"/>
+          <p:cNvSpPr txBox="1">
+            <a:spLocks noGrp="1"/>
+          </p:cNvSpPr>
           <p:nvPr>
             <p:ph type="title"/>
           </p:nvPr>
@@ -4392,7 +4517,7 @@
           </a:prstGeom>
         </p:spPr>
         <p:txBody>
-          <a:bodyPr anchorCtr="0" anchor="ctr" bIns="91425" lIns="91425" spcFirstLastPara="1" rIns="91425" wrap="square" tIns="91425">
+          <a:bodyPr spcFirstLastPara="1" wrap="square" lIns="91425" tIns="91425" rIns="91425" bIns="91425" anchor="ctr" anchorCtr="0">
             <a:noAutofit/>
           </a:bodyPr>
           <a:lstStyle>
@@ -4496,15 +4621,19 @@
               <a:defRPr sz="4800"/>
             </a:lvl9pPr>
           </a:lstStyle>
-          <a:p/>
+          <a:p>
+            <a:endParaRPr/>
+          </a:p>
         </p:txBody>
       </p:sp>
       <p:sp>
         <p:nvSpPr>
           <p:cNvPr id="34" name="Google Shape;34;p8"/>
-          <p:cNvSpPr txBox="1"/>
+          <p:cNvSpPr txBox="1">
+            <a:spLocks noGrp="1"/>
+          </p:cNvSpPr>
           <p:nvPr>
-            <p:ph idx="12" type="sldNum"/>
+            <p:ph type="sldNum" idx="12"/>
           </p:nvPr>
         </p:nvSpPr>
         <p:spPr>
@@ -4517,7 +4646,7 @@
           </a:prstGeom>
         </p:spPr>
         <p:txBody>
-          <a:bodyPr anchorCtr="0" anchor="ctr" bIns="91425" lIns="91425" spcFirstLastPara="1" rIns="91425" wrap="square" tIns="91425">
+          <a:bodyPr spcFirstLastPara="1" wrap="square" lIns="91425" tIns="91425" rIns="91425" bIns="91425" anchor="ctr" anchorCtr="0">
             <a:noAutofit/>
           </a:bodyPr>
           <a:lstStyle>
@@ -4559,7 +4688,7 @@
             </a:lvl9pPr>
           </a:lstStyle>
           <a:p>
-            <a:pPr indent="0" lvl="0" marL="0" rtl="0" algn="r">
+            <a:pPr marL="0" lvl="0" indent="0" algn="r" rtl="0">
               <a:spcBef>
                 <a:spcPts val="0"/>
               </a:spcBef>
@@ -4585,11 +4714,11 @@
 </file>
 
 <file path=ppt/slideLayouts/slideLayout8.xml><?xml version="1.0" encoding="utf-8"?>
-<p:sldLayout xmlns:a="http://schemas.openxmlformats.org/drawingml/2006/main" xmlns:r="http://schemas.openxmlformats.org/officeDocument/2006/relationships" xmlns:mc="http://schemas.openxmlformats.org/markup-compatibility/2006" xmlns:mv="urn:schemas-microsoft-com:mac:vml" xmlns:p="http://schemas.openxmlformats.org/presentationml/2006/main" xmlns:c="http://schemas.openxmlformats.org/drawingml/2006/chart" xmlns:dgm="http://schemas.openxmlformats.org/drawingml/2006/diagram" xmlns:o="urn:schemas-microsoft-com:office:office" xmlns:v="urn:schemas-microsoft-com:vml" xmlns:pvml="urn:schemas-microsoft-com:office:powerpoint" xmlns:com="http://schemas.openxmlformats.org/drawingml/2006/compatibility" xmlns:p14="http://schemas.microsoft.com/office/powerpoint/2010/main" xmlns:p15="http://schemas.microsoft.com/office/powerpoint/2012/main" xmlns:ahyp="http://schemas.microsoft.com/office/drawing/2018/hyperlinkcolor" matchingName="Section title and description">
+<p:sldLayout xmlns:a="http://schemas.openxmlformats.org/drawingml/2006/main" xmlns:r="http://schemas.openxmlformats.org/officeDocument/2006/relationships" xmlns:p="http://schemas.openxmlformats.org/presentationml/2006/main" matchingName="Section title and description">
   <p:cSld name="SECTION_TITLE_AND_DESCRIPTION">
     <p:spTree>
       <p:nvGrpSpPr>
-        <p:cNvPr id="35" name="Shape 35"/>
+        <p:cNvPr id="1" name="Shape 35"/>
         <p:cNvGrpSpPr/>
         <p:nvPr/>
       </p:nvGrpSpPr>
@@ -4623,12 +4752,12 @@
           </a:ln>
         </p:spPr>
         <p:txBody>
-          <a:bodyPr anchorCtr="0" anchor="ctr" bIns="91425" lIns="91425" spcFirstLastPara="1" rIns="91425" wrap="square" tIns="91425">
+          <a:bodyPr spcFirstLastPara="1" wrap="square" lIns="91425" tIns="91425" rIns="91425" bIns="91425" anchor="ctr" anchorCtr="0">
             <a:noAutofit/>
           </a:bodyPr>
           <a:lstStyle/>
           <a:p>
-            <a:pPr indent="0" lvl="0" marL="0" rtl="0" algn="l">
+            <a:pPr marL="0" lvl="0" indent="0" algn="l" rtl="0">
               <a:spcBef>
                 <a:spcPts val="0"/>
               </a:spcBef>
@@ -4637,9 +4766,6 @@
               </a:spcAft>
               <a:buNone/>
             </a:pPr>
-            <a:r>
-              <a:t/>
-            </a:r>
             <a:endParaRPr/>
           </a:p>
         </p:txBody>
@@ -4647,7 +4773,9 @@
       <p:sp>
         <p:nvSpPr>
           <p:cNvPr id="37" name="Google Shape;37;p9"/>
-          <p:cNvSpPr txBox="1"/>
+          <p:cNvSpPr txBox="1">
+            <a:spLocks noGrp="1"/>
+          </p:cNvSpPr>
           <p:nvPr>
             <p:ph type="title"/>
           </p:nvPr>
@@ -4662,7 +4790,7 @@
           </a:prstGeom>
         </p:spPr>
         <p:txBody>
-          <a:bodyPr anchorCtr="0" anchor="b" bIns="91425" lIns="91425" spcFirstLastPara="1" rIns="91425" wrap="square" tIns="91425">
+          <a:bodyPr spcFirstLastPara="1" wrap="square" lIns="91425" tIns="91425" rIns="91425" bIns="91425" anchor="b" anchorCtr="0">
             <a:noAutofit/>
           </a:bodyPr>
           <a:lstStyle>
@@ -4766,15 +4894,19 @@
               <a:defRPr sz="4200"/>
             </a:lvl9pPr>
           </a:lstStyle>
-          <a:p/>
+          <a:p>
+            <a:endParaRPr/>
+          </a:p>
         </p:txBody>
       </p:sp>
       <p:sp>
         <p:nvSpPr>
           <p:cNvPr id="38" name="Google Shape;38;p9"/>
-          <p:cNvSpPr txBox="1"/>
+          <p:cNvSpPr txBox="1">
+            <a:spLocks noGrp="1"/>
+          </p:cNvSpPr>
           <p:nvPr>
-            <p:ph idx="1" type="subTitle"/>
+            <p:ph type="subTitle" idx="1"/>
           </p:nvPr>
         </p:nvSpPr>
         <p:spPr>
@@ -4787,7 +4919,7 @@
           </a:prstGeom>
         </p:spPr>
         <p:txBody>
-          <a:bodyPr anchorCtr="0" anchor="t" bIns="91425" lIns="91425" spcFirstLastPara="1" rIns="91425" wrap="square" tIns="91425">
+          <a:bodyPr spcFirstLastPara="1" wrap="square" lIns="91425" tIns="91425" rIns="91425" bIns="91425" anchor="t" anchorCtr="0">
             <a:noAutofit/>
           </a:bodyPr>
           <a:lstStyle>
@@ -4918,15 +5050,19 @@
               <a:defRPr sz="2100"/>
             </a:lvl9pPr>
           </a:lstStyle>
-          <a:p/>
+          <a:p>
+            <a:endParaRPr/>
+          </a:p>
         </p:txBody>
       </p:sp>
       <p:sp>
         <p:nvSpPr>
           <p:cNvPr id="39" name="Google Shape;39;p9"/>
-          <p:cNvSpPr txBox="1"/>
+          <p:cNvSpPr txBox="1">
+            <a:spLocks noGrp="1"/>
+          </p:cNvSpPr>
           <p:nvPr>
-            <p:ph idx="2" type="body"/>
+            <p:ph type="body" idx="2"/>
           </p:nvPr>
         </p:nvSpPr>
         <p:spPr>
@@ -4939,11 +5075,11 @@
           </a:prstGeom>
         </p:spPr>
         <p:txBody>
-          <a:bodyPr anchorCtr="0" anchor="ctr" bIns="91425" lIns="91425" spcFirstLastPara="1" rIns="91425" wrap="square" tIns="91425">
+          <a:bodyPr spcFirstLastPara="1" wrap="square" lIns="91425" tIns="91425" rIns="91425" bIns="91425" anchor="ctr" anchorCtr="0">
             <a:noAutofit/>
           </a:bodyPr>
           <a:lstStyle>
-            <a:lvl1pPr indent="-342900" lvl="0" marL="457200">
+            <a:lvl1pPr marL="457200" lvl="0" indent="-342900">
               <a:spcBef>
                 <a:spcPts val="0"/>
               </a:spcBef>
@@ -4954,7 +5090,7 @@
               <a:buChar char="●"/>
               <a:defRPr/>
             </a:lvl1pPr>
-            <a:lvl2pPr indent="-317500" lvl="1" marL="914400">
+            <a:lvl2pPr marL="914400" lvl="1" indent="-317500">
               <a:spcBef>
                 <a:spcPts val="1600"/>
               </a:spcBef>
@@ -4965,7 +5101,7 @@
               <a:buChar char="○"/>
               <a:defRPr/>
             </a:lvl2pPr>
-            <a:lvl3pPr indent="-317500" lvl="2" marL="1371600">
+            <a:lvl3pPr marL="1371600" lvl="2" indent="-317500">
               <a:spcBef>
                 <a:spcPts val="1600"/>
               </a:spcBef>
@@ -4976,7 +5112,7 @@
               <a:buChar char="■"/>
               <a:defRPr/>
             </a:lvl3pPr>
-            <a:lvl4pPr indent="-317500" lvl="3" marL="1828800">
+            <a:lvl4pPr marL="1828800" lvl="3" indent="-317500">
               <a:spcBef>
                 <a:spcPts val="1600"/>
               </a:spcBef>
@@ -4987,7 +5123,7 @@
               <a:buChar char="●"/>
               <a:defRPr/>
             </a:lvl4pPr>
-            <a:lvl5pPr indent="-317500" lvl="4" marL="2286000">
+            <a:lvl5pPr marL="2286000" lvl="4" indent="-317500">
               <a:spcBef>
                 <a:spcPts val="1600"/>
               </a:spcBef>
@@ -4998,7 +5134,7 @@
               <a:buChar char="○"/>
               <a:defRPr/>
             </a:lvl5pPr>
-            <a:lvl6pPr indent="-317500" lvl="5" marL="2743200">
+            <a:lvl6pPr marL="2743200" lvl="5" indent="-317500">
               <a:spcBef>
                 <a:spcPts val="1600"/>
               </a:spcBef>
@@ -5009,7 +5145,7 @@
               <a:buChar char="■"/>
               <a:defRPr/>
             </a:lvl6pPr>
-            <a:lvl7pPr indent="-317500" lvl="6" marL="3200400">
+            <a:lvl7pPr marL="3200400" lvl="6" indent="-317500">
               <a:spcBef>
                 <a:spcPts val="1600"/>
               </a:spcBef>
@@ -5020,7 +5156,7 @@
               <a:buChar char="●"/>
               <a:defRPr/>
             </a:lvl7pPr>
-            <a:lvl8pPr indent="-317500" lvl="7" marL="3657600">
+            <a:lvl8pPr marL="3657600" lvl="7" indent="-317500">
               <a:spcBef>
                 <a:spcPts val="1600"/>
               </a:spcBef>
@@ -5031,7 +5167,7 @@
               <a:buChar char="○"/>
               <a:defRPr/>
             </a:lvl8pPr>
-            <a:lvl9pPr indent="-317500" lvl="8" marL="4114800">
+            <a:lvl9pPr marL="4114800" lvl="8" indent="-317500">
               <a:spcBef>
                 <a:spcPts val="1600"/>
               </a:spcBef>
@@ -5043,15 +5179,19 @@
               <a:defRPr/>
             </a:lvl9pPr>
           </a:lstStyle>
-          <a:p/>
+          <a:p>
+            <a:endParaRPr/>
+          </a:p>
         </p:txBody>
       </p:sp>
       <p:sp>
         <p:nvSpPr>
           <p:cNvPr id="40" name="Google Shape;40;p9"/>
-          <p:cNvSpPr txBox="1"/>
+          <p:cNvSpPr txBox="1">
+            <a:spLocks noGrp="1"/>
+          </p:cNvSpPr>
           <p:nvPr>
-            <p:ph idx="12" type="sldNum"/>
+            <p:ph type="sldNum" idx="12"/>
           </p:nvPr>
         </p:nvSpPr>
         <p:spPr>
@@ -5064,7 +5204,7 @@
           </a:prstGeom>
         </p:spPr>
         <p:txBody>
-          <a:bodyPr anchorCtr="0" anchor="ctr" bIns="91425" lIns="91425" spcFirstLastPara="1" rIns="91425" wrap="square" tIns="91425">
+          <a:bodyPr spcFirstLastPara="1" wrap="square" lIns="91425" tIns="91425" rIns="91425" bIns="91425" anchor="ctr" anchorCtr="0">
             <a:noAutofit/>
           </a:bodyPr>
           <a:lstStyle>
@@ -5106,7 +5246,7 @@
             </a:lvl9pPr>
           </a:lstStyle>
           <a:p>
-            <a:pPr indent="0" lvl="0" marL="0" rtl="0" algn="r">
+            <a:pPr marL="0" lvl="0" indent="0" algn="r" rtl="0">
               <a:spcBef>
                 <a:spcPts val="0"/>
               </a:spcBef>
@@ -5132,11 +5272,11 @@
 </file>
 
 <file path=ppt/slideLayouts/slideLayout9.xml><?xml version="1.0" encoding="utf-8"?>
-<p:sldLayout xmlns:a="http://schemas.openxmlformats.org/drawingml/2006/main" xmlns:r="http://schemas.openxmlformats.org/officeDocument/2006/relationships" xmlns:mc="http://schemas.openxmlformats.org/markup-compatibility/2006" xmlns:mv="urn:schemas-microsoft-com:mac:vml" xmlns:p="http://schemas.openxmlformats.org/presentationml/2006/main" xmlns:c="http://schemas.openxmlformats.org/drawingml/2006/chart" xmlns:dgm="http://schemas.openxmlformats.org/drawingml/2006/diagram" xmlns:o="urn:schemas-microsoft-com:office:office" xmlns:v="urn:schemas-microsoft-com:vml" xmlns:pvml="urn:schemas-microsoft-com:office:powerpoint" xmlns:com="http://schemas.openxmlformats.org/drawingml/2006/compatibility" xmlns:p14="http://schemas.microsoft.com/office/powerpoint/2010/main" xmlns:p15="http://schemas.microsoft.com/office/powerpoint/2012/main" xmlns:ahyp="http://schemas.microsoft.com/office/drawing/2018/hyperlinkcolor" matchingName="Caption">
+<p:sldLayout xmlns:a="http://schemas.openxmlformats.org/drawingml/2006/main" xmlns:r="http://schemas.openxmlformats.org/officeDocument/2006/relationships" xmlns:p="http://schemas.openxmlformats.org/presentationml/2006/main" matchingName="Caption">
   <p:cSld name="CAPTION_ONLY">
     <p:spTree>
       <p:nvGrpSpPr>
-        <p:cNvPr id="41" name="Shape 41"/>
+        <p:cNvPr id="1" name="Shape 41"/>
         <p:cNvGrpSpPr/>
         <p:nvPr/>
       </p:nvGrpSpPr>
@@ -5151,9 +5291,11 @@
       <p:sp>
         <p:nvSpPr>
           <p:cNvPr id="42" name="Google Shape;42;p10"/>
-          <p:cNvSpPr txBox="1"/>
+          <p:cNvSpPr txBox="1">
+            <a:spLocks noGrp="1"/>
+          </p:cNvSpPr>
           <p:nvPr>
-            <p:ph idx="1" type="body"/>
+            <p:ph type="body" idx="1"/>
           </p:nvPr>
         </p:nvSpPr>
         <p:spPr>
@@ -5166,11 +5308,11 @@
           </a:prstGeom>
         </p:spPr>
         <p:txBody>
-          <a:bodyPr anchorCtr="0" anchor="ctr" bIns="91425" lIns="91425" spcFirstLastPara="1" rIns="91425" wrap="square" tIns="91425">
+          <a:bodyPr spcFirstLastPara="1" wrap="square" lIns="91425" tIns="91425" rIns="91425" bIns="91425" anchor="ctr" anchorCtr="0">
             <a:noAutofit/>
           </a:bodyPr>
           <a:lstStyle>
-            <a:lvl1pPr indent="-228600" lvl="0" marL="457200">
+            <a:lvl1pPr marL="457200" lvl="0" indent="-228600">
               <a:lnSpc>
                 <a:spcPct val="100000"/>
               </a:lnSpc>
@@ -5185,15 +5327,19 @@
               <a:defRPr/>
             </a:lvl1pPr>
           </a:lstStyle>
-          <a:p/>
+          <a:p>
+            <a:endParaRPr/>
+          </a:p>
         </p:txBody>
       </p:sp>
       <p:sp>
         <p:nvSpPr>
           <p:cNvPr id="43" name="Google Shape;43;p10"/>
-          <p:cNvSpPr txBox="1"/>
+          <p:cNvSpPr txBox="1">
+            <a:spLocks noGrp="1"/>
+          </p:cNvSpPr>
           <p:nvPr>
-            <p:ph idx="12" type="sldNum"/>
+            <p:ph type="sldNum" idx="12"/>
           </p:nvPr>
         </p:nvSpPr>
         <p:spPr>
@@ -5206,7 +5352,7 @@
           </a:prstGeom>
         </p:spPr>
         <p:txBody>
-          <a:bodyPr anchorCtr="0" anchor="ctr" bIns="91425" lIns="91425" spcFirstLastPara="1" rIns="91425" wrap="square" tIns="91425">
+          <a:bodyPr spcFirstLastPara="1" wrap="square" lIns="91425" tIns="91425" rIns="91425" bIns="91425" anchor="ctr" anchorCtr="0">
             <a:noAutofit/>
           </a:bodyPr>
           <a:lstStyle>
@@ -5248,7 +5394,7 @@
             </a:lvl9pPr>
           </a:lstStyle>
           <a:p>
-            <a:pPr indent="0" lvl="0" marL="0" rtl="0" algn="r">
+            <a:pPr marL="0" lvl="0" indent="0" algn="r" rtl="0">
               <a:spcBef>
                 <a:spcPts val="0"/>
               </a:spcBef>
@@ -5274,18 +5420,19 @@
 </file>
 
 <file path=ppt/slideMasters/slideMaster1.xml><?xml version="1.0" encoding="utf-8"?>
-<p:sldMaster xmlns:a="http://schemas.openxmlformats.org/drawingml/2006/main" xmlns:r="http://schemas.openxmlformats.org/officeDocument/2006/relationships" xmlns:mc="http://schemas.openxmlformats.org/markup-compatibility/2006" xmlns:mv="urn:schemas-microsoft-com:mac:vml" xmlns:p="http://schemas.openxmlformats.org/presentationml/2006/main" xmlns:c="http://schemas.openxmlformats.org/drawingml/2006/chart" xmlns:dgm="http://schemas.openxmlformats.org/drawingml/2006/diagram" xmlns:o="urn:schemas-microsoft-com:office:office" xmlns:v="urn:schemas-microsoft-com:vml" xmlns:pvml="urn:schemas-microsoft-com:office:powerpoint" xmlns:com="http://schemas.openxmlformats.org/drawingml/2006/compatibility" xmlns:p14="http://schemas.microsoft.com/office/powerpoint/2010/main" xmlns:p15="http://schemas.microsoft.com/office/powerpoint/2012/main" xmlns:ahyp="http://schemas.microsoft.com/office/drawing/2018/hyperlinkcolor">
+<p:sldMaster xmlns:a="http://schemas.openxmlformats.org/drawingml/2006/main" xmlns:r="http://schemas.openxmlformats.org/officeDocument/2006/relationships" xmlns:p="http://schemas.openxmlformats.org/presentationml/2006/main">
   <p:cSld name="simple-light-2">
     <p:bg>
       <p:bgPr>
         <a:solidFill>
           <a:schemeClr val="lt1"/>
         </a:solidFill>
+        <a:effectLst/>
       </p:bgPr>
     </p:bg>
     <p:spTree>
       <p:nvGrpSpPr>
-        <p:cNvPr id="5" name="Shape 5"/>
+        <p:cNvPr id="1" name="Shape 5"/>
         <p:cNvGrpSpPr/>
         <p:nvPr/>
       </p:nvGrpSpPr>
@@ -5300,7 +5447,9 @@
       <p:sp>
         <p:nvSpPr>
           <p:cNvPr id="6" name="Google Shape;6;p1"/>
-          <p:cNvSpPr txBox="1"/>
+          <p:cNvSpPr txBox="1">
+            <a:spLocks noGrp="1"/>
+          </p:cNvSpPr>
           <p:nvPr>
             <p:ph type="title"/>
           </p:nvPr>
@@ -5319,7 +5468,7 @@
           </a:ln>
         </p:spPr>
         <p:txBody>
-          <a:bodyPr anchorCtr="0" anchor="t" bIns="91425" lIns="91425" spcFirstLastPara="1" rIns="91425" wrap="square" tIns="91425">
+          <a:bodyPr spcFirstLastPara="1" wrap="square" lIns="91425" tIns="91425" rIns="91425" bIns="91425" anchor="t" anchorCtr="0">
             <a:noAutofit/>
           </a:bodyPr>
           <a:lstStyle>
@@ -5486,15 +5635,19 @@
               </a:defRPr>
             </a:lvl9pPr>
           </a:lstStyle>
-          <a:p/>
+          <a:p>
+            <a:endParaRPr/>
+          </a:p>
         </p:txBody>
       </p:sp>
       <p:sp>
         <p:nvSpPr>
           <p:cNvPr id="7" name="Google Shape;7;p1"/>
-          <p:cNvSpPr txBox="1"/>
+          <p:cNvSpPr txBox="1">
+            <a:spLocks noGrp="1"/>
+          </p:cNvSpPr>
           <p:nvPr>
-            <p:ph idx="1" type="body"/>
+            <p:ph type="body" idx="1"/>
           </p:nvPr>
         </p:nvSpPr>
         <p:spPr>
@@ -5511,11 +5664,11 @@
           </a:ln>
         </p:spPr>
         <p:txBody>
-          <a:bodyPr anchorCtr="0" anchor="t" bIns="91425" lIns="91425" spcFirstLastPara="1" rIns="91425" wrap="square" tIns="91425">
+          <a:bodyPr spcFirstLastPara="1" wrap="square" lIns="91425" tIns="91425" rIns="91425" bIns="91425" anchor="t" anchorCtr="0">
             <a:noAutofit/>
           </a:bodyPr>
           <a:lstStyle>
-            <a:lvl1pPr indent="-342900" lvl="0" marL="457200">
+            <a:lvl1pPr marL="457200" lvl="0" indent="-342900">
               <a:lnSpc>
                 <a:spcPct val="115000"/>
               </a:lnSpc>
@@ -5536,7 +5689,7 @@
                 </a:solidFill>
               </a:defRPr>
             </a:lvl1pPr>
-            <a:lvl2pPr indent="-317500" lvl="1" marL="914400">
+            <a:lvl2pPr marL="914400" lvl="1" indent="-317500">
               <a:lnSpc>
                 <a:spcPct val="115000"/>
               </a:lnSpc>
@@ -5557,7 +5710,7 @@
                 </a:solidFill>
               </a:defRPr>
             </a:lvl2pPr>
-            <a:lvl3pPr indent="-317500" lvl="2" marL="1371600">
+            <a:lvl3pPr marL="1371600" lvl="2" indent="-317500">
               <a:lnSpc>
                 <a:spcPct val="115000"/>
               </a:lnSpc>
@@ -5578,7 +5731,7 @@
                 </a:solidFill>
               </a:defRPr>
             </a:lvl3pPr>
-            <a:lvl4pPr indent="-317500" lvl="3" marL="1828800">
+            <a:lvl4pPr marL="1828800" lvl="3" indent="-317500">
               <a:lnSpc>
                 <a:spcPct val="115000"/>
               </a:lnSpc>
@@ -5599,7 +5752,7 @@
                 </a:solidFill>
               </a:defRPr>
             </a:lvl4pPr>
-            <a:lvl5pPr indent="-317500" lvl="4" marL="2286000">
+            <a:lvl5pPr marL="2286000" lvl="4" indent="-317500">
               <a:lnSpc>
                 <a:spcPct val="115000"/>
               </a:lnSpc>
@@ -5620,7 +5773,7 @@
                 </a:solidFill>
               </a:defRPr>
             </a:lvl5pPr>
-            <a:lvl6pPr indent="-317500" lvl="5" marL="2743200">
+            <a:lvl6pPr marL="2743200" lvl="5" indent="-317500">
               <a:lnSpc>
                 <a:spcPct val="115000"/>
               </a:lnSpc>
@@ -5641,7 +5794,7 @@
                 </a:solidFill>
               </a:defRPr>
             </a:lvl6pPr>
-            <a:lvl7pPr indent="-317500" lvl="6" marL="3200400">
+            <a:lvl7pPr marL="3200400" lvl="6" indent="-317500">
               <a:lnSpc>
                 <a:spcPct val="115000"/>
               </a:lnSpc>
@@ -5662,7 +5815,7 @@
                 </a:solidFill>
               </a:defRPr>
             </a:lvl7pPr>
-            <a:lvl8pPr indent="-317500" lvl="7" marL="3657600">
+            <a:lvl8pPr marL="3657600" lvl="7" indent="-317500">
               <a:lnSpc>
                 <a:spcPct val="115000"/>
               </a:lnSpc>
@@ -5683,7 +5836,7 @@
                 </a:solidFill>
               </a:defRPr>
             </a:lvl8pPr>
-            <a:lvl9pPr indent="-317500" lvl="8" marL="4114800">
+            <a:lvl9pPr marL="4114800" lvl="8" indent="-317500">
               <a:lnSpc>
                 <a:spcPct val="115000"/>
               </a:lnSpc>
@@ -5705,15 +5858,19 @@
               </a:defRPr>
             </a:lvl9pPr>
           </a:lstStyle>
-          <a:p/>
+          <a:p>
+            <a:endParaRPr/>
+          </a:p>
         </p:txBody>
       </p:sp>
       <p:sp>
         <p:nvSpPr>
           <p:cNvPr id="8" name="Google Shape;8;p1"/>
-          <p:cNvSpPr txBox="1"/>
+          <p:cNvSpPr txBox="1">
+            <a:spLocks noGrp="1"/>
+          </p:cNvSpPr>
           <p:nvPr>
-            <p:ph idx="12" type="sldNum"/>
+            <p:ph type="sldNum" idx="12"/>
           </p:nvPr>
         </p:nvSpPr>
         <p:spPr>
@@ -5730,7 +5887,7 @@
           </a:ln>
         </p:spPr>
         <p:txBody>
-          <a:bodyPr anchorCtr="0" anchor="ctr" bIns="91425" lIns="91425" spcFirstLastPara="1" rIns="91425" wrap="square" tIns="91425">
+          <a:bodyPr spcFirstLastPara="1" wrap="square" lIns="91425" tIns="91425" rIns="91425" bIns="91425" anchor="ctr" anchorCtr="0">
             <a:noAutofit/>
           </a:bodyPr>
           <a:lstStyle>
@@ -5808,7 +5965,7 @@
             </a:lvl9pPr>
           </a:lstStyle>
           <a:p>
-            <a:pPr indent="0" lvl="0" marL="0" rtl="0" algn="r">
+            <a:pPr marL="0" lvl="0" indent="0" algn="r" rtl="0">
               <a:spcBef>
                 <a:spcPts val="0"/>
               </a:spcBef>
@@ -5827,7 +5984,7 @@
       </p:sp>
     </p:spTree>
   </p:cSld>
-  <p:clrMap accent1="accent1" accent2="accent2" accent3="accent3" accent4="accent4" accent5="accent5" accent6="accent6" bg1="lt1" bg2="dk2" tx1="dk1" tx2="lt2" folHlink="folHlink" hlink="hlink"/>
+  <p:clrMap bg1="lt1" tx1="dk1" bg2="dk2" tx2="lt2" accent1="accent1" accent2="accent2" accent3="accent3" accent4="accent4" accent5="accent5" accent6="accent6" hlink="hlink" folHlink="folHlink"/>
   <p:sldLayoutIdLst>
     <p:sldLayoutId id="2147483648" r:id="rId1"/>
     <p:sldLayoutId id="2147483649" r:id="rId2"/>
@@ -5841,10 +5998,10 @@
     <p:sldLayoutId id="2147483657" r:id="rId10"/>
     <p:sldLayoutId id="2147483658" r:id="rId11"/>
   </p:sldLayoutIdLst>
-  <p:hf dt="0" ftr="0" hdr="0" sldNum="0"/>
+  <p:hf sldNum="0" hdr="0" ftr="0" dt="0"/>
   <p:txStyles>
     <p:titleStyle>
-      <a:defPPr lvl="0" marR="0" rtl="0" algn="l">
+      <a:defPPr marR="0" lvl="0" algn="l" rtl="0">
         <a:lnSpc>
           <a:spcPct val="100000"/>
         </a:lnSpc>
@@ -5855,7 +6012,7 @@
           <a:spcPts val="0"/>
         </a:spcAft>
       </a:defPPr>
-      <a:lvl1pPr lvl="0" marR="0" rtl="0" algn="l">
+      <a:lvl1pPr marR="0" lvl="0" algn="l" rtl="0">
         <a:lnSpc>
           <a:spcPct val="100000"/>
         </a:lnSpc>
@@ -5869,7 +6026,7 @@
           <a:srgbClr val="000000"/>
         </a:buClr>
         <a:buFont typeface="Arial"/>
-        <a:defRPr b="0" i="0" sz="1400" u="none" cap="none" strike="noStrike">
+        <a:defRPr sz="1400" b="0" i="0" u="none" strike="noStrike" cap="none">
           <a:solidFill>
             <a:srgbClr val="000000"/>
           </a:solidFill>
@@ -5879,7 +6036,7 @@
           <a:sym typeface="Arial"/>
         </a:defRPr>
       </a:lvl1pPr>
-      <a:lvl2pPr lvl="1" marR="0" rtl="0" algn="l">
+      <a:lvl2pPr marR="0" lvl="1" algn="l" rtl="0">
         <a:lnSpc>
           <a:spcPct val="100000"/>
         </a:lnSpc>
@@ -5893,7 +6050,7 @@
           <a:srgbClr val="000000"/>
         </a:buClr>
         <a:buFont typeface="Arial"/>
-        <a:defRPr b="0" i="0" sz="1400" u="none" cap="none" strike="noStrike">
+        <a:defRPr sz="1400" b="0" i="0" u="none" strike="noStrike" cap="none">
           <a:solidFill>
             <a:srgbClr val="000000"/>
           </a:solidFill>
@@ -5903,7 +6060,7 @@
           <a:sym typeface="Arial"/>
         </a:defRPr>
       </a:lvl2pPr>
-      <a:lvl3pPr lvl="2" marR="0" rtl="0" algn="l">
+      <a:lvl3pPr marR="0" lvl="2" algn="l" rtl="0">
         <a:lnSpc>
           <a:spcPct val="100000"/>
         </a:lnSpc>
@@ -5917,7 +6074,7 @@
           <a:srgbClr val="000000"/>
         </a:buClr>
         <a:buFont typeface="Arial"/>
-        <a:defRPr b="0" i="0" sz="1400" u="none" cap="none" strike="noStrike">
+        <a:defRPr sz="1400" b="0" i="0" u="none" strike="noStrike" cap="none">
           <a:solidFill>
             <a:srgbClr val="000000"/>
           </a:solidFill>
@@ -5927,7 +6084,7 @@
           <a:sym typeface="Arial"/>
         </a:defRPr>
       </a:lvl3pPr>
-      <a:lvl4pPr lvl="3" marR="0" rtl="0" algn="l">
+      <a:lvl4pPr marR="0" lvl="3" algn="l" rtl="0">
         <a:lnSpc>
           <a:spcPct val="100000"/>
         </a:lnSpc>
@@ -5941,7 +6098,7 @@
           <a:srgbClr val="000000"/>
         </a:buClr>
         <a:buFont typeface="Arial"/>
-        <a:defRPr b="0" i="0" sz="1400" u="none" cap="none" strike="noStrike">
+        <a:defRPr sz="1400" b="0" i="0" u="none" strike="noStrike" cap="none">
           <a:solidFill>
             <a:srgbClr val="000000"/>
           </a:solidFill>
@@ -5951,7 +6108,7 @@
           <a:sym typeface="Arial"/>
         </a:defRPr>
       </a:lvl4pPr>
-      <a:lvl5pPr lvl="4" marR="0" rtl="0" algn="l">
+      <a:lvl5pPr marR="0" lvl="4" algn="l" rtl="0">
         <a:lnSpc>
           <a:spcPct val="100000"/>
         </a:lnSpc>
@@ -5965,7 +6122,7 @@
           <a:srgbClr val="000000"/>
         </a:buClr>
         <a:buFont typeface="Arial"/>
-        <a:defRPr b="0" i="0" sz="1400" u="none" cap="none" strike="noStrike">
+        <a:defRPr sz="1400" b="0" i="0" u="none" strike="noStrike" cap="none">
           <a:solidFill>
             <a:srgbClr val="000000"/>
           </a:solidFill>
@@ -5975,7 +6132,7 @@
           <a:sym typeface="Arial"/>
         </a:defRPr>
       </a:lvl5pPr>
-      <a:lvl6pPr lvl="5" marR="0" rtl="0" algn="l">
+      <a:lvl6pPr marR="0" lvl="5" algn="l" rtl="0">
         <a:lnSpc>
           <a:spcPct val="100000"/>
         </a:lnSpc>
@@ -5989,7 +6146,7 @@
           <a:srgbClr val="000000"/>
         </a:buClr>
         <a:buFont typeface="Arial"/>
-        <a:defRPr b="0" i="0" sz="1400" u="none" cap="none" strike="noStrike">
+        <a:defRPr sz="1400" b="0" i="0" u="none" strike="noStrike" cap="none">
           <a:solidFill>
             <a:srgbClr val="000000"/>
           </a:solidFill>
@@ -5999,7 +6156,7 @@
           <a:sym typeface="Arial"/>
         </a:defRPr>
       </a:lvl6pPr>
-      <a:lvl7pPr lvl="6" marR="0" rtl="0" algn="l">
+      <a:lvl7pPr marR="0" lvl="6" algn="l" rtl="0">
         <a:lnSpc>
           <a:spcPct val="100000"/>
         </a:lnSpc>
@@ -6013,7 +6170,7 @@
           <a:srgbClr val="000000"/>
         </a:buClr>
         <a:buFont typeface="Arial"/>
-        <a:defRPr b="0" i="0" sz="1400" u="none" cap="none" strike="noStrike">
+        <a:defRPr sz="1400" b="0" i="0" u="none" strike="noStrike" cap="none">
           <a:solidFill>
             <a:srgbClr val="000000"/>
           </a:solidFill>
@@ -6023,7 +6180,7 @@
           <a:sym typeface="Arial"/>
         </a:defRPr>
       </a:lvl7pPr>
-      <a:lvl8pPr lvl="7" marR="0" rtl="0" algn="l">
+      <a:lvl8pPr marR="0" lvl="7" algn="l" rtl="0">
         <a:lnSpc>
           <a:spcPct val="100000"/>
         </a:lnSpc>
@@ -6037,7 +6194,7 @@
           <a:srgbClr val="000000"/>
         </a:buClr>
         <a:buFont typeface="Arial"/>
-        <a:defRPr b="0" i="0" sz="1400" u="none" cap="none" strike="noStrike">
+        <a:defRPr sz="1400" b="0" i="0" u="none" strike="noStrike" cap="none">
           <a:solidFill>
             <a:srgbClr val="000000"/>
           </a:solidFill>
@@ -6047,7 +6204,7 @@
           <a:sym typeface="Arial"/>
         </a:defRPr>
       </a:lvl8pPr>
-      <a:lvl9pPr lvl="8" marR="0" rtl="0" algn="l">
+      <a:lvl9pPr marR="0" lvl="8" algn="l" rtl="0">
         <a:lnSpc>
           <a:spcPct val="100000"/>
         </a:lnSpc>
@@ -6061,7 +6218,7 @@
           <a:srgbClr val="000000"/>
         </a:buClr>
         <a:buFont typeface="Arial"/>
-        <a:defRPr b="0" i="0" sz="1400" u="none" cap="none" strike="noStrike">
+        <a:defRPr sz="1400" b="0" i="0" u="none" strike="noStrike" cap="none">
           <a:solidFill>
             <a:srgbClr val="000000"/>
           </a:solidFill>
@@ -6073,7 +6230,7 @@
       </a:lvl9pPr>
     </p:titleStyle>
     <p:bodyStyle>
-      <a:defPPr lvl="0" marR="0" rtl="0" algn="l">
+      <a:defPPr marR="0" lvl="0" algn="l" rtl="0">
         <a:lnSpc>
           <a:spcPct val="100000"/>
         </a:lnSpc>
@@ -6084,7 +6241,7 @@
           <a:spcPts val="0"/>
         </a:spcAft>
       </a:defPPr>
-      <a:lvl1pPr lvl="0" marR="0" rtl="0" algn="l">
+      <a:lvl1pPr marR="0" lvl="0" algn="l" rtl="0">
         <a:lnSpc>
           <a:spcPct val="100000"/>
         </a:lnSpc>
@@ -6098,7 +6255,7 @@
           <a:srgbClr val="000000"/>
         </a:buClr>
         <a:buFont typeface="Arial"/>
-        <a:defRPr b="0" i="0" sz="1400" u="none" cap="none" strike="noStrike">
+        <a:defRPr sz="1400" b="0" i="0" u="none" strike="noStrike" cap="none">
           <a:solidFill>
             <a:srgbClr val="000000"/>
           </a:solidFill>
@@ -6108,7 +6265,7 @@
           <a:sym typeface="Arial"/>
         </a:defRPr>
       </a:lvl1pPr>
-      <a:lvl2pPr lvl="1" marR="0" rtl="0" algn="l">
+      <a:lvl2pPr marR="0" lvl="1" algn="l" rtl="0">
         <a:lnSpc>
           <a:spcPct val="100000"/>
         </a:lnSpc>
@@ -6122,7 +6279,7 @@
           <a:srgbClr val="000000"/>
         </a:buClr>
         <a:buFont typeface="Arial"/>
-        <a:defRPr b="0" i="0" sz="1400" u="none" cap="none" strike="noStrike">
+        <a:defRPr sz="1400" b="0" i="0" u="none" strike="noStrike" cap="none">
           <a:solidFill>
             <a:srgbClr val="000000"/>
           </a:solidFill>
@@ -6132,7 +6289,7 @@
           <a:sym typeface="Arial"/>
         </a:defRPr>
       </a:lvl2pPr>
-      <a:lvl3pPr lvl="2" marR="0" rtl="0" algn="l">
+      <a:lvl3pPr marR="0" lvl="2" algn="l" rtl="0">
         <a:lnSpc>
           <a:spcPct val="100000"/>
         </a:lnSpc>
@@ -6146,7 +6303,7 @@
           <a:srgbClr val="000000"/>
         </a:buClr>
         <a:buFont typeface="Arial"/>
-        <a:defRPr b="0" i="0" sz="1400" u="none" cap="none" strike="noStrike">
+        <a:defRPr sz="1400" b="0" i="0" u="none" strike="noStrike" cap="none">
           <a:solidFill>
             <a:srgbClr val="000000"/>
           </a:solidFill>
@@ -6156,7 +6313,7 @@
           <a:sym typeface="Arial"/>
         </a:defRPr>
       </a:lvl3pPr>
-      <a:lvl4pPr lvl="3" marR="0" rtl="0" algn="l">
+      <a:lvl4pPr marR="0" lvl="3" algn="l" rtl="0">
         <a:lnSpc>
           <a:spcPct val="100000"/>
         </a:lnSpc>
@@ -6170,7 +6327,7 @@
           <a:srgbClr val="000000"/>
         </a:buClr>
         <a:buFont typeface="Arial"/>
-        <a:defRPr b="0" i="0" sz="1400" u="none" cap="none" strike="noStrike">
+        <a:defRPr sz="1400" b="0" i="0" u="none" strike="noStrike" cap="none">
           <a:solidFill>
             <a:srgbClr val="000000"/>
           </a:solidFill>
@@ -6180,7 +6337,7 @@
           <a:sym typeface="Arial"/>
         </a:defRPr>
       </a:lvl4pPr>
-      <a:lvl5pPr lvl="4" marR="0" rtl="0" algn="l">
+      <a:lvl5pPr marR="0" lvl="4" algn="l" rtl="0">
         <a:lnSpc>
           <a:spcPct val="100000"/>
         </a:lnSpc>
@@ -6194,7 +6351,7 @@
           <a:srgbClr val="000000"/>
         </a:buClr>
         <a:buFont typeface="Arial"/>
-        <a:defRPr b="0" i="0" sz="1400" u="none" cap="none" strike="noStrike">
+        <a:defRPr sz="1400" b="0" i="0" u="none" strike="noStrike" cap="none">
           <a:solidFill>
             <a:srgbClr val="000000"/>
           </a:solidFill>
@@ -6204,7 +6361,7 @@
           <a:sym typeface="Arial"/>
         </a:defRPr>
       </a:lvl5pPr>
-      <a:lvl6pPr lvl="5" marR="0" rtl="0" algn="l">
+      <a:lvl6pPr marR="0" lvl="5" algn="l" rtl="0">
         <a:lnSpc>
           <a:spcPct val="100000"/>
         </a:lnSpc>
@@ -6218,7 +6375,7 @@
           <a:srgbClr val="000000"/>
         </a:buClr>
         <a:buFont typeface="Arial"/>
-        <a:defRPr b="0" i="0" sz="1400" u="none" cap="none" strike="noStrike">
+        <a:defRPr sz="1400" b="0" i="0" u="none" strike="noStrike" cap="none">
           <a:solidFill>
             <a:srgbClr val="000000"/>
           </a:solidFill>
@@ -6228,7 +6385,7 @@
           <a:sym typeface="Arial"/>
         </a:defRPr>
       </a:lvl6pPr>
-      <a:lvl7pPr lvl="6" marR="0" rtl="0" algn="l">
+      <a:lvl7pPr marR="0" lvl="6" algn="l" rtl="0">
         <a:lnSpc>
           <a:spcPct val="100000"/>
         </a:lnSpc>
@@ -6242,7 +6399,7 @@
           <a:srgbClr val="000000"/>
         </a:buClr>
         <a:buFont typeface="Arial"/>
-        <a:defRPr b="0" i="0" sz="1400" u="none" cap="none" strike="noStrike">
+        <a:defRPr sz="1400" b="0" i="0" u="none" strike="noStrike" cap="none">
           <a:solidFill>
             <a:srgbClr val="000000"/>
           </a:solidFill>
@@ -6252,7 +6409,7 @@
           <a:sym typeface="Arial"/>
         </a:defRPr>
       </a:lvl7pPr>
-      <a:lvl8pPr lvl="7" marR="0" rtl="0" algn="l">
+      <a:lvl8pPr marR="0" lvl="7" algn="l" rtl="0">
         <a:lnSpc>
           <a:spcPct val="100000"/>
         </a:lnSpc>
@@ -6266,7 +6423,7 @@
           <a:srgbClr val="000000"/>
         </a:buClr>
         <a:buFont typeface="Arial"/>
-        <a:defRPr b="0" i="0" sz="1400" u="none" cap="none" strike="noStrike">
+        <a:defRPr sz="1400" b="0" i="0" u="none" strike="noStrike" cap="none">
           <a:solidFill>
             <a:srgbClr val="000000"/>
           </a:solidFill>
@@ -6276,7 +6433,7 @@
           <a:sym typeface="Arial"/>
         </a:defRPr>
       </a:lvl8pPr>
-      <a:lvl9pPr lvl="8" marR="0" rtl="0" algn="l">
+      <a:lvl9pPr marR="0" lvl="8" algn="l" rtl="0">
         <a:lnSpc>
           <a:spcPct val="100000"/>
         </a:lnSpc>
@@ -6290,7 +6447,7 @@
           <a:srgbClr val="000000"/>
         </a:buClr>
         <a:buFont typeface="Arial"/>
-        <a:defRPr b="0" i="0" sz="1400" u="none" cap="none" strike="noStrike">
+        <a:defRPr sz="1400" b="0" i="0" u="none" strike="noStrike" cap="none">
           <a:solidFill>
             <a:srgbClr val="000000"/>
           </a:solidFill>
@@ -6302,7 +6459,7 @@
       </a:lvl9pPr>
     </p:bodyStyle>
     <p:otherStyle>
-      <a:defPPr lvl="0" marR="0" rtl="0" algn="l">
+      <a:defPPr marR="0" lvl="0" algn="l" rtl="0">
         <a:lnSpc>
           <a:spcPct val="100000"/>
         </a:lnSpc>
@@ -6313,7 +6470,7 @@
           <a:spcPts val="0"/>
         </a:spcAft>
       </a:defPPr>
-      <a:lvl1pPr lvl="0" marR="0" rtl="0" algn="l">
+      <a:lvl1pPr marR="0" lvl="0" algn="l" rtl="0">
         <a:lnSpc>
           <a:spcPct val="100000"/>
         </a:lnSpc>
@@ -6327,7 +6484,7 @@
           <a:srgbClr val="000000"/>
         </a:buClr>
         <a:buFont typeface="Arial"/>
-        <a:defRPr b="0" i="0" sz="1400" u="none" cap="none" strike="noStrike">
+        <a:defRPr sz="1400" b="0" i="0" u="none" strike="noStrike" cap="none">
           <a:solidFill>
             <a:srgbClr val="000000"/>
           </a:solidFill>
@@ -6337,7 +6494,7 @@
           <a:sym typeface="Arial"/>
         </a:defRPr>
       </a:lvl1pPr>
-      <a:lvl2pPr lvl="1" marR="0" rtl="0" algn="l">
+      <a:lvl2pPr marR="0" lvl="1" algn="l" rtl="0">
         <a:lnSpc>
           <a:spcPct val="100000"/>
         </a:lnSpc>
@@ -6351,7 +6508,7 @@
           <a:srgbClr val="000000"/>
         </a:buClr>
         <a:buFont typeface="Arial"/>
-        <a:defRPr b="0" i="0" sz="1400" u="none" cap="none" strike="noStrike">
+        <a:defRPr sz="1400" b="0" i="0" u="none" strike="noStrike" cap="none">
           <a:solidFill>
             <a:srgbClr val="000000"/>
           </a:solidFill>
@@ -6361,7 +6518,7 @@
           <a:sym typeface="Arial"/>
         </a:defRPr>
       </a:lvl2pPr>
-      <a:lvl3pPr lvl="2" marR="0" rtl="0" algn="l">
+      <a:lvl3pPr marR="0" lvl="2" algn="l" rtl="0">
         <a:lnSpc>
           <a:spcPct val="100000"/>
         </a:lnSpc>
@@ -6375,7 +6532,7 @@
           <a:srgbClr val="000000"/>
         </a:buClr>
         <a:buFont typeface="Arial"/>
-        <a:defRPr b="0" i="0" sz="1400" u="none" cap="none" strike="noStrike">
+        <a:defRPr sz="1400" b="0" i="0" u="none" strike="noStrike" cap="none">
           <a:solidFill>
             <a:srgbClr val="000000"/>
           </a:solidFill>
@@ -6385,7 +6542,7 @@
           <a:sym typeface="Arial"/>
         </a:defRPr>
       </a:lvl3pPr>
-      <a:lvl4pPr lvl="3" marR="0" rtl="0" algn="l">
+      <a:lvl4pPr marR="0" lvl="3" algn="l" rtl="0">
         <a:lnSpc>
           <a:spcPct val="100000"/>
         </a:lnSpc>
@@ -6399,7 +6556,7 @@
           <a:srgbClr val="000000"/>
         </a:buClr>
         <a:buFont typeface="Arial"/>
-        <a:defRPr b="0" i="0" sz="1400" u="none" cap="none" strike="noStrike">
+        <a:defRPr sz="1400" b="0" i="0" u="none" strike="noStrike" cap="none">
           <a:solidFill>
             <a:srgbClr val="000000"/>
           </a:solidFill>
@@ -6409,7 +6566,7 @@
           <a:sym typeface="Arial"/>
         </a:defRPr>
       </a:lvl4pPr>
-      <a:lvl5pPr lvl="4" marR="0" rtl="0" algn="l">
+      <a:lvl5pPr marR="0" lvl="4" algn="l" rtl="0">
         <a:lnSpc>
           <a:spcPct val="100000"/>
         </a:lnSpc>
@@ -6423,7 +6580,7 @@
           <a:srgbClr val="000000"/>
         </a:buClr>
         <a:buFont typeface="Arial"/>
-        <a:defRPr b="0" i="0" sz="1400" u="none" cap="none" strike="noStrike">
+        <a:defRPr sz="1400" b="0" i="0" u="none" strike="noStrike" cap="none">
           <a:solidFill>
             <a:srgbClr val="000000"/>
           </a:solidFill>
@@ -6433,7 +6590,7 @@
           <a:sym typeface="Arial"/>
         </a:defRPr>
       </a:lvl5pPr>
-      <a:lvl6pPr lvl="5" marR="0" rtl="0" algn="l">
+      <a:lvl6pPr marR="0" lvl="5" algn="l" rtl="0">
         <a:lnSpc>
           <a:spcPct val="100000"/>
         </a:lnSpc>
@@ -6447,7 +6604,7 @@
           <a:srgbClr val="000000"/>
         </a:buClr>
         <a:buFont typeface="Arial"/>
-        <a:defRPr b="0" i="0" sz="1400" u="none" cap="none" strike="noStrike">
+        <a:defRPr sz="1400" b="0" i="0" u="none" strike="noStrike" cap="none">
           <a:solidFill>
             <a:srgbClr val="000000"/>
           </a:solidFill>
@@ -6457,7 +6614,7 @@
           <a:sym typeface="Arial"/>
         </a:defRPr>
       </a:lvl6pPr>
-      <a:lvl7pPr lvl="6" marR="0" rtl="0" algn="l">
+      <a:lvl7pPr marR="0" lvl="6" algn="l" rtl="0">
         <a:lnSpc>
           <a:spcPct val="100000"/>
         </a:lnSpc>
@@ -6471,7 +6628,7 @@
           <a:srgbClr val="000000"/>
         </a:buClr>
         <a:buFont typeface="Arial"/>
-        <a:defRPr b="0" i="0" sz="1400" u="none" cap="none" strike="noStrike">
+        <a:defRPr sz="1400" b="0" i="0" u="none" strike="noStrike" cap="none">
           <a:solidFill>
             <a:srgbClr val="000000"/>
           </a:solidFill>
@@ -6481,7 +6638,7 @@
           <a:sym typeface="Arial"/>
         </a:defRPr>
       </a:lvl7pPr>
-      <a:lvl8pPr lvl="7" marR="0" rtl="0" algn="l">
+      <a:lvl8pPr marR="0" lvl="7" algn="l" rtl="0">
         <a:lnSpc>
           <a:spcPct val="100000"/>
         </a:lnSpc>
@@ -6495,7 +6652,7 @@
           <a:srgbClr val="000000"/>
         </a:buClr>
         <a:buFont typeface="Arial"/>
-        <a:defRPr b="0" i="0" sz="1400" u="none" cap="none" strike="noStrike">
+        <a:defRPr sz="1400" b="0" i="0" u="none" strike="noStrike" cap="none">
           <a:solidFill>
             <a:srgbClr val="000000"/>
           </a:solidFill>
@@ -6505,7 +6662,7 @@
           <a:sym typeface="Arial"/>
         </a:defRPr>
       </a:lvl8pPr>
-      <a:lvl9pPr lvl="8" marR="0" rtl="0" algn="l">
+      <a:lvl9pPr marR="0" lvl="8" algn="l" rtl="0">
         <a:lnSpc>
           <a:spcPct val="100000"/>
         </a:lnSpc>
@@ -6519,7 +6676,7 @@
           <a:srgbClr val="000000"/>
         </a:buClr>
         <a:buFont typeface="Arial"/>
-        <a:defRPr b="0" i="0" sz="1400" u="none" cap="none" strike="noStrike">
+        <a:defRPr sz="1400" b="0" i="0" u="none" strike="noStrike" cap="none">
           <a:solidFill>
             <a:srgbClr val="000000"/>
           </a:solidFill>
@@ -6535,11 +6692,11 @@
 </file>
 
 <file path=ppt/slides/slide1.xml><?xml version="1.0" encoding="utf-8"?>
-<p:sld xmlns:a="http://schemas.openxmlformats.org/drawingml/2006/main" xmlns:r="http://schemas.openxmlformats.org/officeDocument/2006/relationships" xmlns:mc="http://schemas.openxmlformats.org/markup-compatibility/2006" xmlns:mv="urn:schemas-microsoft-com:mac:vml" xmlns:p="http://schemas.openxmlformats.org/presentationml/2006/main" xmlns:c="http://schemas.openxmlformats.org/drawingml/2006/chart" xmlns:dgm="http://schemas.openxmlformats.org/drawingml/2006/diagram" xmlns:o="urn:schemas-microsoft-com:office:office" xmlns:v="urn:schemas-microsoft-com:vml" xmlns:pvml="urn:schemas-microsoft-com:office:powerpoint" xmlns:com="http://schemas.openxmlformats.org/drawingml/2006/compatibility" xmlns:p14="http://schemas.microsoft.com/office/powerpoint/2010/main" xmlns:p15="http://schemas.microsoft.com/office/powerpoint/2012/main" xmlns:ahyp="http://schemas.microsoft.com/office/drawing/2018/hyperlinkcolor">
+<p:sld xmlns:a="http://schemas.openxmlformats.org/drawingml/2006/main" xmlns:r="http://schemas.openxmlformats.org/officeDocument/2006/relationships" xmlns:p="http://schemas.openxmlformats.org/presentationml/2006/main">
   <p:cSld>
     <p:spTree>
       <p:nvGrpSpPr>
-        <p:cNvPr id="53" name="Shape 53"/>
+        <p:cNvPr id="1" name=""/>
         <p:cNvGrpSpPr/>
         <p:nvPr/>
       </p:nvGrpSpPr>
@@ -6553,28 +6710,268 @@
       </p:grpSpPr>
       <p:sp>
         <p:nvSpPr>
-          <p:cNvPr id="54" name="Google Shape;54;p13"/>
-          <p:cNvSpPr txBox="1"/>
+          <p:cNvPr id="2" name="Title 1"/>
+          <p:cNvSpPr>
+            <a:spLocks noGrp="1"/>
+          </p:cNvSpPr>
           <p:nvPr>
             <p:ph type="ctrTitle"/>
           </p:nvPr>
         </p:nvSpPr>
         <p:spPr>
           <a:xfrm>
-            <a:off x="311708" y="744575"/>
-            <a:ext cx="8520600" cy="2052600"/>
+            <a:off x="566059" y="0"/>
+            <a:ext cx="8011886" cy="5143500"/>
+          </a:xfrm>
+        </p:spPr>
+        <p:txBody>
+          <a:bodyPr anchor="ctr">
+            <a:noAutofit/>
+          </a:bodyPr>
+          <a:lstStyle/>
+          <a:p>
+            <a:pPr algn="l" fontAlgn="ctr">
+              <a:lnSpc>
+                <a:spcPct val="150000"/>
+              </a:lnSpc>
+            </a:pPr>
+            <a:r>
+              <a:rPr lang="en-US" sz="2700" b="1" dirty="0">
+                <a:latin typeface="Times New Roman" charset="0"/>
+                <a:ea typeface="Times New Roman" charset="0"/>
+                <a:cs typeface="Times New Roman" charset="0"/>
+              </a:rPr>
+              <a:t>Blue Waters Petascale</a:t>
+            </a:r>
+            <a:r>
+              <a:rPr lang="en-US" sz="2700" b="1" dirty="0">
+                <a:latin typeface="Times New Roman" charset="0"/>
+                <a:ea typeface="Times New Roman" charset="0"/>
+                <a:cs typeface="Times New Roman" charset="0"/>
+              </a:rPr>
+              <a:t> Semester Curriculum v1.0</a:t>
+            </a:r>
+            <a:r>
+              <a:rPr lang="en-US" sz="2700" dirty="0">
+                <a:latin typeface="Times New Roman" charset="0"/>
+                <a:ea typeface="Times New Roman" charset="0"/>
+                <a:cs typeface="Times New Roman" charset="0"/>
+              </a:rPr>
+              <a:t/>
+            </a:r>
+            <a:br>
+              <a:rPr lang="en-US" sz="2700" dirty="0">
+                <a:latin typeface="Times New Roman" charset="0"/>
+                <a:ea typeface="Times New Roman" charset="0"/>
+                <a:cs typeface="Times New Roman" charset="0"/>
+              </a:rPr>
+            </a:br>
+            <a:r>
+              <a:rPr lang="en-US" sz="2700" b="1" dirty="0">
+                <a:latin typeface="Times New Roman" charset="0"/>
+                <a:ea typeface="Times New Roman" charset="0"/>
+                <a:cs typeface="Times New Roman" charset="0"/>
+              </a:rPr>
+              <a:t>Unit </a:t>
+            </a:r>
+            <a:r>
+              <a:rPr lang="en-US" sz="2700" b="1" dirty="0" smtClean="0">
+                <a:latin typeface="Times New Roman" charset="0"/>
+                <a:ea typeface="Times New Roman" charset="0"/>
+                <a:cs typeface="Times New Roman" charset="0"/>
+              </a:rPr>
+              <a:t>11</a:t>
+            </a:r>
+            <a:r>
+              <a:rPr lang="en-US" sz="2700" b="1" dirty="0">
+                <a:latin typeface="Times New Roman" charset="0"/>
+                <a:ea typeface="Times New Roman" charset="0"/>
+                <a:cs typeface="Times New Roman" charset="0"/>
+              </a:rPr>
+              <a:t>: Domain Science: Astrophysical Fluid </a:t>
+            </a:r>
+            <a:r>
+              <a:rPr lang="en-US" sz="2700" b="1" dirty="0" smtClean="0">
+                <a:latin typeface="Times New Roman" charset="0"/>
+                <a:ea typeface="Times New Roman" charset="0"/>
+                <a:cs typeface="Times New Roman" charset="0"/>
+              </a:rPr>
+              <a:t/>
+            </a:r>
+            <a:br>
+              <a:rPr lang="en-US" sz="2700" b="1" dirty="0" smtClean="0">
+                <a:latin typeface="Times New Roman" charset="0"/>
+                <a:ea typeface="Times New Roman" charset="0"/>
+                <a:cs typeface="Times New Roman" charset="0"/>
+              </a:rPr>
+            </a:br>
+            <a:r>
+              <a:rPr lang="en-US" sz="2700" b="1" dirty="0">
+                <a:latin typeface="Times New Roman" charset="0"/>
+                <a:ea typeface="Times New Roman" charset="0"/>
+                <a:cs typeface="Times New Roman" charset="0"/>
+              </a:rPr>
+              <a:t> </a:t>
+            </a:r>
+            <a:r>
+              <a:rPr lang="en-US" sz="2700" b="1" dirty="0" smtClean="0">
+                <a:latin typeface="Times New Roman" charset="0"/>
+                <a:ea typeface="Times New Roman" charset="0"/>
+                <a:cs typeface="Times New Roman" charset="0"/>
+              </a:rPr>
+              <a:t>    Dynamics</a:t>
+            </a:r>
+            <a:r>
+              <a:rPr lang="en-US" sz="2700" b="1" dirty="0">
+                <a:latin typeface="Times New Roman" charset="0"/>
+                <a:ea typeface="Times New Roman" charset="0"/>
+                <a:cs typeface="Times New Roman" charset="0"/>
+              </a:rPr>
+              <a:t/>
+            </a:r>
+            <a:br>
+              <a:rPr lang="en-US" sz="2700" b="1" dirty="0">
+                <a:latin typeface="Times New Roman" charset="0"/>
+                <a:ea typeface="Times New Roman" charset="0"/>
+                <a:cs typeface="Times New Roman" charset="0"/>
+              </a:rPr>
+            </a:br>
+            <a:r>
+              <a:rPr lang="en-US" sz="2700" b="1" dirty="0">
+                <a:latin typeface="Times New Roman" charset="0"/>
+                <a:ea typeface="Times New Roman" charset="0"/>
+                <a:cs typeface="Times New Roman" charset="0"/>
+              </a:rPr>
+              <a:t>Lesson 3: Fluid Hydrodynamics</a:t>
+            </a:r>
+            <a:br>
+              <a:rPr lang="en-US" sz="2700" b="1" dirty="0">
+                <a:latin typeface="Times New Roman" charset="0"/>
+                <a:ea typeface="Times New Roman" charset="0"/>
+                <a:cs typeface="Times New Roman" charset="0"/>
+              </a:rPr>
+            </a:br>
+            <a:r>
+              <a:rPr lang="en-US" sz="2700" i="1" dirty="0">
+                <a:latin typeface="Times New Roman" charset="0"/>
+                <a:ea typeface="Times New Roman" charset="0"/>
+                <a:cs typeface="Times New Roman" charset="0"/>
+              </a:rPr>
+              <a:t>Developed </a:t>
+            </a:r>
+            <a:r>
+              <a:rPr lang="en-US" sz="2700" i="1" dirty="0">
+                <a:latin typeface="Times New Roman" charset="0"/>
+                <a:ea typeface="Times New Roman" charset="0"/>
+                <a:cs typeface="Times New Roman" charset="0"/>
+              </a:rPr>
+              <a:t>by </a:t>
+            </a:r>
+            <a:r>
+              <a:rPr lang="en-US" sz="2700" i="1" dirty="0">
+                <a:latin typeface="Times New Roman" charset="0"/>
+                <a:ea typeface="Times New Roman" charset="0"/>
+                <a:cs typeface="Times New Roman" charset="0"/>
+              </a:rPr>
+              <a:t>Marc </a:t>
+            </a:r>
+            <a:r>
+              <a:rPr lang="en-US" sz="2700" i="1" dirty="0" err="1" smtClean="0">
+                <a:latin typeface="Times New Roman" charset="0"/>
+                <a:ea typeface="Times New Roman" charset="0"/>
+                <a:cs typeface="Times New Roman" charset="0"/>
+              </a:rPr>
+              <a:t>Gagné</a:t>
+            </a:r>
+            <a:r>
+              <a:rPr lang="en-US" sz="2700" i="1" dirty="0">
+                <a:latin typeface="Times New Roman" charset="0"/>
+                <a:ea typeface="Times New Roman" charset="0"/>
+                <a:cs typeface="Times New Roman" charset="0"/>
+              </a:rPr>
+              <a:t/>
+            </a:r>
+            <a:br>
+              <a:rPr lang="en-US" sz="2700" i="1" dirty="0">
+                <a:latin typeface="Times New Roman" charset="0"/>
+                <a:ea typeface="Times New Roman" charset="0"/>
+                <a:cs typeface="Times New Roman" charset="0"/>
+              </a:rPr>
+            </a:br>
+            <a:r>
+              <a:rPr lang="en-US" sz="2700" i="1" dirty="0">
+                <a:latin typeface="Times New Roman" charset="0"/>
+                <a:ea typeface="Times New Roman" charset="0"/>
+                <a:cs typeface="Times New Roman" charset="0"/>
+              </a:rPr>
+              <a:t>for the Shodor Education Foundation, Inc.</a:t>
+            </a:r>
+          </a:p>
+        </p:txBody>
+      </p:sp>
+    </p:spTree>
+    <p:extLst>
+      <p:ext uri="{BB962C8B-B14F-4D97-AF65-F5344CB8AC3E}">
+        <p14:creationId xmlns:p14="http://schemas.microsoft.com/office/powerpoint/2010/main" val="1145523490"/>
+      </p:ext>
+    </p:extLst>
+  </p:cSld>
+  <p:clrMapOvr>
+    <a:masterClrMapping/>
+  </p:clrMapOvr>
+  <p:timing>
+    <p:tnLst>
+      <p:par>
+        <p:cTn id="1" dur="indefinite" restart="never" nodeType="tmRoot"/>
+      </p:par>
+    </p:tnLst>
+  </p:timing>
+</p:sld>
+</file>
+
+<file path=ppt/slides/slide10.xml><?xml version="1.0" encoding="utf-8"?>
+<p:sld xmlns:a="http://schemas.openxmlformats.org/drawingml/2006/main" xmlns:r="http://schemas.openxmlformats.org/officeDocument/2006/relationships" xmlns:p="http://schemas.openxmlformats.org/presentationml/2006/main">
+  <p:cSld>
+    <p:spTree>
+      <p:nvGrpSpPr>
+        <p:cNvPr id="1" name="Shape 103"/>
+        <p:cNvGrpSpPr/>
+        <p:nvPr/>
+      </p:nvGrpSpPr>
+      <p:grpSpPr>
+        <a:xfrm>
+          <a:off x="0" y="0"/>
+          <a:ext cx="0" cy="0"/>
+          <a:chOff x="0" y="0"/>
+          <a:chExt cx="0" cy="0"/>
+        </a:xfrm>
+      </p:grpSpPr>
+      <p:sp>
+        <p:nvSpPr>
+          <p:cNvPr id="104" name="Google Shape;104;p21"/>
+          <p:cNvSpPr txBox="1">
+            <a:spLocks noGrp="1"/>
+          </p:cNvSpPr>
+          <p:nvPr>
+            <p:ph type="title"/>
+          </p:nvPr>
+        </p:nvSpPr>
+        <p:spPr>
+          <a:xfrm>
+            <a:off x="311700" y="445025"/>
+            <a:ext cx="8520600" cy="572700"/>
           </a:xfrm>
           <a:prstGeom prst="rect">
             <a:avLst/>
           </a:prstGeom>
         </p:spPr>
         <p:txBody>
-          <a:bodyPr anchorCtr="0" anchor="b" bIns="91425" lIns="91425" spcFirstLastPara="1" rIns="91425" wrap="square" tIns="91425">
+          <a:bodyPr spcFirstLastPara="1" wrap="square" lIns="91425" tIns="91425" rIns="91425" bIns="91425" anchor="t" anchorCtr="0">
             <a:noAutofit/>
           </a:bodyPr>
           <a:lstStyle/>
           <a:p>
-            <a:pPr indent="0" lvl="0" marL="0" rtl="0" algn="ctr">
+            <a:pPr marL="0" lvl="0" indent="0" algn="l" rtl="0">
               <a:spcBef>
                 <a:spcPts val="0"/>
               </a:spcBef>
@@ -6585,7 +6982,7 @@
             </a:pPr>
             <a:r>
               <a:rPr lang="en"/>
-              <a:t>11.3 Astrophysical Fluid Dynamics</a:t>
+              <a:t>Solving the Navier-Stokes Equations</a:t>
             </a:r>
             <a:endParaRPr/>
           </a:p>
@@ -6593,28 +6990,30 @@
       </p:sp>
       <p:sp>
         <p:nvSpPr>
-          <p:cNvPr id="55" name="Google Shape;55;p13"/>
-          <p:cNvSpPr txBox="1"/>
+          <p:cNvPr id="105" name="Google Shape;105;p21"/>
+          <p:cNvSpPr txBox="1">
+            <a:spLocks noGrp="1"/>
+          </p:cNvSpPr>
           <p:nvPr>
-            <p:ph idx="1" type="subTitle"/>
+            <p:ph type="body" idx="1"/>
           </p:nvPr>
         </p:nvSpPr>
         <p:spPr>
           <a:xfrm>
-            <a:off x="311700" y="2834125"/>
-            <a:ext cx="8520600" cy="792600"/>
+            <a:off x="311700" y="1152475"/>
+            <a:ext cx="8520600" cy="3416400"/>
           </a:xfrm>
           <a:prstGeom prst="rect">
             <a:avLst/>
           </a:prstGeom>
         </p:spPr>
         <p:txBody>
-          <a:bodyPr anchorCtr="0" anchor="t" bIns="91425" lIns="91425" spcFirstLastPara="1" rIns="91425" wrap="square" tIns="91425">
+          <a:bodyPr spcFirstLastPara="1" wrap="square" lIns="91425" tIns="91425" rIns="91425" bIns="91425" anchor="t" anchorCtr="0">
             <a:noAutofit/>
           </a:bodyPr>
           <a:lstStyle/>
           <a:p>
-            <a:pPr indent="0" lvl="0" marL="0" rtl="0" algn="ctr">
+            <a:pPr marL="0" lvl="0" indent="0" algn="l" rtl="0">
               <a:spcBef>
                 <a:spcPts val="0"/>
               </a:spcBef>
@@ -6625,18 +7024,14 @@
             </a:pPr>
             <a:r>
               <a:rPr lang="en"/>
-              <a:t>Fluid D</a:t>
-            </a:r>
-            <a:r>
-              <a:rPr lang="en"/>
-              <a:t>ynamics 101</a:t>
+              <a:t>Even though these equations were written down nearly 200 years ago, why they work, and whether they always work, is not known. One of the Clay Mathematics Institute Millennium Prizes is devoted to this very problem.</a:t>
             </a:r>
             <a:endParaRPr/>
           </a:p>
           <a:p>
-            <a:pPr indent="0" lvl="0" marL="0" rtl="0" algn="ctr">
-              <a:spcBef>
-                <a:spcPts val="0"/>
+            <a:pPr marL="0" lvl="0" indent="0" algn="l" rtl="0">
+              <a:spcBef>
+                <a:spcPts val="1600"/>
               </a:spcBef>
               <a:spcAft>
                 <a:spcPts val="0"/>
@@ -6645,14 +7040,35 @@
             </a:pPr>
             <a:r>
               <a:rPr lang="en"/>
-              <a:t>by</a:t>
+              <a:t>“The challenge is to make substantial progress toward a mathematical theory which will unlock the secrets hidden in the Navier-Stokes equations.”</a:t>
+            </a:r>
+            <a:endParaRPr/>
+          </a:p>
+          <a:p>
+            <a:pPr marL="0" lvl="0" indent="0" algn="l" rtl="0">
+              <a:spcBef>
+                <a:spcPts val="1600"/>
+              </a:spcBef>
+              <a:spcAft>
+                <a:spcPts val="1600"/>
+              </a:spcAft>
+              <a:buNone/>
+            </a:pPr>
+            <a:r>
+              <a:rPr lang="en"/>
+              <a:t>For details:</a:t>
             </a:r>
             <a:br>
               <a:rPr lang="en"/>
             </a:br>
             <a:r>
-              <a:rPr lang="en"/>
-              <a:t>Marc Gagné</a:t>
+              <a:rPr lang="en" u="sng">
+                <a:solidFill>
+                  <a:schemeClr val="hlink"/>
+                </a:solidFill>
+                <a:hlinkClick r:id="rId3"/>
+              </a:rPr>
+              <a:t>EXISTENCE AND SMOOTHNESS OF THE NAVIER–STOKES EQUATION</a:t>
             </a:r>
             <a:endParaRPr/>
           </a:p>
@@ -6666,12 +7082,12 @@
 </p:sld>
 </file>
 
-<file path=ppt/slides/slide10.xml><?xml version="1.0" encoding="utf-8"?>
-<p:sld xmlns:a="http://schemas.openxmlformats.org/drawingml/2006/main" xmlns:r="http://schemas.openxmlformats.org/officeDocument/2006/relationships" xmlns:mc="http://schemas.openxmlformats.org/markup-compatibility/2006" xmlns:mv="urn:schemas-microsoft-com:mac:vml" xmlns:p="http://schemas.openxmlformats.org/presentationml/2006/main" xmlns:c="http://schemas.openxmlformats.org/drawingml/2006/chart" xmlns:dgm="http://schemas.openxmlformats.org/drawingml/2006/diagram" xmlns:o="urn:schemas-microsoft-com:office:office" xmlns:v="urn:schemas-microsoft-com:vml" xmlns:pvml="urn:schemas-microsoft-com:office:powerpoint" xmlns:com="http://schemas.openxmlformats.org/drawingml/2006/compatibility" xmlns:p14="http://schemas.microsoft.com/office/powerpoint/2010/main" xmlns:p15="http://schemas.microsoft.com/office/powerpoint/2012/main" xmlns:ahyp="http://schemas.microsoft.com/office/drawing/2018/hyperlinkcolor">
+<file path=ppt/slides/slide11.xml><?xml version="1.0" encoding="utf-8"?>
+<p:sld xmlns:a="http://schemas.openxmlformats.org/drawingml/2006/main" xmlns:r="http://schemas.openxmlformats.org/officeDocument/2006/relationships" xmlns:p="http://schemas.openxmlformats.org/presentationml/2006/main">
   <p:cSld>
     <p:spTree>
       <p:nvGrpSpPr>
-        <p:cNvPr id="109" name="Shape 109"/>
+        <p:cNvPr id="1" name="Shape 109"/>
         <p:cNvGrpSpPr/>
         <p:nvPr/>
       </p:nvGrpSpPr>
@@ -6686,7 +7102,9 @@
       <p:sp>
         <p:nvSpPr>
           <p:cNvPr id="110" name="Google Shape;110;p22"/>
-          <p:cNvSpPr txBox="1"/>
+          <p:cNvSpPr txBox="1">
+            <a:spLocks noGrp="1"/>
+          </p:cNvSpPr>
           <p:nvPr>
             <p:ph type="title"/>
           </p:nvPr>
@@ -6701,12 +7119,12 @@
           </a:prstGeom>
         </p:spPr>
         <p:txBody>
-          <a:bodyPr anchorCtr="0" anchor="t" bIns="91425" lIns="91425" spcFirstLastPara="1" rIns="91425" wrap="square" tIns="91425">
+          <a:bodyPr spcFirstLastPara="1" wrap="square" lIns="91425" tIns="91425" rIns="91425" bIns="91425" anchor="t" anchorCtr="0">
             <a:noAutofit/>
           </a:bodyPr>
           <a:lstStyle/>
           <a:p>
-            <a:pPr indent="0" lvl="0" marL="0" rtl="0" algn="l">
+            <a:pPr marL="0" lvl="0" indent="0" algn="l" rtl="0">
               <a:spcBef>
                 <a:spcPts val="0"/>
               </a:spcBef>
@@ -6726,9 +7144,11 @@
       <p:sp>
         <p:nvSpPr>
           <p:cNvPr id="111" name="Google Shape;111;p22"/>
-          <p:cNvSpPr txBox="1"/>
+          <p:cNvSpPr txBox="1">
+            <a:spLocks noGrp="1"/>
+          </p:cNvSpPr>
           <p:nvPr>
-            <p:ph idx="1" type="body"/>
+            <p:ph type="body" idx="1"/>
           </p:nvPr>
         </p:nvSpPr>
         <p:spPr>
@@ -6741,12 +7161,12 @@
           </a:prstGeom>
         </p:spPr>
         <p:txBody>
-          <a:bodyPr anchorCtr="0" anchor="t" bIns="91425" lIns="91425" spcFirstLastPara="1" rIns="91425" wrap="square" tIns="91425">
+          <a:bodyPr spcFirstLastPara="1" wrap="square" lIns="91425" tIns="91425" rIns="91425" bIns="91425" anchor="t" anchorCtr="0">
             <a:noAutofit/>
           </a:bodyPr>
           <a:lstStyle/>
           <a:p>
-            <a:pPr indent="0" lvl="0" marL="0" rtl="0" algn="l">
+            <a:pPr marL="0" lvl="0" indent="0" algn="l" rtl="0">
               <a:spcBef>
                 <a:spcPts val="0"/>
               </a:spcBef>
@@ -6762,7 +7182,7 @@
             <a:endParaRPr/>
           </a:p>
           <a:p>
-            <a:pPr indent="0" lvl="0" marL="0" rtl="0" algn="l">
+            <a:pPr marL="0" lvl="0" indent="0" algn="l" rtl="0">
               <a:spcBef>
                 <a:spcPts val="1600"/>
               </a:spcBef>
@@ -6778,7 +7198,7 @@
             <a:endParaRPr/>
           </a:p>
           <a:p>
-            <a:pPr indent="0" lvl="0" marL="0" rtl="0" algn="l">
+            <a:pPr marL="0" lvl="0" indent="0" algn="l" rtl="0">
               <a:spcBef>
                 <a:spcPts val="1600"/>
               </a:spcBef>
@@ -6803,12 +7223,12 @@
 </p:sld>
 </file>
 
-<file path=ppt/slides/slide11.xml><?xml version="1.0" encoding="utf-8"?>
-<p:sld xmlns:a="http://schemas.openxmlformats.org/drawingml/2006/main" xmlns:r="http://schemas.openxmlformats.org/officeDocument/2006/relationships" xmlns:mc="http://schemas.openxmlformats.org/markup-compatibility/2006" xmlns:mv="urn:schemas-microsoft-com:mac:vml" xmlns:p="http://schemas.openxmlformats.org/presentationml/2006/main" xmlns:c="http://schemas.openxmlformats.org/drawingml/2006/chart" xmlns:dgm="http://schemas.openxmlformats.org/drawingml/2006/diagram" xmlns:o="urn:schemas-microsoft-com:office:office" xmlns:v="urn:schemas-microsoft-com:vml" xmlns:pvml="urn:schemas-microsoft-com:office:powerpoint" xmlns:com="http://schemas.openxmlformats.org/drawingml/2006/compatibility" xmlns:p14="http://schemas.microsoft.com/office/powerpoint/2010/main" xmlns:p15="http://schemas.microsoft.com/office/powerpoint/2012/main" xmlns:ahyp="http://schemas.microsoft.com/office/drawing/2018/hyperlinkcolor">
+<file path=ppt/slides/slide12.xml><?xml version="1.0" encoding="utf-8"?>
+<p:sld xmlns:a="http://schemas.openxmlformats.org/drawingml/2006/main" xmlns:r="http://schemas.openxmlformats.org/officeDocument/2006/relationships" xmlns:p="http://schemas.openxmlformats.org/presentationml/2006/main">
   <p:cSld>
     <p:spTree>
       <p:nvGrpSpPr>
-        <p:cNvPr id="115" name="Shape 115"/>
+        <p:cNvPr id="1" name="Shape 115"/>
         <p:cNvGrpSpPr/>
         <p:nvPr/>
       </p:nvGrpSpPr>
@@ -6823,7 +7243,9 @@
       <p:sp>
         <p:nvSpPr>
           <p:cNvPr id="116" name="Google Shape;116;p23"/>
-          <p:cNvSpPr txBox="1"/>
+          <p:cNvSpPr txBox="1">
+            <a:spLocks noGrp="1"/>
+          </p:cNvSpPr>
           <p:nvPr>
             <p:ph type="title"/>
           </p:nvPr>
@@ -6838,12 +7260,12 @@
           </a:prstGeom>
         </p:spPr>
         <p:txBody>
-          <a:bodyPr anchorCtr="0" anchor="t" bIns="91425" lIns="91425" spcFirstLastPara="1" rIns="91425" wrap="square" tIns="91425">
+          <a:bodyPr spcFirstLastPara="1" wrap="square" lIns="91425" tIns="91425" rIns="91425" bIns="91425" anchor="t" anchorCtr="0">
             <a:noAutofit/>
           </a:bodyPr>
           <a:lstStyle/>
           <a:p>
-            <a:pPr indent="0" lvl="0" marL="0" rtl="0" algn="l">
+            <a:pPr marL="0" lvl="0" indent="0" algn="l" rtl="0">
               <a:spcBef>
                 <a:spcPts val="0"/>
               </a:spcBef>
@@ -6863,9 +7285,11 @@
       <p:sp>
         <p:nvSpPr>
           <p:cNvPr id="117" name="Google Shape;117;p23"/>
-          <p:cNvSpPr txBox="1"/>
+          <p:cNvSpPr txBox="1">
+            <a:spLocks noGrp="1"/>
+          </p:cNvSpPr>
           <p:nvPr>
-            <p:ph idx="1" type="body"/>
+            <p:ph type="body" idx="1"/>
           </p:nvPr>
         </p:nvSpPr>
         <p:spPr>
@@ -6878,12 +7302,12 @@
           </a:prstGeom>
         </p:spPr>
         <p:txBody>
-          <a:bodyPr anchorCtr="0" anchor="t" bIns="91425" lIns="91425" spcFirstLastPara="1" rIns="91425" wrap="square" tIns="91425">
+          <a:bodyPr spcFirstLastPara="1" wrap="square" lIns="91425" tIns="91425" rIns="91425" bIns="91425" anchor="t" anchorCtr="0">
             <a:noAutofit/>
           </a:bodyPr>
           <a:lstStyle/>
           <a:p>
-            <a:pPr indent="0" lvl="0" marL="0" rtl="0" algn="l">
+            <a:pPr marL="0" lvl="0" indent="0" algn="l" rtl="0">
               <a:spcBef>
                 <a:spcPts val="0"/>
               </a:spcBef>
@@ -6899,7 +7323,7 @@
             <a:endParaRPr/>
           </a:p>
           <a:p>
-            <a:pPr indent="-342900" lvl="0" marL="457200" rtl="0" algn="l">
+            <a:pPr marL="457200" lvl="0" indent="-342900" algn="l" rtl="0">
               <a:spcBef>
                 <a:spcPts val="1600"/>
               </a:spcBef>
@@ -6929,7 +7353,7 @@
             <a:endParaRPr/>
           </a:p>
           <a:p>
-            <a:pPr indent="-342900" lvl="0" marL="457200" rtl="0" algn="l">
+            <a:pPr marL="457200" lvl="0" indent="-342900" algn="l" rtl="0">
               <a:spcBef>
                 <a:spcPts val="0"/>
               </a:spcBef>
@@ -6964,12 +7388,12 @@
 </p:sld>
 </file>
 
-<file path=ppt/slides/slide12.xml><?xml version="1.0" encoding="utf-8"?>
-<p:sld xmlns:a="http://schemas.openxmlformats.org/drawingml/2006/main" xmlns:r="http://schemas.openxmlformats.org/officeDocument/2006/relationships" xmlns:mc="http://schemas.openxmlformats.org/markup-compatibility/2006" xmlns:mv="urn:schemas-microsoft-com:mac:vml" xmlns:p="http://schemas.openxmlformats.org/presentationml/2006/main" xmlns:c="http://schemas.openxmlformats.org/drawingml/2006/chart" xmlns:dgm="http://schemas.openxmlformats.org/drawingml/2006/diagram" xmlns:o="urn:schemas-microsoft-com:office:office" xmlns:v="urn:schemas-microsoft-com:vml" xmlns:pvml="urn:schemas-microsoft-com:office:powerpoint" xmlns:com="http://schemas.openxmlformats.org/drawingml/2006/compatibility" xmlns:p14="http://schemas.microsoft.com/office/powerpoint/2010/main" xmlns:p15="http://schemas.microsoft.com/office/powerpoint/2012/main" xmlns:ahyp="http://schemas.microsoft.com/office/drawing/2018/hyperlinkcolor">
+<file path=ppt/slides/slide13.xml><?xml version="1.0" encoding="utf-8"?>
+<p:sld xmlns:a="http://schemas.openxmlformats.org/drawingml/2006/main" xmlns:r="http://schemas.openxmlformats.org/officeDocument/2006/relationships" xmlns:p="http://schemas.openxmlformats.org/presentationml/2006/main">
   <p:cSld>
     <p:spTree>
       <p:nvGrpSpPr>
-        <p:cNvPr id="121" name="Shape 121"/>
+        <p:cNvPr id="1" name="Shape 121"/>
         <p:cNvGrpSpPr/>
         <p:nvPr/>
       </p:nvGrpSpPr>
@@ -6984,7 +7408,9 @@
       <p:sp>
         <p:nvSpPr>
           <p:cNvPr id="122" name="Google Shape;122;p24"/>
-          <p:cNvSpPr txBox="1"/>
+          <p:cNvSpPr txBox="1">
+            <a:spLocks noGrp="1"/>
+          </p:cNvSpPr>
           <p:nvPr>
             <p:ph type="title"/>
           </p:nvPr>
@@ -6999,12 +7425,12 @@
           </a:prstGeom>
         </p:spPr>
         <p:txBody>
-          <a:bodyPr anchorCtr="0" anchor="t" bIns="91425" lIns="91425" spcFirstLastPara="1" rIns="91425" wrap="square" tIns="91425">
+          <a:bodyPr spcFirstLastPara="1" wrap="square" lIns="91425" tIns="91425" rIns="91425" bIns="91425" anchor="t" anchorCtr="0">
             <a:noAutofit/>
           </a:bodyPr>
           <a:lstStyle/>
           <a:p>
-            <a:pPr indent="0" lvl="0" marL="0" rtl="0" algn="l">
+            <a:pPr marL="0" lvl="0" indent="0" algn="l" rtl="0">
               <a:spcBef>
                 <a:spcPts val="0"/>
               </a:spcBef>
@@ -7024,9 +7450,11 @@
       <p:sp>
         <p:nvSpPr>
           <p:cNvPr id="123" name="Google Shape;123;p24"/>
-          <p:cNvSpPr txBox="1"/>
+          <p:cNvSpPr txBox="1">
+            <a:spLocks noGrp="1"/>
+          </p:cNvSpPr>
           <p:nvPr>
-            <p:ph idx="1" type="body"/>
+            <p:ph type="body" idx="1"/>
           </p:nvPr>
         </p:nvSpPr>
         <p:spPr>
@@ -7039,12 +7467,12 @@
           </a:prstGeom>
         </p:spPr>
         <p:txBody>
-          <a:bodyPr anchorCtr="0" anchor="t" bIns="91425" lIns="91425" spcFirstLastPara="1" rIns="91425" wrap="square" tIns="91425">
+          <a:bodyPr spcFirstLastPara="1" wrap="square" lIns="91425" tIns="91425" rIns="91425" bIns="91425" anchor="t" anchorCtr="0">
             <a:noAutofit/>
           </a:bodyPr>
           <a:lstStyle/>
           <a:p>
-            <a:pPr indent="0" lvl="0" marL="0" rtl="0" algn="l">
+            <a:pPr marL="0" lvl="0" indent="0" algn="l" rtl="0">
               <a:spcBef>
                 <a:spcPts val="0"/>
               </a:spcBef>
@@ -7060,7 +7488,7 @@
             <a:endParaRPr/>
           </a:p>
           <a:p>
-            <a:pPr indent="0" lvl="0" marL="0" rtl="0" algn="l">
+            <a:pPr marL="0" lvl="0" indent="0" algn="l" rtl="0">
               <a:spcBef>
                 <a:spcPts val="1600"/>
               </a:spcBef>
@@ -7089,7 +7517,7 @@
             <a:endParaRPr sz="1500"/>
           </a:p>
           <a:p>
-            <a:pPr indent="0" lvl="0" marL="0" rtl="0" algn="l">
+            <a:pPr marL="0" lvl="0" indent="0" algn="l" rtl="0">
               <a:spcBef>
                 <a:spcPts val="1600"/>
               </a:spcBef>
@@ -7114,7 +7542,7 @@
             <a:endParaRPr sz="1500"/>
           </a:p>
           <a:p>
-            <a:pPr indent="0" lvl="0" marL="0" rtl="0" algn="l">
+            <a:pPr marL="0" lvl="0" indent="0" algn="l" rtl="0">
               <a:spcBef>
                 <a:spcPts val="1600"/>
               </a:spcBef>
@@ -7149,11 +7577,267 @@
 </file>
 
 <file path=ppt/slides/slide2.xml><?xml version="1.0" encoding="utf-8"?>
-<p:sld xmlns:a="http://schemas.openxmlformats.org/drawingml/2006/main" xmlns:r="http://schemas.openxmlformats.org/officeDocument/2006/relationships" xmlns:mc="http://schemas.openxmlformats.org/markup-compatibility/2006" xmlns:mv="urn:schemas-microsoft-com:mac:vml" xmlns:p="http://schemas.openxmlformats.org/presentationml/2006/main" xmlns:c="http://schemas.openxmlformats.org/drawingml/2006/chart" xmlns:dgm="http://schemas.openxmlformats.org/drawingml/2006/diagram" xmlns:o="urn:schemas-microsoft-com:office:office" xmlns:v="urn:schemas-microsoft-com:vml" xmlns:pvml="urn:schemas-microsoft-com:office:powerpoint" xmlns:com="http://schemas.openxmlformats.org/drawingml/2006/compatibility" xmlns:p14="http://schemas.microsoft.com/office/powerpoint/2010/main" xmlns:p15="http://schemas.microsoft.com/office/powerpoint/2012/main" xmlns:ahyp="http://schemas.microsoft.com/office/drawing/2018/hyperlinkcolor">
+<p:sld xmlns:a="http://schemas.openxmlformats.org/drawingml/2006/main" xmlns:r="http://schemas.openxmlformats.org/officeDocument/2006/relationships" xmlns:p="http://schemas.openxmlformats.org/presentationml/2006/main">
   <p:cSld>
     <p:spTree>
       <p:nvGrpSpPr>
-        <p:cNvPr id="59" name="Shape 59"/>
+        <p:cNvPr id="1" name=""/>
+        <p:cNvGrpSpPr/>
+        <p:nvPr/>
+      </p:nvGrpSpPr>
+      <p:grpSpPr>
+        <a:xfrm>
+          <a:off x="0" y="0"/>
+          <a:ext cx="0" cy="0"/>
+          <a:chOff x="0" y="0"/>
+          <a:chExt cx="0" cy="0"/>
+        </a:xfrm>
+      </p:grpSpPr>
+      <p:sp>
+        <p:nvSpPr>
+          <p:cNvPr id="2" name="Title 1"/>
+          <p:cNvSpPr>
+            <a:spLocks noGrp="1"/>
+          </p:cNvSpPr>
+          <p:nvPr>
+            <p:ph type="ctrTitle"/>
+          </p:nvPr>
+        </p:nvSpPr>
+        <p:spPr>
+          <a:xfrm>
+            <a:off x="566059" y="0"/>
+            <a:ext cx="8011886" cy="5143500"/>
+          </a:xfrm>
+        </p:spPr>
+        <p:txBody>
+          <a:bodyPr anchor="ctr">
+            <a:noAutofit/>
+          </a:bodyPr>
+          <a:lstStyle/>
+          <a:p>
+            <a:pPr algn="l" fontAlgn="ctr"/>
+            <a:r>
+              <a:rPr lang="en-US" sz="2100" dirty="0">
+                <a:latin typeface="Times New Roman" charset="0"/>
+                <a:ea typeface="Times New Roman" charset="0"/>
+                <a:cs typeface="Times New Roman" charset="0"/>
+              </a:rPr>
+              <a:t>Except where otherwise noted, this work by</a:t>
+            </a:r>
+            <a:br>
+              <a:rPr lang="en-US" sz="2100" dirty="0">
+                <a:latin typeface="Times New Roman" charset="0"/>
+                <a:ea typeface="Times New Roman" charset="0"/>
+                <a:cs typeface="Times New Roman" charset="0"/>
+              </a:rPr>
+            </a:br>
+            <a:r>
+              <a:rPr lang="en-US" sz="2100" dirty="0">
+                <a:latin typeface="Times New Roman" charset="0"/>
+                <a:ea typeface="Times New Roman" charset="0"/>
+                <a:cs typeface="Times New Roman" charset="0"/>
+              </a:rPr>
+              <a:t>The Shodor Education Foundation, Inc. is licensed under</a:t>
+            </a:r>
+            <a:br>
+              <a:rPr lang="en-US" sz="2100" dirty="0">
+                <a:latin typeface="Times New Roman" charset="0"/>
+                <a:ea typeface="Times New Roman" charset="0"/>
+                <a:cs typeface="Times New Roman" charset="0"/>
+              </a:rPr>
+            </a:br>
+            <a:r>
+              <a:rPr lang="en-US" sz="2100" dirty="0">
+                <a:latin typeface="Times New Roman" charset="0"/>
+                <a:ea typeface="Times New Roman" charset="0"/>
+                <a:cs typeface="Times New Roman" charset="0"/>
+              </a:rPr>
+              <a:t>CC BY-NC 4.0. To view a copy of this license, visit </a:t>
+            </a:r>
+            <a:r>
+              <a:rPr lang="en-US" sz="2100" dirty="0">
+                <a:latin typeface="Times New Roman" charset="0"/>
+                <a:ea typeface="Times New Roman" charset="0"/>
+                <a:cs typeface="Times New Roman" charset="0"/>
+                <a:hlinkClick r:id="rId2"/>
+              </a:rPr>
+              <a:t>https://creativecommons.org/licenses/by-nc/4.0</a:t>
+            </a:r>
+            <a:r>
+              <a:rPr lang="en-US" sz="2100" dirty="0">
+                <a:latin typeface="Times New Roman" charset="0"/>
+                <a:ea typeface="Times New Roman" charset="0"/>
+                <a:cs typeface="Times New Roman" charset="0"/>
+              </a:rPr>
+              <a:t/>
+            </a:r>
+            <a:br>
+              <a:rPr lang="en-US" sz="2100" dirty="0">
+                <a:latin typeface="Times New Roman" charset="0"/>
+                <a:ea typeface="Times New Roman" charset="0"/>
+                <a:cs typeface="Times New Roman" charset="0"/>
+              </a:rPr>
+            </a:br>
+            <a:r>
+              <a:rPr lang="en-US" sz="2100" dirty="0">
+                <a:latin typeface="Times New Roman" charset="0"/>
+                <a:ea typeface="Times New Roman" charset="0"/>
+                <a:cs typeface="Times New Roman" charset="0"/>
+              </a:rPr>
+              <a:t/>
+            </a:r>
+            <a:br>
+              <a:rPr lang="en-US" sz="2100" dirty="0">
+                <a:latin typeface="Times New Roman" charset="0"/>
+                <a:ea typeface="Times New Roman" charset="0"/>
+                <a:cs typeface="Times New Roman" charset="0"/>
+              </a:rPr>
+            </a:br>
+            <a:r>
+              <a:rPr lang="en-US" sz="2100" dirty="0">
+                <a:latin typeface="Times New Roman" charset="0"/>
+                <a:ea typeface="Times New Roman" charset="0"/>
+                <a:cs typeface="Times New Roman" charset="0"/>
+              </a:rPr>
+              <a:t>Browse and search the full curriculum at </a:t>
+            </a:r>
+            <a:r>
+              <a:rPr lang="en-US" sz="2100" dirty="0">
+                <a:latin typeface="Times New Roman" charset="0"/>
+                <a:ea typeface="Times New Roman" charset="0"/>
+                <a:cs typeface="Times New Roman" charset="0"/>
+                <a:hlinkClick r:id="rId3"/>
+              </a:rPr>
+              <a:t>http://shodor.org/petascale/materials/semester-curriculum</a:t>
+            </a:r>
+            <a:r>
+              <a:rPr lang="en-US" sz="2100" dirty="0">
+                <a:latin typeface="Times New Roman" charset="0"/>
+                <a:ea typeface="Times New Roman" charset="0"/>
+                <a:cs typeface="Times New Roman" charset="0"/>
+              </a:rPr>
+              <a:t/>
+            </a:r>
+            <a:br>
+              <a:rPr lang="en-US" sz="2100" dirty="0">
+                <a:latin typeface="Times New Roman" charset="0"/>
+                <a:ea typeface="Times New Roman" charset="0"/>
+                <a:cs typeface="Times New Roman" charset="0"/>
+              </a:rPr>
+            </a:br>
+            <a:r>
+              <a:rPr lang="en-US" sz="2100" dirty="0">
+                <a:latin typeface="Times New Roman" charset="0"/>
+                <a:ea typeface="Times New Roman" charset="0"/>
+                <a:cs typeface="Times New Roman" charset="0"/>
+              </a:rPr>
+              <a:t/>
+            </a:r>
+            <a:br>
+              <a:rPr lang="en-US" sz="2100" dirty="0">
+                <a:latin typeface="Times New Roman" charset="0"/>
+                <a:ea typeface="Times New Roman" charset="0"/>
+                <a:cs typeface="Times New Roman" charset="0"/>
+              </a:rPr>
+            </a:br>
+            <a:r>
+              <a:rPr lang="en-US" sz="2100" dirty="0">
+                <a:latin typeface="Times New Roman" charset="0"/>
+                <a:ea typeface="Times New Roman" charset="0"/>
+                <a:cs typeface="Times New Roman" charset="0"/>
+              </a:rPr>
+              <a:t>We welcome your improvements! You can submit your proposed changes to this material and the rest of the curriculum in our GitHub repository at </a:t>
+            </a:r>
+            <a:r>
+              <a:rPr lang="en-US" sz="2100" dirty="0">
+                <a:latin typeface="Times New Roman" charset="0"/>
+                <a:ea typeface="Times New Roman" charset="0"/>
+                <a:cs typeface="Times New Roman" charset="0"/>
+                <a:hlinkClick r:id="rId4"/>
+              </a:rPr>
+              <a:t>https://github.com/shodor-education/petascale-semester-curriculum</a:t>
+            </a:r>
+            <a:r>
+              <a:rPr lang="en-US" sz="2100" dirty="0">
+                <a:latin typeface="Times New Roman" charset="0"/>
+                <a:ea typeface="Times New Roman" charset="0"/>
+                <a:cs typeface="Times New Roman" charset="0"/>
+              </a:rPr>
+              <a:t/>
+            </a:r>
+            <a:br>
+              <a:rPr lang="en-US" sz="2100" dirty="0">
+                <a:latin typeface="Times New Roman" charset="0"/>
+                <a:ea typeface="Times New Roman" charset="0"/>
+                <a:cs typeface="Times New Roman" charset="0"/>
+              </a:rPr>
+            </a:br>
+            <a:r>
+              <a:rPr lang="en-US" sz="2100" dirty="0">
+                <a:latin typeface="Times New Roman" charset="0"/>
+                <a:ea typeface="Times New Roman" charset="0"/>
+                <a:cs typeface="Times New Roman" charset="0"/>
+              </a:rPr>
+              <a:t/>
+            </a:r>
+            <a:br>
+              <a:rPr lang="en-US" sz="2100" dirty="0">
+                <a:latin typeface="Times New Roman" charset="0"/>
+                <a:ea typeface="Times New Roman" charset="0"/>
+                <a:cs typeface="Times New Roman" charset="0"/>
+              </a:rPr>
+            </a:br>
+            <a:r>
+              <a:rPr lang="en-US" sz="2100" dirty="0">
+                <a:latin typeface="Times New Roman" charset="0"/>
+                <a:ea typeface="Times New Roman" charset="0"/>
+                <a:cs typeface="Times New Roman" charset="0"/>
+              </a:rPr>
+              <a:t>We want to hear from you! Please let us know your experiences using this material by sending email to </a:t>
+            </a:r>
+            <a:r>
+              <a:rPr lang="en-US" sz="2100" dirty="0">
+                <a:latin typeface="Times New Roman" charset="0"/>
+                <a:ea typeface="Times New Roman" charset="0"/>
+                <a:cs typeface="Times New Roman" charset="0"/>
+                <a:hlinkClick r:id="rId5"/>
+              </a:rPr>
+              <a:t>petascale@shodor.org</a:t>
+            </a:r>
+            <a:endParaRPr lang="en-US" sz="2700" dirty="0">
+              <a:latin typeface="Times New Roman" charset="0"/>
+              <a:ea typeface="Times New Roman" charset="0"/>
+              <a:cs typeface="Times New Roman" charset="0"/>
+            </a:endParaRPr>
+          </a:p>
+        </p:txBody>
+      </p:sp>
+    </p:spTree>
+    <p:extLst>
+      <p:ext uri="{BB962C8B-B14F-4D97-AF65-F5344CB8AC3E}">
+        <p14:creationId xmlns:p14="http://schemas.microsoft.com/office/powerpoint/2010/main" val="302022988"/>
+      </p:ext>
+    </p:extLst>
+  </p:cSld>
+  <p:clrMapOvr>
+    <a:masterClrMapping/>
+  </p:clrMapOvr>
+  <p:timing>
+    <p:tnLst>
+      <p:par>
+        <p:cTn id="1" dur="indefinite" restart="never" nodeType="tmRoot"/>
+      </p:par>
+    </p:tnLst>
+  </p:timing>
+</p:sld>
+</file>
+
+<file path=ppt/slides/slide3.xml><?xml version="1.0" encoding="utf-8"?>
+<p:sld xmlns:a="http://schemas.openxmlformats.org/drawingml/2006/main" xmlns:r="http://schemas.openxmlformats.org/officeDocument/2006/relationships" xmlns:p="http://schemas.openxmlformats.org/presentationml/2006/main">
+  <p:cSld>
+    <p:spTree>
+      <p:nvGrpSpPr>
+        <p:cNvPr id="1" name="Shape 59"/>
         <p:cNvGrpSpPr/>
         <p:nvPr/>
       </p:nvGrpSpPr>
@@ -7168,7 +7852,9 @@
       <p:sp>
         <p:nvSpPr>
           <p:cNvPr id="60" name="Google Shape;60;p14"/>
-          <p:cNvSpPr txBox="1"/>
+          <p:cNvSpPr txBox="1">
+            <a:spLocks noGrp="1"/>
+          </p:cNvSpPr>
           <p:nvPr>
             <p:ph type="title"/>
           </p:nvPr>
@@ -7183,12 +7869,12 @@
           </a:prstGeom>
         </p:spPr>
         <p:txBody>
-          <a:bodyPr anchorCtr="0" anchor="t" bIns="91425" lIns="91425" spcFirstLastPara="1" rIns="91425" wrap="square" tIns="91425">
+          <a:bodyPr spcFirstLastPara="1" wrap="square" lIns="91425" tIns="91425" rIns="91425" bIns="91425" anchor="t" anchorCtr="0">
             <a:noAutofit/>
           </a:bodyPr>
           <a:lstStyle/>
           <a:p>
-            <a:pPr indent="0" lvl="0" marL="0" rtl="0" algn="l">
+            <a:pPr marL="0" lvl="0" indent="0" algn="l" rtl="0">
               <a:spcBef>
                 <a:spcPts val="0"/>
               </a:spcBef>
@@ -7208,9 +7894,11 @@
       <p:sp>
         <p:nvSpPr>
           <p:cNvPr id="61" name="Google Shape;61;p14"/>
-          <p:cNvSpPr txBox="1"/>
+          <p:cNvSpPr txBox="1">
+            <a:spLocks noGrp="1"/>
+          </p:cNvSpPr>
           <p:nvPr>
-            <p:ph idx="1" type="body"/>
+            <p:ph type="body" idx="1"/>
           </p:nvPr>
         </p:nvSpPr>
         <p:spPr>
@@ -7223,12 +7911,12 @@
           </a:prstGeom>
         </p:spPr>
         <p:txBody>
-          <a:bodyPr anchorCtr="0" anchor="t" bIns="91425" lIns="91425" spcFirstLastPara="1" rIns="91425" wrap="square" tIns="91425">
+          <a:bodyPr spcFirstLastPara="1" wrap="square" lIns="91425" tIns="91425" rIns="91425" bIns="91425" anchor="t" anchorCtr="0">
             <a:noAutofit/>
           </a:bodyPr>
           <a:lstStyle/>
           <a:p>
-            <a:pPr indent="-342900" lvl="0" marL="457200" rtl="0" algn="l">
+            <a:pPr marL="457200" lvl="0" indent="-342900" algn="l" rtl="0">
               <a:spcBef>
                 <a:spcPts val="0"/>
               </a:spcBef>
@@ -7240,20 +7928,12 @@
             </a:pPr>
             <a:r>
               <a:rPr lang="en"/>
-              <a:t>Fundamentally, physical interactions on many scales, from blood flow within </a:t>
-            </a:r>
-            <a:r>
-              <a:rPr lang="en"/>
-              <a:t>vesicles</a:t>
-            </a:r>
-            <a:r>
-              <a:rPr lang="en"/>
-              <a:t>, to plasma flows on the scales of clusters of galaxies are dictated by collisions between atomic particles. For a hundred years now, we have known that these interactions are governed by quantum mechanics on the microscopic scale. But how do we realistically model these flows on macroscopic scales?</a:t>
+              <a:t>Fundamentally, physical interactions on many scales, from blood flow within vesicles, to plasma flows on the scales of clusters of galaxies are dictated by collisions between atomic particles. For a hundred years now, we have known that these interactions are governed by quantum mechanics on the microscopic scale. But how do we realistically model these flows on macroscopic scales?</a:t>
             </a:r>
             <a:endParaRPr/>
           </a:p>
           <a:p>
-            <a:pPr indent="-342900" lvl="0" marL="457200" rtl="0" algn="l">
+            <a:pPr marL="457200" lvl="0" indent="-342900" algn="l" rtl="0">
               <a:spcBef>
                 <a:spcPts val="0"/>
               </a:spcBef>
@@ -7279,12 +7959,12 @@
 </p:sld>
 </file>
 
-<file path=ppt/slides/slide3.xml><?xml version="1.0" encoding="utf-8"?>
-<p:sld xmlns:a="http://schemas.openxmlformats.org/drawingml/2006/main" xmlns:r="http://schemas.openxmlformats.org/officeDocument/2006/relationships" xmlns:mc="http://schemas.openxmlformats.org/markup-compatibility/2006" xmlns:mv="urn:schemas-microsoft-com:mac:vml" xmlns:p="http://schemas.openxmlformats.org/presentationml/2006/main" xmlns:c="http://schemas.openxmlformats.org/drawingml/2006/chart" xmlns:dgm="http://schemas.openxmlformats.org/drawingml/2006/diagram" xmlns:o="urn:schemas-microsoft-com:office:office" xmlns:v="urn:schemas-microsoft-com:vml" xmlns:pvml="urn:schemas-microsoft-com:office:powerpoint" xmlns:com="http://schemas.openxmlformats.org/drawingml/2006/compatibility" xmlns:p14="http://schemas.microsoft.com/office/powerpoint/2010/main" xmlns:p15="http://schemas.microsoft.com/office/powerpoint/2012/main" xmlns:ahyp="http://schemas.microsoft.com/office/drawing/2018/hyperlinkcolor">
+<file path=ppt/slides/slide4.xml><?xml version="1.0" encoding="utf-8"?>
+<p:sld xmlns:a="http://schemas.openxmlformats.org/drawingml/2006/main" xmlns:r="http://schemas.openxmlformats.org/officeDocument/2006/relationships" xmlns:p="http://schemas.openxmlformats.org/presentationml/2006/main">
   <p:cSld>
     <p:spTree>
       <p:nvGrpSpPr>
-        <p:cNvPr id="65" name="Shape 65"/>
+        <p:cNvPr id="1" name="Shape 65"/>
         <p:cNvGrpSpPr/>
         <p:nvPr/>
       </p:nvGrpSpPr>
@@ -7299,7 +7979,9 @@
       <p:sp>
         <p:nvSpPr>
           <p:cNvPr id="66" name="Google Shape;66;p15"/>
-          <p:cNvSpPr txBox="1"/>
+          <p:cNvSpPr txBox="1">
+            <a:spLocks noGrp="1"/>
+          </p:cNvSpPr>
           <p:nvPr>
             <p:ph type="title"/>
           </p:nvPr>
@@ -7314,12 +7996,12 @@
           </a:prstGeom>
         </p:spPr>
         <p:txBody>
-          <a:bodyPr anchorCtr="0" anchor="t" bIns="91425" lIns="91425" spcFirstLastPara="1" rIns="91425" wrap="square" tIns="91425">
+          <a:bodyPr spcFirstLastPara="1" wrap="square" lIns="91425" tIns="91425" rIns="91425" bIns="91425" anchor="t" anchorCtr="0">
             <a:noAutofit/>
           </a:bodyPr>
           <a:lstStyle/>
           <a:p>
-            <a:pPr indent="0" lvl="0" marL="0" rtl="0" algn="l">
+            <a:pPr marL="0" lvl="0" indent="0" algn="l" rtl="0">
               <a:spcBef>
                 <a:spcPts val="0"/>
               </a:spcBef>
@@ -7339,9 +8021,11 @@
       <p:sp>
         <p:nvSpPr>
           <p:cNvPr id="67" name="Google Shape;67;p15"/>
-          <p:cNvSpPr txBox="1"/>
+          <p:cNvSpPr txBox="1">
+            <a:spLocks noGrp="1"/>
+          </p:cNvSpPr>
           <p:nvPr>
-            <p:ph idx="1" type="body"/>
+            <p:ph type="body" idx="1"/>
           </p:nvPr>
         </p:nvSpPr>
         <p:spPr>
@@ -7354,12 +8038,12 @@
           </a:prstGeom>
         </p:spPr>
         <p:txBody>
-          <a:bodyPr anchorCtr="0" anchor="t" bIns="91425" lIns="91425" spcFirstLastPara="1" rIns="91425" wrap="square" tIns="91425">
+          <a:bodyPr spcFirstLastPara="1" wrap="square" lIns="91425" tIns="91425" rIns="91425" bIns="91425" anchor="t" anchorCtr="0">
             <a:noAutofit/>
           </a:bodyPr>
           <a:lstStyle/>
           <a:p>
-            <a:pPr indent="-330200" lvl="0" marL="457200" rtl="0" algn="l">
+            <a:pPr marL="457200" lvl="0" indent="-330200" algn="l" rtl="0">
               <a:spcBef>
                 <a:spcPts val="0"/>
               </a:spcBef>
@@ -7379,7 +8063,7 @@
             <a:endParaRPr sz="1600"/>
           </a:p>
           <a:p>
-            <a:pPr indent="-330200" lvl="0" marL="457200" rtl="0" algn="l">
+            <a:pPr marL="457200" lvl="0" indent="-330200" algn="l" rtl="0">
               <a:spcBef>
                 <a:spcPts val="0"/>
               </a:spcBef>
@@ -7394,40 +8078,20 @@
               <a:t>The probability of an interaction depends on the </a:t>
             </a:r>
             <a:r>
-              <a:rPr b="1" lang="en" sz="1600"/>
+              <a:rPr lang="en" sz="1600" b="1"/>
               <a:t>cross-section </a:t>
             </a:r>
             <a:r>
               <a:rPr lang="en" sz="1600"/>
-              <a:t>𝜎</a:t>
+              <a:t>𝜎: the physical interaction area that one particle presents to another - and the </a:t>
+            </a:r>
+            <a:r>
+              <a:rPr lang="en" sz="1600" b="1"/>
+              <a:t>number-density</a:t>
             </a:r>
             <a:r>
               <a:rPr lang="en" sz="1600"/>
-              <a:t>: the physical interaction </a:t>
-            </a:r>
-            <a:r>
-              <a:rPr lang="en" sz="1600"/>
-              <a:t>area</a:t>
-            </a:r>
-            <a:r>
-              <a:rPr lang="en" sz="1600"/>
-              <a:t> that one particle presents to another - and the </a:t>
-            </a:r>
-            <a:r>
-              <a:rPr b="1" lang="en" sz="1600"/>
-              <a:t>number-density</a:t>
-            </a:r>
-            <a:r>
-              <a:rPr lang="en" sz="1600"/>
-              <a:t> </a:t>
-            </a:r>
-            <a:r>
-              <a:rPr lang="en" sz="1600"/>
-              <a:t>𝑛 </a:t>
-            </a:r>
-            <a:r>
-              <a:rPr lang="en" sz="1600"/>
-              <a:t>of particles that are interacting.</a:t>
+              <a:t> 𝑛 of particles that are interacting.</a:t>
             </a:r>
             <a:br>
               <a:rPr lang="en" sz="1600"/>
@@ -7435,7 +8099,7 @@
             <a:endParaRPr sz="1600"/>
           </a:p>
           <a:p>
-            <a:pPr indent="-330200" lvl="0" marL="457200" rtl="0" algn="l">
+            <a:pPr marL="457200" lvl="0" indent="-330200" algn="l" rtl="0">
               <a:spcBef>
                 <a:spcPts val="0"/>
               </a:spcBef>
@@ -7450,32 +8114,12 @@
               <a:t>A simple dimensional analysis suggests that the length scale for the interaction, called the </a:t>
             </a:r>
             <a:r>
-              <a:rPr b="1" lang="en" sz="1600"/>
+              <a:rPr lang="en" sz="1600" b="1"/>
               <a:t>mean free path</a:t>
             </a:r>
             <a:r>
               <a:rPr lang="en" sz="1600"/>
-              <a:t>, is just: </a:t>
-            </a:r>
-            <a:r>
-              <a:rPr lang="en" sz="1600"/>
-              <a:t>ℓ</a:t>
-            </a:r>
-            <a:r>
-              <a:rPr lang="en" sz="1600"/>
-              <a:t> = 1 / (</a:t>
-            </a:r>
-            <a:r>
-              <a:rPr lang="en" sz="1600"/>
-              <a:t>𝑛</a:t>
-            </a:r>
-            <a:r>
-              <a:rPr lang="en" sz="1600"/>
-              <a:t>𝜎</a:t>
-            </a:r>
-            <a:r>
-              <a:rPr lang="en" sz="1600"/>
-              <a:t>).</a:t>
+              <a:t>, is just: ℓ = 1 / (𝑛𝜎).</a:t>
             </a:r>
             <a:br>
               <a:rPr lang="en" sz="1600"/>
@@ -7483,7 +8127,7 @@
             <a:endParaRPr sz="1600"/>
           </a:p>
           <a:p>
-            <a:pPr indent="-330200" lvl="0" marL="457200" rtl="0" algn="l">
+            <a:pPr marL="457200" lvl="0" indent="-330200" algn="l" rtl="0">
               <a:spcBef>
                 <a:spcPts val="0"/>
               </a:spcBef>
@@ -7498,20 +8142,12 @@
               <a:t>If the length scale is </a:t>
             </a:r>
             <a:r>
-              <a:rPr i="1" lang="en" sz="1600"/>
+              <a:rPr lang="en" sz="1600" i="1"/>
               <a:t>larger</a:t>
             </a:r>
             <a:r>
               <a:rPr lang="en" sz="1600"/>
-              <a:t> than the mean free path </a:t>
-            </a:r>
-            <a:r>
-              <a:rPr lang="en" sz="1600"/>
-              <a:t>ℓ = 1 / (𝑛𝜎)</a:t>
-            </a:r>
-            <a:r>
-              <a:rPr lang="en" sz="1600"/>
-              <a:t>, and we can ignore other types of interactions (like photons scattering off atomic particles), then this is a fluid.</a:t>
+              <a:t> than the mean free path ℓ = 1 / (𝑛𝜎), and we can ignore other types of interactions (like photons scattering off atomic particles), then this is a fluid.</a:t>
             </a:r>
             <a:endParaRPr sz="1600"/>
           </a:p>
@@ -7525,12 +8161,12 @@
 </p:sld>
 </file>
 
-<file path=ppt/slides/slide4.xml><?xml version="1.0" encoding="utf-8"?>
-<p:sld xmlns:a="http://schemas.openxmlformats.org/drawingml/2006/main" xmlns:r="http://schemas.openxmlformats.org/officeDocument/2006/relationships" xmlns:mc="http://schemas.openxmlformats.org/markup-compatibility/2006" xmlns:mv="urn:schemas-microsoft-com:mac:vml" xmlns:p="http://schemas.openxmlformats.org/presentationml/2006/main" xmlns:c="http://schemas.openxmlformats.org/drawingml/2006/chart" xmlns:dgm="http://schemas.openxmlformats.org/drawingml/2006/diagram" xmlns:o="urn:schemas-microsoft-com:office:office" xmlns:v="urn:schemas-microsoft-com:vml" xmlns:pvml="urn:schemas-microsoft-com:office:powerpoint" xmlns:com="http://schemas.openxmlformats.org/drawingml/2006/compatibility" xmlns:p14="http://schemas.microsoft.com/office/powerpoint/2010/main" xmlns:p15="http://schemas.microsoft.com/office/powerpoint/2012/main" xmlns:ahyp="http://schemas.microsoft.com/office/drawing/2018/hyperlinkcolor">
+<file path=ppt/slides/slide5.xml><?xml version="1.0" encoding="utf-8"?>
+<p:sld xmlns:a="http://schemas.openxmlformats.org/drawingml/2006/main" xmlns:r="http://schemas.openxmlformats.org/officeDocument/2006/relationships" xmlns:p="http://schemas.openxmlformats.org/presentationml/2006/main">
   <p:cSld>
     <p:spTree>
       <p:nvGrpSpPr>
-        <p:cNvPr id="71" name="Shape 71"/>
+        <p:cNvPr id="1" name="Shape 71"/>
         <p:cNvGrpSpPr/>
         <p:nvPr/>
       </p:nvGrpSpPr>
@@ -7545,7 +8181,9 @@
       <p:sp>
         <p:nvSpPr>
           <p:cNvPr id="72" name="Google Shape;72;p16"/>
-          <p:cNvSpPr txBox="1"/>
+          <p:cNvSpPr txBox="1">
+            <a:spLocks noGrp="1"/>
+          </p:cNvSpPr>
           <p:nvPr>
             <p:ph type="title"/>
           </p:nvPr>
@@ -7560,12 +8198,12 @@
           </a:prstGeom>
         </p:spPr>
         <p:txBody>
-          <a:bodyPr anchorCtr="0" anchor="t" bIns="91425" lIns="91425" spcFirstLastPara="1" rIns="91425" wrap="square" tIns="91425">
+          <a:bodyPr spcFirstLastPara="1" wrap="square" lIns="91425" tIns="91425" rIns="91425" bIns="91425" anchor="t" anchorCtr="0">
             <a:noAutofit/>
           </a:bodyPr>
           <a:lstStyle/>
           <a:p>
-            <a:pPr indent="0" lvl="0" marL="0" rtl="0" algn="l">
+            <a:pPr marL="0" lvl="0" indent="0" algn="l" rtl="0">
               <a:spcBef>
                 <a:spcPts val="0"/>
               </a:spcBef>
@@ -7585,9 +8223,11 @@
       <p:sp>
         <p:nvSpPr>
           <p:cNvPr id="73" name="Google Shape;73;p16"/>
-          <p:cNvSpPr txBox="1"/>
+          <p:cNvSpPr txBox="1">
+            <a:spLocks noGrp="1"/>
+          </p:cNvSpPr>
           <p:nvPr>
-            <p:ph idx="1" type="body"/>
+            <p:ph type="body" idx="1"/>
           </p:nvPr>
         </p:nvSpPr>
         <p:spPr>
@@ -7600,12 +8240,12 @@
           </a:prstGeom>
         </p:spPr>
         <p:txBody>
-          <a:bodyPr anchorCtr="0" anchor="t" bIns="91425" lIns="91425" spcFirstLastPara="1" rIns="91425" wrap="square" tIns="91425">
+          <a:bodyPr spcFirstLastPara="1" wrap="square" lIns="91425" tIns="91425" rIns="91425" bIns="91425" anchor="t" anchorCtr="0">
             <a:noAutofit/>
           </a:bodyPr>
           <a:lstStyle/>
           <a:p>
-            <a:pPr indent="-342900" lvl="0" marL="457200" rtl="0" algn="l">
+            <a:pPr marL="457200" lvl="0" indent="-342900" algn="l" rtl="0">
               <a:spcBef>
                 <a:spcPts val="0"/>
               </a:spcBef>
@@ -7617,28 +8257,12 @@
             </a:pPr>
             <a:r>
               <a:rPr lang="en"/>
-              <a:t>How often the particles collide also depends on their mutual velocity. If we assume that the ensemble of particles has a characteristic speed </a:t>
-            </a:r>
-            <a:r>
-              <a:rPr lang="en"/>
-              <a:t>𝑤</a:t>
-            </a:r>
-            <a:r>
-              <a:rPr lang="en"/>
-              <a:t>, then the average time between collisions is 𝜏 = ℓ / </a:t>
-            </a:r>
-            <a:r>
-              <a:rPr lang="en"/>
-              <a:t>𝑤</a:t>
-            </a:r>
-            <a:r>
-              <a:rPr lang="en"/>
-              <a:t>.</a:t>
+              <a:t>How often the particles collide also depends on their mutual velocity. If we assume that the ensemble of particles has a characteristic speed 𝑤, then the average time between collisions is 𝜏 = ℓ / 𝑤.</a:t>
             </a:r>
             <a:endParaRPr/>
           </a:p>
           <a:p>
-            <a:pPr indent="-342900" lvl="0" marL="457200" rtl="0" algn="l">
+            <a:pPr marL="457200" lvl="0" indent="-342900" algn="l" rtl="0">
               <a:spcBef>
                 <a:spcPts val="0"/>
               </a:spcBef>
@@ -7664,12 +8288,12 @@
 </p:sld>
 </file>
 
-<file path=ppt/slides/slide5.xml><?xml version="1.0" encoding="utf-8"?>
-<p:sld xmlns:a="http://schemas.openxmlformats.org/drawingml/2006/main" xmlns:r="http://schemas.openxmlformats.org/officeDocument/2006/relationships" xmlns:mc="http://schemas.openxmlformats.org/markup-compatibility/2006" xmlns:mv="urn:schemas-microsoft-com:mac:vml" xmlns:p="http://schemas.openxmlformats.org/presentationml/2006/main" xmlns:c="http://schemas.openxmlformats.org/drawingml/2006/chart" xmlns:dgm="http://schemas.openxmlformats.org/drawingml/2006/diagram" xmlns:o="urn:schemas-microsoft-com:office:office" xmlns:v="urn:schemas-microsoft-com:vml" xmlns:pvml="urn:schemas-microsoft-com:office:powerpoint" xmlns:com="http://schemas.openxmlformats.org/drawingml/2006/compatibility" xmlns:p14="http://schemas.microsoft.com/office/powerpoint/2010/main" xmlns:p15="http://schemas.microsoft.com/office/powerpoint/2012/main" xmlns:ahyp="http://schemas.microsoft.com/office/drawing/2018/hyperlinkcolor">
+<file path=ppt/slides/slide6.xml><?xml version="1.0" encoding="utf-8"?>
+<p:sld xmlns:a="http://schemas.openxmlformats.org/drawingml/2006/main" xmlns:r="http://schemas.openxmlformats.org/officeDocument/2006/relationships" xmlns:p="http://schemas.openxmlformats.org/presentationml/2006/main">
   <p:cSld>
     <p:spTree>
       <p:nvGrpSpPr>
-        <p:cNvPr id="77" name="Shape 77"/>
+        <p:cNvPr id="1" name="Shape 77"/>
         <p:cNvGrpSpPr/>
         <p:nvPr/>
       </p:nvGrpSpPr>
@@ -7684,7 +8308,9 @@
       <p:sp>
         <p:nvSpPr>
           <p:cNvPr id="78" name="Google Shape;78;p17"/>
-          <p:cNvSpPr txBox="1"/>
+          <p:cNvSpPr txBox="1">
+            <a:spLocks noGrp="1"/>
+          </p:cNvSpPr>
           <p:nvPr>
             <p:ph type="title"/>
           </p:nvPr>
@@ -7699,12 +8325,12 @@
           </a:prstGeom>
         </p:spPr>
         <p:txBody>
-          <a:bodyPr anchorCtr="0" anchor="t" bIns="91425" lIns="91425" spcFirstLastPara="1" rIns="91425" wrap="square" tIns="91425">
+          <a:bodyPr spcFirstLastPara="1" wrap="square" lIns="91425" tIns="91425" rIns="91425" bIns="91425" anchor="t" anchorCtr="0">
             <a:noAutofit/>
           </a:bodyPr>
           <a:lstStyle/>
           <a:p>
-            <a:pPr indent="0" lvl="0" marL="0" rtl="0" algn="l">
+            <a:pPr marL="0" lvl="0" indent="0" algn="l" rtl="0">
               <a:spcBef>
                 <a:spcPts val="0"/>
               </a:spcBef>
@@ -7724,9 +8350,11 @@
       <p:sp>
         <p:nvSpPr>
           <p:cNvPr id="79" name="Google Shape;79;p17"/>
-          <p:cNvSpPr txBox="1"/>
+          <p:cNvSpPr txBox="1">
+            <a:spLocks noGrp="1"/>
+          </p:cNvSpPr>
           <p:nvPr>
-            <p:ph idx="1" type="body"/>
+            <p:ph type="body" idx="1"/>
           </p:nvPr>
         </p:nvSpPr>
         <p:spPr>
@@ -7739,12 +8367,12 @@
           </a:prstGeom>
         </p:spPr>
         <p:txBody>
-          <a:bodyPr anchorCtr="0" anchor="t" bIns="91425" lIns="91425" spcFirstLastPara="1" rIns="91425" wrap="square" tIns="91425">
+          <a:bodyPr spcFirstLastPara="1" wrap="square" lIns="91425" tIns="91425" rIns="91425" bIns="91425" anchor="t" anchorCtr="0">
             <a:noAutofit/>
           </a:bodyPr>
           <a:lstStyle/>
           <a:p>
-            <a:pPr indent="-330200" lvl="0" marL="457200" rtl="0" algn="l">
+            <a:pPr marL="457200" lvl="0" indent="-330200" algn="l" rtl="0">
               <a:spcBef>
                 <a:spcPts val="0"/>
               </a:spcBef>
@@ -7756,11 +8384,7 @@
             </a:pPr>
             <a:r>
               <a:rPr lang="en" sz="1600"/>
-              <a:t>So now we have a bunch of gas with a temperature </a:t>
-            </a:r>
-            <a:r>
-              <a:rPr lang="en" sz="1600"/>
-              <a:t>𝑇 and number density 𝑛. If we can determine the average mass of the particles, which we’ll call 𝜇, the mean molecular mass, then the mass density is 𝜌 = 𝜇𝑛 and the pressure of the ideal gas is 𝑃 = 𝑛𝑅𝑇 = 𝜌𝑅𝑇 / 𝜇. 𝑅 is the gas constant from your high-school chemistry class.</a:t>
+              <a:t>So now we have a bunch of gas with a temperature 𝑇 and number density 𝑛. If we can determine the average mass of the particles, which we’ll call 𝜇, the mean molecular mass, then the mass density is 𝜌 = 𝜇𝑛 and the pressure of the ideal gas is 𝑃 = 𝑛𝑅𝑇 = 𝜌𝑅𝑇 / 𝜇. 𝑅 is the gas constant from your high-school chemistry class.</a:t>
             </a:r>
             <a:br>
               <a:rPr lang="en" sz="1600"/>
@@ -7768,7 +8392,7 @@
             <a:endParaRPr sz="1600"/>
           </a:p>
           <a:p>
-            <a:pPr indent="-330200" lvl="0" marL="457200" rtl="0" algn="l">
+            <a:pPr marL="457200" lvl="0" indent="-330200" algn="l" rtl="0">
               <a:spcBef>
                 <a:spcPts val="0"/>
               </a:spcBef>
@@ -7794,12 +8418,12 @@
 </p:sld>
 </file>
 
-<file path=ppt/slides/slide6.xml><?xml version="1.0" encoding="utf-8"?>
-<p:sld xmlns:a="http://schemas.openxmlformats.org/drawingml/2006/main" xmlns:r="http://schemas.openxmlformats.org/officeDocument/2006/relationships" xmlns:mc="http://schemas.openxmlformats.org/markup-compatibility/2006" xmlns:mv="urn:schemas-microsoft-com:mac:vml" xmlns:p="http://schemas.openxmlformats.org/presentationml/2006/main" xmlns:c="http://schemas.openxmlformats.org/drawingml/2006/chart" xmlns:dgm="http://schemas.openxmlformats.org/drawingml/2006/diagram" xmlns:o="urn:schemas-microsoft-com:office:office" xmlns:v="urn:schemas-microsoft-com:vml" xmlns:pvml="urn:schemas-microsoft-com:office:powerpoint" xmlns:com="http://schemas.openxmlformats.org/drawingml/2006/compatibility" xmlns:p14="http://schemas.microsoft.com/office/powerpoint/2010/main" xmlns:p15="http://schemas.microsoft.com/office/powerpoint/2012/main" xmlns:ahyp="http://schemas.microsoft.com/office/drawing/2018/hyperlinkcolor">
+<file path=ppt/slides/slide7.xml><?xml version="1.0" encoding="utf-8"?>
+<p:sld xmlns:a="http://schemas.openxmlformats.org/drawingml/2006/main" xmlns:r="http://schemas.openxmlformats.org/officeDocument/2006/relationships" xmlns:p="http://schemas.openxmlformats.org/presentationml/2006/main">
   <p:cSld>
     <p:spTree>
       <p:nvGrpSpPr>
-        <p:cNvPr id="83" name="Shape 83"/>
+        <p:cNvPr id="1" name="Shape 83"/>
         <p:cNvGrpSpPr/>
         <p:nvPr/>
       </p:nvGrpSpPr>
@@ -7814,7 +8438,9 @@
       <p:sp>
         <p:nvSpPr>
           <p:cNvPr id="84" name="Google Shape;84;p18"/>
-          <p:cNvSpPr txBox="1"/>
+          <p:cNvSpPr txBox="1">
+            <a:spLocks noGrp="1"/>
+          </p:cNvSpPr>
           <p:nvPr>
             <p:ph type="title"/>
           </p:nvPr>
@@ -7829,12 +8455,12 @@
           </a:prstGeom>
         </p:spPr>
         <p:txBody>
-          <a:bodyPr anchorCtr="0" anchor="t" bIns="91425" lIns="91425" spcFirstLastPara="1" rIns="91425" wrap="square" tIns="91425">
+          <a:bodyPr spcFirstLastPara="1" wrap="square" lIns="91425" tIns="91425" rIns="91425" bIns="91425" anchor="t" anchorCtr="0">
             <a:noAutofit/>
           </a:bodyPr>
           <a:lstStyle/>
           <a:p>
-            <a:pPr indent="0" lvl="0" marL="0" rtl="0" algn="l">
+            <a:pPr marL="0" lvl="0" indent="0" algn="l" rtl="0">
               <a:spcBef>
                 <a:spcPts val="0"/>
               </a:spcBef>
@@ -7854,9 +8480,11 @@
       <p:sp>
         <p:nvSpPr>
           <p:cNvPr id="85" name="Google Shape;85;p18"/>
-          <p:cNvSpPr txBox="1"/>
+          <p:cNvSpPr txBox="1">
+            <a:spLocks noGrp="1"/>
+          </p:cNvSpPr>
           <p:nvPr>
-            <p:ph idx="1" type="body"/>
+            <p:ph type="body" idx="1"/>
           </p:nvPr>
         </p:nvSpPr>
         <p:spPr>
@@ -7869,12 +8497,12 @@
           </a:prstGeom>
         </p:spPr>
         <p:txBody>
-          <a:bodyPr anchorCtr="0" anchor="t" bIns="91425" lIns="91425" spcFirstLastPara="1" rIns="91425" wrap="square" tIns="91425">
+          <a:bodyPr spcFirstLastPara="1" wrap="square" lIns="91425" tIns="91425" rIns="91425" bIns="91425" anchor="t" anchorCtr="0">
             <a:noAutofit/>
           </a:bodyPr>
           <a:lstStyle/>
           <a:p>
-            <a:pPr indent="-330200" lvl="0" marL="457200" rtl="0" algn="l">
+            <a:pPr marL="457200" lvl="0" indent="-330200" algn="l" rtl="0">
               <a:spcBef>
                 <a:spcPts val="0"/>
               </a:spcBef>
@@ -7886,11 +8514,7 @@
             </a:pPr>
             <a:r>
               <a:rPr lang="en" sz="1600"/>
-              <a:t>So far we’ve been discussing our fluid as a static ensemble of particles with mass density 𝜌, temperature </a:t>
-            </a:r>
-            <a:r>
-              <a:rPr lang="en" sz="1600"/>
-              <a:t>𝑇, and pressure 𝑃. If we push on the particles, for example with gravity, then the gas will move. This is the dynamic part.</a:t>
+              <a:t>So far we’ve been discussing our fluid as a static ensemble of particles with mass density 𝜌, temperature 𝑇, and pressure 𝑃. If we push on the particles, for example with gravity, then the gas will move. This is the dynamic part.</a:t>
             </a:r>
             <a:br>
               <a:rPr lang="en" sz="1600"/>
@@ -7898,7 +8522,7 @@
             <a:endParaRPr sz="1600"/>
           </a:p>
           <a:p>
-            <a:pPr indent="-330200" lvl="0" marL="457200" rtl="0" algn="l">
+            <a:pPr marL="457200" lvl="0" indent="-330200" algn="l" rtl="0">
               <a:spcBef>
                 <a:spcPts val="0"/>
               </a:spcBef>
@@ -7926,7 +8550,7 @@
           <a:blip r:embed="rId3">
             <a:alphaModFix/>
           </a:blip>
-          <a:srcRect b="3510" l="0" r="0" t="11700"/>
+          <a:srcRect t="11700" b="3510"/>
           <a:stretch/>
         </p:blipFill>
         <p:spPr>
@@ -7963,12 +8587,12 @@
           </a:ln>
         </p:spPr>
         <p:txBody>
-          <a:bodyPr anchorCtr="0" anchor="t" bIns="91425" lIns="91425" spcFirstLastPara="1" rIns="91425" wrap="square" tIns="91425">
+          <a:bodyPr spcFirstLastPara="1" wrap="square" lIns="91425" tIns="91425" rIns="91425" bIns="91425" anchor="t" anchorCtr="0">
             <a:noAutofit/>
           </a:bodyPr>
           <a:lstStyle/>
           <a:p>
-            <a:pPr indent="0" lvl="0" marL="0" rtl="0" algn="ctr">
+            <a:pPr marL="0" lvl="0" indent="0" algn="ctr" rtl="0">
               <a:spcBef>
                 <a:spcPts val="0"/>
               </a:spcBef>
@@ -8006,12 +8630,12 @@
 </p:sld>
 </file>
 
-<file path=ppt/slides/slide7.xml><?xml version="1.0" encoding="utf-8"?>
-<p:sld xmlns:a="http://schemas.openxmlformats.org/drawingml/2006/main" xmlns:r="http://schemas.openxmlformats.org/officeDocument/2006/relationships" xmlns:mc="http://schemas.openxmlformats.org/markup-compatibility/2006" xmlns:mv="urn:schemas-microsoft-com:mac:vml" xmlns:p="http://schemas.openxmlformats.org/presentationml/2006/main" xmlns:c="http://schemas.openxmlformats.org/drawingml/2006/chart" xmlns:dgm="http://schemas.openxmlformats.org/drawingml/2006/diagram" xmlns:o="urn:schemas-microsoft-com:office:office" xmlns:v="urn:schemas-microsoft-com:vml" xmlns:pvml="urn:schemas-microsoft-com:office:powerpoint" xmlns:com="http://schemas.openxmlformats.org/drawingml/2006/compatibility" xmlns:p14="http://schemas.microsoft.com/office/powerpoint/2010/main" xmlns:p15="http://schemas.microsoft.com/office/powerpoint/2012/main" xmlns:ahyp="http://schemas.microsoft.com/office/drawing/2018/hyperlinkcolor">
+<file path=ppt/slides/slide8.xml><?xml version="1.0" encoding="utf-8"?>
+<p:sld xmlns:a="http://schemas.openxmlformats.org/drawingml/2006/main" xmlns:r="http://schemas.openxmlformats.org/officeDocument/2006/relationships" xmlns:p="http://schemas.openxmlformats.org/presentationml/2006/main">
   <p:cSld>
     <p:spTree>
       <p:nvGrpSpPr>
-        <p:cNvPr id="91" name="Shape 91"/>
+        <p:cNvPr id="1" name="Shape 91"/>
         <p:cNvGrpSpPr/>
         <p:nvPr/>
       </p:nvGrpSpPr>
@@ -8026,7 +8650,9 @@
       <p:sp>
         <p:nvSpPr>
           <p:cNvPr id="92" name="Google Shape;92;p19"/>
-          <p:cNvSpPr txBox="1"/>
+          <p:cNvSpPr txBox="1">
+            <a:spLocks noGrp="1"/>
+          </p:cNvSpPr>
           <p:nvPr>
             <p:ph type="title"/>
           </p:nvPr>
@@ -8041,12 +8667,12 @@
           </a:prstGeom>
         </p:spPr>
         <p:txBody>
-          <a:bodyPr anchorCtr="0" anchor="t" bIns="91425" lIns="91425" spcFirstLastPara="1" rIns="91425" wrap="square" tIns="91425">
+          <a:bodyPr spcFirstLastPara="1" wrap="square" lIns="91425" tIns="91425" rIns="91425" bIns="91425" anchor="t" anchorCtr="0">
             <a:noAutofit/>
           </a:bodyPr>
           <a:lstStyle/>
           <a:p>
-            <a:pPr indent="0" lvl="0" marL="0" rtl="0" algn="l">
+            <a:pPr marL="0" lvl="0" indent="0" algn="l" rtl="0">
               <a:spcBef>
                 <a:spcPts val="0"/>
               </a:spcBef>
@@ -8066,9 +8692,11 @@
       <p:sp>
         <p:nvSpPr>
           <p:cNvPr id="93" name="Google Shape;93;p19"/>
-          <p:cNvSpPr txBox="1"/>
+          <p:cNvSpPr txBox="1">
+            <a:spLocks noGrp="1"/>
+          </p:cNvSpPr>
           <p:nvPr>
-            <p:ph idx="1" type="body"/>
+            <p:ph type="body" idx="1"/>
           </p:nvPr>
         </p:nvSpPr>
         <p:spPr>
@@ -8081,12 +8709,12 @@
           </a:prstGeom>
         </p:spPr>
         <p:txBody>
-          <a:bodyPr anchorCtr="0" anchor="t" bIns="91425" lIns="91425" spcFirstLastPara="1" rIns="91425" wrap="square" tIns="91425">
+          <a:bodyPr spcFirstLastPara="1" wrap="square" lIns="91425" tIns="91425" rIns="91425" bIns="91425" anchor="t" anchorCtr="0">
             <a:noAutofit/>
           </a:bodyPr>
           <a:lstStyle/>
           <a:p>
-            <a:pPr indent="-330200" lvl="0" marL="457200" rtl="0" algn="l">
+            <a:pPr marL="457200" lvl="0" indent="-330200" algn="l" rtl="0">
               <a:spcBef>
                 <a:spcPts val="0"/>
               </a:spcBef>
@@ -8098,16 +8726,12 @@
             </a:pPr>
             <a:r>
               <a:rPr lang="en" sz="1600"/>
-              <a:t>Earlier we expressed the internal thermal velocity of one particle as </a:t>
-            </a:r>
-            <a:r>
-              <a:rPr lang="en" sz="1600"/>
-              <a:t>𝒘 and the velocity of a blob of particles (the bulk velocity) as 𝒗. Thus the total velocity vector of any particle is 𝒖 = 𝒗 + 𝒘. Without going into detail, applying Boltzmann’s ideas about ideal gases to Newton’s equations of motion, allows us to write down three equations for the time evolution of the fluid density, the momentum density, and the energy density.</a:t>
+              <a:t>Earlier we expressed the internal thermal velocity of one particle as 𝒘 and the velocity of a blob of particles (the bulk velocity) as 𝒗. Thus the total velocity vector of any particle is 𝒖 = 𝒗 + 𝒘. Without going into detail, applying Boltzmann’s ideas about ideal gases to Newton’s equations of motion, allows us to write down three equations for the time evolution of the fluid density, the momentum density, and the energy density.</a:t>
             </a:r>
             <a:endParaRPr sz="1600"/>
           </a:p>
           <a:p>
-            <a:pPr indent="-330200" lvl="0" marL="457200" rtl="0" algn="l">
+            <a:pPr marL="457200" lvl="0" indent="-330200" algn="l" rtl="0">
               <a:spcBef>
                 <a:spcPts val="0"/>
               </a:spcBef>
@@ -8124,7 +8748,7 @@
             <a:endParaRPr sz="1600"/>
           </a:p>
           <a:p>
-            <a:pPr indent="-330200" lvl="0" marL="457200" rtl="0" algn="l">
+            <a:pPr marL="457200" lvl="0" indent="-330200" algn="l" rtl="0">
               <a:spcBef>
                 <a:spcPts val="0"/>
               </a:spcBef>
@@ -8141,7 +8765,7 @@
             <a:endParaRPr sz="1600"/>
           </a:p>
           <a:p>
-            <a:pPr indent="-330200" lvl="1" marL="914400" rtl="0" algn="l">
+            <a:pPr marL="914400" lvl="1" indent="-330200" algn="l" rtl="0">
               <a:spcBef>
                 <a:spcPts val="0"/>
               </a:spcBef>
@@ -8158,7 +8782,7 @@
             <a:endParaRPr sz="1600"/>
           </a:p>
           <a:p>
-            <a:pPr indent="-330200" lvl="1" marL="914400" rtl="0" algn="l">
+            <a:pPr marL="914400" lvl="1" indent="-330200" algn="l" rtl="0">
               <a:spcBef>
                 <a:spcPts val="0"/>
               </a:spcBef>
@@ -8175,7 +8799,7 @@
             <a:endParaRPr sz="1600"/>
           </a:p>
           <a:p>
-            <a:pPr indent="-330200" lvl="1" marL="914400" rtl="0" algn="l">
+            <a:pPr marL="914400" lvl="1" indent="-330200" algn="l" rtl="0">
               <a:spcBef>
                 <a:spcPts val="0"/>
               </a:spcBef>
@@ -8201,12 +8825,12 @@
 </p:sld>
 </file>
 
-<file path=ppt/slides/slide8.xml><?xml version="1.0" encoding="utf-8"?>
-<p:sld xmlns:a="http://schemas.openxmlformats.org/drawingml/2006/main" xmlns:r="http://schemas.openxmlformats.org/officeDocument/2006/relationships" xmlns:mc="http://schemas.openxmlformats.org/markup-compatibility/2006" xmlns:mv="urn:schemas-microsoft-com:mac:vml" xmlns:p="http://schemas.openxmlformats.org/presentationml/2006/main" xmlns:c="http://schemas.openxmlformats.org/drawingml/2006/chart" xmlns:dgm="http://schemas.openxmlformats.org/drawingml/2006/diagram" xmlns:o="urn:schemas-microsoft-com:office:office" xmlns:v="urn:schemas-microsoft-com:vml" xmlns:pvml="urn:schemas-microsoft-com:office:powerpoint" xmlns:com="http://schemas.openxmlformats.org/drawingml/2006/compatibility" xmlns:p14="http://schemas.microsoft.com/office/powerpoint/2010/main" xmlns:p15="http://schemas.microsoft.com/office/powerpoint/2012/main" xmlns:ahyp="http://schemas.microsoft.com/office/drawing/2018/hyperlinkcolor">
+<file path=ppt/slides/slide9.xml><?xml version="1.0" encoding="utf-8"?>
+<p:sld xmlns:a="http://schemas.openxmlformats.org/drawingml/2006/main" xmlns:r="http://schemas.openxmlformats.org/officeDocument/2006/relationships" xmlns:p="http://schemas.openxmlformats.org/presentationml/2006/main">
   <p:cSld>
     <p:spTree>
       <p:nvGrpSpPr>
-        <p:cNvPr id="97" name="Shape 97"/>
+        <p:cNvPr id="1" name="Shape 97"/>
         <p:cNvGrpSpPr/>
         <p:nvPr/>
       </p:nvGrpSpPr>
@@ -8221,7 +8845,9 @@
       <p:sp>
         <p:nvSpPr>
           <p:cNvPr id="98" name="Google Shape;98;p20"/>
-          <p:cNvSpPr txBox="1"/>
+          <p:cNvSpPr txBox="1">
+            <a:spLocks noGrp="1"/>
+          </p:cNvSpPr>
           <p:nvPr>
             <p:ph type="title"/>
           </p:nvPr>
@@ -8236,12 +8862,12 @@
           </a:prstGeom>
         </p:spPr>
         <p:txBody>
-          <a:bodyPr anchorCtr="0" anchor="t" bIns="91425" lIns="91425" spcFirstLastPara="1" rIns="91425" wrap="square" tIns="91425">
+          <a:bodyPr spcFirstLastPara="1" wrap="square" lIns="91425" tIns="91425" rIns="91425" bIns="91425" anchor="t" anchorCtr="0">
             <a:noAutofit/>
           </a:bodyPr>
           <a:lstStyle/>
           <a:p>
-            <a:pPr indent="0" lvl="0" marL="0" rtl="0" algn="l">
+            <a:pPr marL="0" lvl="0" indent="0" algn="l" rtl="0">
               <a:spcBef>
                 <a:spcPts val="0"/>
               </a:spcBef>
@@ -8261,9 +8887,11 @@
       <p:sp>
         <p:nvSpPr>
           <p:cNvPr id="99" name="Google Shape;99;p20"/>
-          <p:cNvSpPr txBox="1"/>
+          <p:cNvSpPr txBox="1">
+            <a:spLocks noGrp="1"/>
+          </p:cNvSpPr>
           <p:nvPr>
-            <p:ph idx="1" type="body"/>
+            <p:ph type="body" idx="1"/>
           </p:nvPr>
         </p:nvSpPr>
         <p:spPr>
@@ -8276,12 +8904,12 @@
           </a:prstGeom>
         </p:spPr>
         <p:txBody>
-          <a:bodyPr anchorCtr="0" anchor="t" bIns="91425" lIns="91425" spcFirstLastPara="1" rIns="91425" wrap="square" tIns="91425">
+          <a:bodyPr spcFirstLastPara="1" wrap="square" lIns="91425" tIns="91425" rIns="91425" bIns="91425" anchor="t" anchorCtr="0">
             <a:noAutofit/>
           </a:bodyPr>
           <a:lstStyle/>
           <a:p>
-            <a:pPr indent="-330200" lvl="0" marL="457200" rtl="0" algn="l">
+            <a:pPr marL="457200" lvl="0" indent="-330200" algn="l" rtl="0">
               <a:spcBef>
                 <a:spcPts val="0"/>
               </a:spcBef>
@@ -8301,7 +8929,7 @@
             <a:endParaRPr sz="1600"/>
           </a:p>
           <a:p>
-            <a:pPr indent="-323850" lvl="0" marL="457200" rtl="0" algn="l">
+            <a:pPr marL="457200" lvl="0" indent="-323850" algn="l" rtl="0">
               <a:spcBef>
                 <a:spcPts val="0"/>
               </a:spcBef>
@@ -8313,19 +8941,11 @@
             </a:pPr>
             <a:r>
               <a:rPr lang="en" sz="1600"/>
-              <a:t>In 1823, Claude-Louis Navier published a memoir on the motions of fluids which could account for friction (dissipation of energy) in fluids by using Laplace’s newly formulated idea of molecular forces. Those equations were formalized as PDEs and are now known as the Navier-Stokes equations. The Euler equations are a </a:t>
-            </a:r>
-            <a:r>
-              <a:rPr lang="en" sz="1600"/>
-              <a:t>specific</a:t>
-            </a:r>
-            <a:r>
-              <a:rPr lang="en" sz="1600"/>
-              <a:t> case of the </a:t>
-            </a:r>
-            <a:r>
-              <a:rPr lang="en" sz="1600"/>
-              <a:t>Navier-Stokes equations. The enterprise of fluid dynamics has been to solve the Navier-Stokes equations with certain boundary conditions using a range of analytical and numerical techniques.</a:t>
+              <a:t>In 1823, Claude-Louis Navier published a memoir on the motions of fluids which could account for friction (dissipation of energy) in fluids by using Laplace’s newly formulated idea of molecular forces. Those equations were formalized as PDEs and are now known as the Navier-Stokes equations. The Euler equations are a specific case of the Navier-Stokes equations. The enterprise of fluid dynamics has been to solve the Navier-Stokes equations with certain boundary conditions using a range of analytical and numerical techniques.</a:t>
+            </a:r>
+            <a:r>
+              <a:rPr lang="en" sz="1500"/>
+              <a:t/>
             </a:r>
             <a:br>
               <a:rPr lang="en" sz="1500"/>
@@ -8342,165 +8962,289 @@
 </p:sld>
 </file>
 
-<file path=ppt/slides/slide9.xml><?xml version="1.0" encoding="utf-8"?>
-<p:sld xmlns:a="http://schemas.openxmlformats.org/drawingml/2006/main" xmlns:r="http://schemas.openxmlformats.org/officeDocument/2006/relationships" xmlns:mc="http://schemas.openxmlformats.org/markup-compatibility/2006" xmlns:mv="urn:schemas-microsoft-com:mac:vml" xmlns:p="http://schemas.openxmlformats.org/presentationml/2006/main" xmlns:c="http://schemas.openxmlformats.org/drawingml/2006/chart" xmlns:dgm="http://schemas.openxmlformats.org/drawingml/2006/diagram" xmlns:o="urn:schemas-microsoft-com:office:office" xmlns:v="urn:schemas-microsoft-com:vml" xmlns:pvml="urn:schemas-microsoft-com:office:powerpoint" xmlns:com="http://schemas.openxmlformats.org/drawingml/2006/compatibility" xmlns:p14="http://schemas.microsoft.com/office/powerpoint/2010/main" xmlns:p15="http://schemas.microsoft.com/office/powerpoint/2012/main" xmlns:ahyp="http://schemas.microsoft.com/office/drawing/2018/hyperlinkcolor">
-  <p:cSld>
-    <p:spTree>
-      <p:nvGrpSpPr>
-        <p:cNvPr id="103" name="Shape 103"/>
-        <p:cNvGrpSpPr/>
-        <p:nvPr/>
-      </p:nvGrpSpPr>
-      <p:grpSpPr>
-        <a:xfrm>
-          <a:off x="0" y="0"/>
-          <a:ext cx="0" cy="0"/>
-          <a:chOff x="0" y="0"/>
-          <a:chExt cx="0" cy="0"/>
-        </a:xfrm>
-      </p:grpSpPr>
-      <p:sp>
-        <p:nvSpPr>
-          <p:cNvPr id="104" name="Google Shape;104;p21"/>
-          <p:cNvSpPr txBox="1"/>
-          <p:nvPr>
-            <p:ph type="title"/>
-          </p:nvPr>
-        </p:nvSpPr>
-        <p:spPr>
-          <a:xfrm>
-            <a:off x="311700" y="445025"/>
-            <a:ext cx="8520600" cy="572700"/>
-          </a:xfrm>
-          <a:prstGeom prst="rect">
-            <a:avLst/>
-          </a:prstGeom>
-        </p:spPr>
-        <p:txBody>
-          <a:bodyPr anchorCtr="0" anchor="t" bIns="91425" lIns="91425" spcFirstLastPara="1" rIns="91425" wrap="square" tIns="91425">
-            <a:noAutofit/>
-          </a:bodyPr>
-          <a:lstStyle/>
-          <a:p>
-            <a:pPr indent="0" lvl="0" marL="0" rtl="0" algn="l">
-              <a:spcBef>
-                <a:spcPts val="0"/>
-              </a:spcBef>
-              <a:spcAft>
-                <a:spcPts val="0"/>
-              </a:spcAft>
-              <a:buNone/>
-            </a:pPr>
-            <a:r>
-              <a:rPr lang="en"/>
-              <a:t>Solving the Navier-Stokes Equations</a:t>
-            </a:r>
-            <a:endParaRPr/>
-          </a:p>
-        </p:txBody>
-      </p:sp>
-      <p:sp>
-        <p:nvSpPr>
-          <p:cNvPr id="105" name="Google Shape;105;p21"/>
-          <p:cNvSpPr txBox="1"/>
-          <p:nvPr>
-            <p:ph idx="1" type="body"/>
-          </p:nvPr>
-        </p:nvSpPr>
-        <p:spPr>
-          <a:xfrm>
-            <a:off x="311700" y="1152475"/>
-            <a:ext cx="8520600" cy="3416400"/>
-          </a:xfrm>
-          <a:prstGeom prst="rect">
-            <a:avLst/>
-          </a:prstGeom>
-        </p:spPr>
-        <p:txBody>
-          <a:bodyPr anchorCtr="0" anchor="t" bIns="91425" lIns="91425" spcFirstLastPara="1" rIns="91425" wrap="square" tIns="91425">
-            <a:noAutofit/>
-          </a:bodyPr>
-          <a:lstStyle/>
-          <a:p>
-            <a:pPr indent="0" lvl="0" marL="0" rtl="0" algn="l">
-              <a:spcBef>
-                <a:spcPts val="0"/>
-              </a:spcBef>
-              <a:spcAft>
-                <a:spcPts val="0"/>
-              </a:spcAft>
-              <a:buNone/>
-            </a:pPr>
-            <a:r>
-              <a:rPr lang="en"/>
-              <a:t>Even though these equations were written down nearly 200 years ago, why they work, and whether they always work, is not known. One of the Clay Mathematics Institute </a:t>
-            </a:r>
-            <a:r>
-              <a:rPr lang="en"/>
-              <a:t>Millennium</a:t>
-            </a:r>
-            <a:r>
-              <a:rPr lang="en"/>
-              <a:t> Prizes is devoted to this very problem.</a:t>
-            </a:r>
-            <a:endParaRPr/>
-          </a:p>
-          <a:p>
-            <a:pPr indent="0" lvl="0" marL="0" rtl="0" algn="l">
-              <a:spcBef>
-                <a:spcPts val="1600"/>
-              </a:spcBef>
-              <a:spcAft>
-                <a:spcPts val="0"/>
-              </a:spcAft>
-              <a:buNone/>
-            </a:pPr>
-            <a:r>
-              <a:rPr lang="en"/>
-              <a:t>“The challenge is to make substantial progress toward a mathematical theory which will unlock the secrets hidden in the Navier-Stokes equations.”</a:t>
-            </a:r>
-            <a:endParaRPr/>
-          </a:p>
-          <a:p>
-            <a:pPr indent="0" lvl="0" marL="0" rtl="0" algn="l">
-              <a:spcBef>
-                <a:spcPts val="1600"/>
-              </a:spcBef>
-              <a:spcAft>
-                <a:spcPts val="1600"/>
-              </a:spcAft>
-              <a:buNone/>
-            </a:pPr>
-            <a:r>
-              <a:rPr lang="en"/>
-              <a:t>For details:</a:t>
-            </a:r>
-            <a:br>
-              <a:rPr lang="en"/>
-            </a:br>
-            <a:r>
-              <a:rPr lang="en" u="sng">
-                <a:solidFill>
-                  <a:schemeClr val="hlink"/>
-                </a:solidFill>
-                <a:hlinkClick r:id="rId3"/>
-              </a:rPr>
-              <a:t>EXISTENCE AND SMOOTHNESS OF THE NAVIER–STOKES EQUATION</a:t>
-            </a:r>
-            <a:endParaRPr/>
-          </a:p>
-        </p:txBody>
-      </p:sp>
-    </p:spTree>
-  </p:cSld>
-  <p:clrMapOvr>
-    <a:masterClrMapping/>
-  </p:clrMapOvr>
-</p:sld>
+<file path=ppt/theme/theme1.xml><?xml version="1.0" encoding="utf-8"?>
+<a:theme xmlns:a="http://schemas.openxmlformats.org/drawingml/2006/main" name="Simple Light">
+  <a:themeElements>
+    <a:clrScheme name="Simple Light">
+      <a:dk1>
+        <a:srgbClr val="000000"/>
+      </a:dk1>
+      <a:lt1>
+        <a:srgbClr val="FFFFFF"/>
+      </a:lt1>
+      <a:dk2>
+        <a:srgbClr val="595959"/>
+      </a:dk2>
+      <a:lt2>
+        <a:srgbClr val="EEEEEE"/>
+      </a:lt2>
+      <a:accent1>
+        <a:srgbClr val="FFAB40"/>
+      </a:accent1>
+      <a:accent2>
+        <a:srgbClr val="212121"/>
+      </a:accent2>
+      <a:accent3>
+        <a:srgbClr val="78909C"/>
+      </a:accent3>
+      <a:accent4>
+        <a:srgbClr val="FFAB40"/>
+      </a:accent4>
+      <a:accent5>
+        <a:srgbClr val="0097A7"/>
+      </a:accent5>
+      <a:accent6>
+        <a:srgbClr val="EEFF41"/>
+      </a:accent6>
+      <a:hlink>
+        <a:srgbClr val="0097A7"/>
+      </a:hlink>
+      <a:folHlink>
+        <a:srgbClr val="0097A7"/>
+      </a:folHlink>
+    </a:clrScheme>
+    <a:fontScheme name="Office">
+      <a:majorFont>
+        <a:latin typeface="Arial"/>
+        <a:ea typeface=""/>
+        <a:cs typeface=""/>
+        <a:font script="Jpan" typeface="ＭＳ Ｐゴシック"/>
+        <a:font script="Hang" typeface="맑은 고딕"/>
+        <a:font script="Hans" typeface="宋体"/>
+        <a:font script="Hant" typeface="新細明體"/>
+        <a:font script="Arab" typeface="Times New Roman"/>
+        <a:font script="Hebr" typeface="Times New Roman"/>
+        <a:font script="Thai" typeface="Angsana New"/>
+        <a:font script="Ethi" typeface="Nyala"/>
+        <a:font script="Beng" typeface="Vrinda"/>
+        <a:font script="Gujr" typeface="Shruti"/>
+        <a:font script="Khmr" typeface="MoolBoran"/>
+        <a:font script="Knda" typeface="Tunga"/>
+        <a:font script="Guru" typeface="Raavi"/>
+        <a:font script="Cans" typeface="Euphemia"/>
+        <a:font script="Cher" typeface="Plantagenet Cherokee"/>
+        <a:font script="Yiii" typeface="Microsoft Yi Baiti"/>
+        <a:font script="Tibt" typeface="Microsoft Himalaya"/>
+        <a:font script="Thaa" typeface="MV Boli"/>
+        <a:font script="Deva" typeface="Mangal"/>
+        <a:font script="Telu" typeface="Gautami"/>
+        <a:font script="Taml" typeface="Latha"/>
+        <a:font script="Syrc" typeface="Estrangelo Edessa"/>
+        <a:font script="Orya" typeface="Kalinga"/>
+        <a:font script="Mlym" typeface="Kartika"/>
+        <a:font script="Laoo" typeface="DokChampa"/>
+        <a:font script="Sinh" typeface="Iskoola Pota"/>
+        <a:font script="Mong" typeface="Mongolian Baiti"/>
+        <a:font script="Viet" typeface="Times New Roman"/>
+        <a:font script="Uigh" typeface="Microsoft Uighur"/>
+        <a:font script="Geor" typeface="Sylfaen"/>
+      </a:majorFont>
+      <a:minorFont>
+        <a:latin typeface="Arial"/>
+        <a:ea typeface=""/>
+        <a:cs typeface=""/>
+        <a:font script="Jpan" typeface="ＭＳ Ｐゴシック"/>
+        <a:font script="Hang" typeface="맑은 고딕"/>
+        <a:font script="Hans" typeface="宋体"/>
+        <a:font script="Hant" typeface="新細明體"/>
+        <a:font script="Arab" typeface="Arial"/>
+        <a:font script="Hebr" typeface="Arial"/>
+        <a:font script="Thai" typeface="Cordia New"/>
+        <a:font script="Ethi" typeface="Nyala"/>
+        <a:font script="Beng" typeface="Vrinda"/>
+        <a:font script="Gujr" typeface="Shruti"/>
+        <a:font script="Khmr" typeface="DaunPenh"/>
+        <a:font script="Knda" typeface="Tunga"/>
+        <a:font script="Guru" typeface="Raavi"/>
+        <a:font script="Cans" typeface="Euphemia"/>
+        <a:font script="Cher" typeface="Plantagenet Cherokee"/>
+        <a:font script="Yiii" typeface="Microsoft Yi Baiti"/>
+        <a:font script="Tibt" typeface="Microsoft Himalaya"/>
+        <a:font script="Thaa" typeface="MV Boli"/>
+        <a:font script="Deva" typeface="Mangal"/>
+        <a:font script="Telu" typeface="Gautami"/>
+        <a:font script="Taml" typeface="Latha"/>
+        <a:font script="Syrc" typeface="Estrangelo Edessa"/>
+        <a:font script="Orya" typeface="Kalinga"/>
+        <a:font script="Mlym" typeface="Kartika"/>
+        <a:font script="Laoo" typeface="DokChampa"/>
+        <a:font script="Sinh" typeface="Iskoola Pota"/>
+        <a:font script="Mong" typeface="Mongolian Baiti"/>
+        <a:font script="Viet" typeface="Arial"/>
+        <a:font script="Uigh" typeface="Microsoft Uighur"/>
+        <a:font script="Geor" typeface="Sylfaen"/>
+      </a:minorFont>
+    </a:fontScheme>
+    <a:fmtScheme name="Office">
+      <a:fillStyleLst>
+        <a:solidFill>
+          <a:schemeClr val="phClr"/>
+        </a:solidFill>
+        <a:gradFill rotWithShape="1">
+          <a:gsLst>
+            <a:gs pos="0">
+              <a:schemeClr val="phClr">
+                <a:tint val="50000"/>
+                <a:satMod val="300000"/>
+              </a:schemeClr>
+            </a:gs>
+            <a:gs pos="35000">
+              <a:schemeClr val="phClr">
+                <a:tint val="37000"/>
+                <a:satMod val="300000"/>
+              </a:schemeClr>
+            </a:gs>
+            <a:gs pos="100000">
+              <a:schemeClr val="phClr">
+                <a:tint val="15000"/>
+                <a:satMod val="350000"/>
+              </a:schemeClr>
+            </a:gs>
+          </a:gsLst>
+          <a:lin ang="16200000" scaled="1"/>
+        </a:gradFill>
+        <a:gradFill rotWithShape="1">
+          <a:gsLst>
+            <a:gs pos="0">
+              <a:schemeClr val="phClr">
+                <a:tint val="100000"/>
+                <a:shade val="100000"/>
+                <a:satMod val="130000"/>
+              </a:schemeClr>
+            </a:gs>
+            <a:gs pos="100000">
+              <a:schemeClr val="phClr">
+                <a:tint val="50000"/>
+                <a:shade val="100000"/>
+                <a:satMod val="350000"/>
+              </a:schemeClr>
+            </a:gs>
+          </a:gsLst>
+          <a:lin ang="16200000" scaled="0"/>
+        </a:gradFill>
+      </a:fillStyleLst>
+      <a:lnStyleLst>
+        <a:ln w="9525" cap="flat" cmpd="sng" algn="ctr">
+          <a:solidFill>
+            <a:schemeClr val="phClr">
+              <a:shade val="95000"/>
+              <a:satMod val="105000"/>
+            </a:schemeClr>
+          </a:solidFill>
+          <a:prstDash val="solid"/>
+        </a:ln>
+        <a:ln w="25400" cap="flat" cmpd="sng" algn="ctr">
+          <a:solidFill>
+            <a:schemeClr val="phClr"/>
+          </a:solidFill>
+          <a:prstDash val="solid"/>
+        </a:ln>
+        <a:ln w="38100" cap="flat" cmpd="sng" algn="ctr">
+          <a:solidFill>
+            <a:schemeClr val="phClr"/>
+          </a:solidFill>
+          <a:prstDash val="solid"/>
+        </a:ln>
+      </a:lnStyleLst>
+      <a:effectStyleLst>
+        <a:effectStyle>
+          <a:effectLst>
+            <a:outerShdw blurRad="40000" dist="20000" dir="5400000" rotWithShape="0">
+              <a:srgbClr val="000000">
+                <a:alpha val="38000"/>
+              </a:srgbClr>
+            </a:outerShdw>
+          </a:effectLst>
+        </a:effectStyle>
+        <a:effectStyle>
+          <a:effectLst>
+            <a:outerShdw blurRad="40000" dist="23000" dir="5400000" rotWithShape="0">
+              <a:srgbClr val="000000">
+                <a:alpha val="35000"/>
+              </a:srgbClr>
+            </a:outerShdw>
+          </a:effectLst>
+        </a:effectStyle>
+        <a:effectStyle>
+          <a:effectLst>
+            <a:outerShdw blurRad="40000" dist="23000" dir="5400000" rotWithShape="0">
+              <a:srgbClr val="000000">
+                <a:alpha val="35000"/>
+              </a:srgbClr>
+            </a:outerShdw>
+          </a:effectLst>
+          <a:scene3d>
+            <a:camera prst="orthographicFront">
+              <a:rot lat="0" lon="0" rev="0"/>
+            </a:camera>
+            <a:lightRig rig="threePt" dir="t">
+              <a:rot lat="0" lon="0" rev="1200000"/>
+            </a:lightRig>
+          </a:scene3d>
+          <a:sp3d>
+            <a:bevelT w="63500" h="25400"/>
+          </a:sp3d>
+        </a:effectStyle>
+      </a:effectStyleLst>
+      <a:bgFillStyleLst>
+        <a:solidFill>
+          <a:schemeClr val="phClr"/>
+        </a:solidFill>
+        <a:gradFill rotWithShape="1">
+          <a:gsLst>
+            <a:gs pos="0">
+              <a:schemeClr val="phClr">
+                <a:tint val="40000"/>
+                <a:satMod val="350000"/>
+              </a:schemeClr>
+            </a:gs>
+            <a:gs pos="40000">
+              <a:schemeClr val="phClr">
+                <a:tint val="45000"/>
+                <a:shade val="99000"/>
+                <a:satMod val="350000"/>
+              </a:schemeClr>
+            </a:gs>
+            <a:gs pos="100000">
+              <a:schemeClr val="phClr">
+                <a:shade val="20000"/>
+                <a:satMod val="255000"/>
+              </a:schemeClr>
+            </a:gs>
+          </a:gsLst>
+          <a:path path="circle">
+            <a:fillToRect l="50000" t="-80000" r="50000" b="180000"/>
+          </a:path>
+        </a:gradFill>
+        <a:gradFill rotWithShape="1">
+          <a:gsLst>
+            <a:gs pos="0">
+              <a:schemeClr val="phClr">
+                <a:tint val="80000"/>
+                <a:satMod val="300000"/>
+              </a:schemeClr>
+            </a:gs>
+            <a:gs pos="100000">
+              <a:schemeClr val="phClr">
+                <a:shade val="30000"/>
+                <a:satMod val="200000"/>
+              </a:schemeClr>
+            </a:gs>
+          </a:gsLst>
+          <a:path path="circle">
+            <a:fillToRect l="50000" t="50000" r="50000" b="50000"/>
+          </a:path>
+        </a:gradFill>
+      </a:bgFillStyleLst>
+    </a:fmtScheme>
+  </a:themeElements>
+  <a:objectDefaults/>
+  <a:extraClrSchemeLst/>
+</a:theme>
 </file>
 
-<file path=ppt/theme/theme1.xml><?xml version="1.0" encoding="utf-8"?>
-<a:theme xmlns:a="http://schemas.openxmlformats.org/drawingml/2006/main" xmlns:r="http://schemas.openxmlformats.org/officeDocument/2006/relationships">
+<file path=ppt/theme/theme2.xml><?xml version="1.0" encoding="utf-8"?>
+<a:theme xmlns:a="http://schemas.openxmlformats.org/drawingml/2006/main">
   <a:themeElements>
     <a:clrScheme name="Default">
       <a:dk1>
@@ -8775,284 +9519,7 @@
       </a:bgFillStyleLst>
     </a:fmtScheme>
   </a:themeElements>
-</a:theme>
-</file>
-
-<file path=ppt/theme/theme2.xml><?xml version="1.0" encoding="utf-8"?>
-<a:theme xmlns:a="http://schemas.openxmlformats.org/drawingml/2006/main" xmlns:r="http://schemas.openxmlformats.org/officeDocument/2006/relationships" name="Simple Light">
-  <a:themeElements>
-    <a:clrScheme name="Simple Light">
-      <a:dk1>
-        <a:srgbClr val="000000"/>
-      </a:dk1>
-      <a:lt1>
-        <a:srgbClr val="FFFFFF"/>
-      </a:lt1>
-      <a:dk2>
-        <a:srgbClr val="595959"/>
-      </a:dk2>
-      <a:lt2>
-        <a:srgbClr val="EEEEEE"/>
-      </a:lt2>
-      <a:accent1>
-        <a:srgbClr val="FFAB40"/>
-      </a:accent1>
-      <a:accent2>
-        <a:srgbClr val="212121"/>
-      </a:accent2>
-      <a:accent3>
-        <a:srgbClr val="78909C"/>
-      </a:accent3>
-      <a:accent4>
-        <a:srgbClr val="FFAB40"/>
-      </a:accent4>
-      <a:accent5>
-        <a:srgbClr val="0097A7"/>
-      </a:accent5>
-      <a:accent6>
-        <a:srgbClr val="EEFF41"/>
-      </a:accent6>
-      <a:hlink>
-        <a:srgbClr val="0097A7"/>
-      </a:hlink>
-      <a:folHlink>
-        <a:srgbClr val="0097A7"/>
-      </a:folHlink>
-    </a:clrScheme>
-    <a:fontScheme name="Office">
-      <a:majorFont>
-        <a:latin typeface="Arial"/>
-        <a:ea typeface=""/>
-        <a:cs typeface=""/>
-        <a:font script="Jpan" typeface="ＭＳ Ｐゴシック"/>
-        <a:font script="Hang" typeface="맑은 고딕"/>
-        <a:font script="Hans" typeface="宋体"/>
-        <a:font script="Hant" typeface="新細明體"/>
-        <a:font script="Arab" typeface="Times New Roman"/>
-        <a:font script="Hebr" typeface="Times New Roman"/>
-        <a:font script="Thai" typeface="Angsana New"/>
-        <a:font script="Ethi" typeface="Nyala"/>
-        <a:font script="Beng" typeface="Vrinda"/>
-        <a:font script="Gujr" typeface="Shruti"/>
-        <a:font script="Khmr" typeface="MoolBoran"/>
-        <a:font script="Knda" typeface="Tunga"/>
-        <a:font script="Guru" typeface="Raavi"/>
-        <a:font script="Cans" typeface="Euphemia"/>
-        <a:font script="Cher" typeface="Plantagenet Cherokee"/>
-        <a:font script="Yiii" typeface="Microsoft Yi Baiti"/>
-        <a:font script="Tibt" typeface="Microsoft Himalaya"/>
-        <a:font script="Thaa" typeface="MV Boli"/>
-        <a:font script="Deva" typeface="Mangal"/>
-        <a:font script="Telu" typeface="Gautami"/>
-        <a:font script="Taml" typeface="Latha"/>
-        <a:font script="Syrc" typeface="Estrangelo Edessa"/>
-        <a:font script="Orya" typeface="Kalinga"/>
-        <a:font script="Mlym" typeface="Kartika"/>
-        <a:font script="Laoo" typeface="DokChampa"/>
-        <a:font script="Sinh" typeface="Iskoola Pota"/>
-        <a:font script="Mong" typeface="Mongolian Baiti"/>
-        <a:font script="Viet" typeface="Times New Roman"/>
-        <a:font script="Uigh" typeface="Microsoft Uighur"/>
-        <a:font script="Geor" typeface="Sylfaen"/>
-      </a:majorFont>
-      <a:minorFont>
-        <a:latin typeface="Arial"/>
-        <a:ea typeface=""/>
-        <a:cs typeface=""/>
-        <a:font script="Jpan" typeface="ＭＳ Ｐゴシック"/>
-        <a:font script="Hang" typeface="맑은 고딕"/>
-        <a:font script="Hans" typeface="宋体"/>
-        <a:font script="Hant" typeface="新細明體"/>
-        <a:font script="Arab" typeface="Arial"/>
-        <a:font script="Hebr" typeface="Arial"/>
-        <a:font script="Thai" typeface="Cordia New"/>
-        <a:font script="Ethi" typeface="Nyala"/>
-        <a:font script="Beng" typeface="Vrinda"/>
-        <a:font script="Gujr" typeface="Shruti"/>
-        <a:font script="Khmr" typeface="DaunPenh"/>
-        <a:font script="Knda" typeface="Tunga"/>
-        <a:font script="Guru" typeface="Raavi"/>
-        <a:font script="Cans" typeface="Euphemia"/>
-        <a:font script="Cher" typeface="Plantagenet Cherokee"/>
-        <a:font script="Yiii" typeface="Microsoft Yi Baiti"/>
-        <a:font script="Tibt" typeface="Microsoft Himalaya"/>
-        <a:font script="Thaa" typeface="MV Boli"/>
-        <a:font script="Deva" typeface="Mangal"/>
-        <a:font script="Telu" typeface="Gautami"/>
-        <a:font script="Taml" typeface="Latha"/>
-        <a:font script="Syrc" typeface="Estrangelo Edessa"/>
-        <a:font script="Orya" typeface="Kalinga"/>
-        <a:font script="Mlym" typeface="Kartika"/>
-        <a:font script="Laoo" typeface="DokChampa"/>
-        <a:font script="Sinh" typeface="Iskoola Pota"/>
-        <a:font script="Mong" typeface="Mongolian Baiti"/>
-        <a:font script="Viet" typeface="Arial"/>
-        <a:font script="Uigh" typeface="Microsoft Uighur"/>
-        <a:font script="Geor" typeface="Sylfaen"/>
-      </a:minorFont>
-    </a:fontScheme>
-    <a:fmtScheme name="Office">
-      <a:fillStyleLst>
-        <a:solidFill>
-          <a:schemeClr val="phClr"/>
-        </a:solidFill>
-        <a:gradFill rotWithShape="1">
-          <a:gsLst>
-            <a:gs pos="0">
-              <a:schemeClr val="phClr">
-                <a:tint val="50000"/>
-                <a:satMod val="300000"/>
-              </a:schemeClr>
-            </a:gs>
-            <a:gs pos="35000">
-              <a:schemeClr val="phClr">
-                <a:tint val="37000"/>
-                <a:satMod val="300000"/>
-              </a:schemeClr>
-            </a:gs>
-            <a:gs pos="100000">
-              <a:schemeClr val="phClr">
-                <a:tint val="15000"/>
-                <a:satMod val="350000"/>
-              </a:schemeClr>
-            </a:gs>
-          </a:gsLst>
-          <a:lin ang="16200000" scaled="1"/>
-        </a:gradFill>
-        <a:gradFill rotWithShape="1">
-          <a:gsLst>
-            <a:gs pos="0">
-              <a:schemeClr val="phClr">
-                <a:tint val="100000"/>
-                <a:shade val="100000"/>
-                <a:satMod val="130000"/>
-              </a:schemeClr>
-            </a:gs>
-            <a:gs pos="100000">
-              <a:schemeClr val="phClr">
-                <a:tint val="50000"/>
-                <a:shade val="100000"/>
-                <a:satMod val="350000"/>
-              </a:schemeClr>
-            </a:gs>
-          </a:gsLst>
-          <a:lin ang="16200000" scaled="0"/>
-        </a:gradFill>
-      </a:fillStyleLst>
-      <a:lnStyleLst>
-        <a:ln w="9525" cap="flat" cmpd="sng" algn="ctr">
-          <a:solidFill>
-            <a:schemeClr val="phClr">
-              <a:shade val="95000"/>
-              <a:satMod val="105000"/>
-            </a:schemeClr>
-          </a:solidFill>
-          <a:prstDash val="solid"/>
-        </a:ln>
-        <a:ln w="25400" cap="flat" cmpd="sng" algn="ctr">
-          <a:solidFill>
-            <a:schemeClr val="phClr"/>
-          </a:solidFill>
-          <a:prstDash val="solid"/>
-        </a:ln>
-        <a:ln w="38100" cap="flat" cmpd="sng" algn="ctr">
-          <a:solidFill>
-            <a:schemeClr val="phClr"/>
-          </a:solidFill>
-          <a:prstDash val="solid"/>
-        </a:ln>
-      </a:lnStyleLst>
-      <a:effectStyleLst>
-        <a:effectStyle>
-          <a:effectLst>
-            <a:outerShdw blurRad="40000" dist="20000" dir="5400000" rotWithShape="0">
-              <a:srgbClr val="000000">
-                <a:alpha val="38000"/>
-              </a:srgbClr>
-            </a:outerShdw>
-          </a:effectLst>
-        </a:effectStyle>
-        <a:effectStyle>
-          <a:effectLst>
-            <a:outerShdw blurRad="40000" dist="23000" dir="5400000" rotWithShape="0">
-              <a:srgbClr val="000000">
-                <a:alpha val="35000"/>
-              </a:srgbClr>
-            </a:outerShdw>
-          </a:effectLst>
-        </a:effectStyle>
-        <a:effectStyle>
-          <a:effectLst>
-            <a:outerShdw blurRad="40000" dist="23000" dir="5400000" rotWithShape="0">
-              <a:srgbClr val="000000">
-                <a:alpha val="35000"/>
-              </a:srgbClr>
-            </a:outerShdw>
-          </a:effectLst>
-          <a:scene3d>
-            <a:camera prst="orthographicFront">
-              <a:rot lat="0" lon="0" rev="0"/>
-            </a:camera>
-            <a:lightRig rig="threePt" dir="t">
-              <a:rot lat="0" lon="0" rev="1200000"/>
-            </a:lightRig>
-          </a:scene3d>
-          <a:sp3d>
-            <a:bevelT w="63500" h="25400"/>
-          </a:sp3d>
-        </a:effectStyle>
-      </a:effectStyleLst>
-      <a:bgFillStyleLst>
-        <a:solidFill>
-          <a:schemeClr val="phClr"/>
-        </a:solidFill>
-        <a:gradFill rotWithShape="1">
-          <a:gsLst>
-            <a:gs pos="0">
-              <a:schemeClr val="phClr">
-                <a:tint val="40000"/>
-                <a:satMod val="350000"/>
-              </a:schemeClr>
-            </a:gs>
-            <a:gs pos="40000">
-              <a:schemeClr val="phClr">
-                <a:tint val="45000"/>
-                <a:shade val="99000"/>
-                <a:satMod val="350000"/>
-              </a:schemeClr>
-            </a:gs>
-            <a:gs pos="100000">
-              <a:schemeClr val="phClr">
-                <a:shade val="20000"/>
-                <a:satMod val="255000"/>
-              </a:schemeClr>
-            </a:gs>
-          </a:gsLst>
-          <a:path path="circle">
-            <a:fillToRect l="50000" t="-80000" r="50000" b="180000"/>
-          </a:path>
-        </a:gradFill>
-        <a:gradFill rotWithShape="1">
-          <a:gsLst>
-            <a:gs pos="0">
-              <a:schemeClr val="phClr">
-                <a:tint val="80000"/>
-                <a:satMod val="300000"/>
-              </a:schemeClr>
-            </a:gs>
-            <a:gs pos="100000">
-              <a:schemeClr val="phClr">
-                <a:shade val="30000"/>
-                <a:satMod val="200000"/>
-              </a:schemeClr>
-            </a:gs>
-          </a:gsLst>
-          <a:path path="circle">
-            <a:fillToRect l="50000" t="50000" r="50000" b="50000"/>
-          </a:path>
-        </a:gradFill>
-      </a:bgFillStyleLst>
-    </a:fmtScheme>
-  </a:themeElements>
+  <a:objectDefaults/>
+  <a:extraClrSchemeLst/>
 </a:theme>
 </file>
--- a/units/11/lessons/3/resources/petascale-lesson-11.3-slides.pptx
+++ b/units/11/lessons/3/resources/petascale-lesson-11.3-slides.pptx
@@ -6741,15 +6741,7 @@
                 <a:ea typeface="Times New Roman" charset="0"/>
                 <a:cs typeface="Times New Roman" charset="0"/>
               </a:rPr>
-              <a:t>Blue Waters Petascale</a:t>
-            </a:r>
-            <a:r>
-              <a:rPr lang="en-US" sz="2700" b="1" dirty="0">
-                <a:latin typeface="Times New Roman" charset="0"/>
-                <a:ea typeface="Times New Roman" charset="0"/>
-                <a:cs typeface="Times New Roman" charset="0"/>
-              </a:rPr>
-              <a:t> Semester Curriculum v1.0</a:t>
+              <a:t>Blue Waters Petascale Semester Curriculum v1.0</a:t>
             </a:r>
             <a:r>
               <a:rPr lang="en-US" sz="2700" dirty="0">
@@ -6857,23 +6849,7 @@
                 <a:ea typeface="Times New Roman" charset="0"/>
                 <a:cs typeface="Times New Roman" charset="0"/>
               </a:rPr>
-              <a:t>Developed </a:t>
-            </a:r>
-            <a:r>
-              <a:rPr lang="en-US" sz="2700" i="1" dirty="0">
-                <a:latin typeface="Times New Roman" charset="0"/>
-                <a:ea typeface="Times New Roman" charset="0"/>
-                <a:cs typeface="Times New Roman" charset="0"/>
-              </a:rPr>
-              <a:t>by </a:t>
-            </a:r>
-            <a:r>
-              <a:rPr lang="en-US" sz="2700" i="1" dirty="0">
-                <a:latin typeface="Times New Roman" charset="0"/>
-                <a:ea typeface="Times New Roman" charset="0"/>
-                <a:cs typeface="Times New Roman" charset="0"/>
-              </a:rPr>
-              <a:t>Marc </a:t>
+              <a:t>Developed by Marc </a:t>
             </a:r>
             <a:r>
               <a:rPr lang="en-US" sz="2700" i="1" dirty="0" err="1" smtClean="0">
@@ -6882,6 +6858,22 @@
                 <a:cs typeface="Times New Roman" charset="0"/>
               </a:rPr>
               <a:t>Gagné</a:t>
+            </a:r>
+            <a:r>
+              <a:rPr lang="en-US" sz="2700" i="1" dirty="0" smtClean="0">
+                <a:latin typeface="Times New Roman" charset="0"/>
+                <a:ea typeface="Times New Roman" charset="0"/>
+                <a:cs typeface="Times New Roman" charset="0"/>
+              </a:rPr>
+              <a:t> and </a:t>
+            </a:r>
+            <a:r>
+              <a:rPr lang="en-US" sz="2700" i="1" smtClean="0">
+                <a:latin typeface="Times New Roman" charset="0"/>
+                <a:ea typeface="Times New Roman" charset="0"/>
+                <a:cs typeface="Times New Roman" charset="0"/>
+              </a:rPr>
+              <a:t>Roman Voronov</a:t>
             </a:r>
             <a:r>
               <a:rPr lang="en-US" sz="2700" i="1" dirty="0">

--- a/units/11/lessons/3/resources/petascale-lesson-11.3-slides.pptx
+++ b/units/11/lessons/3/resources/petascale-lesson-11.3-slides.pptx
@@ -9,7 +9,7 @@
   </p:notesMasterIdLst>
   <p:sldIdLst>
     <p:sldId id="268" r:id="rId2"/>
-    <p:sldId id="269" r:id="rId3"/>
+    <p:sldId id="270" r:id="rId3"/>
     <p:sldId id="257" r:id="rId4"/>
     <p:sldId id="258" r:id="rId5"/>
     <p:sldId id="259" r:id="rId6"/>
@@ -7597,7 +7597,7 @@
         </p:nvSpPr>
         <p:spPr>
           <a:xfrm>
-            <a:off x="566059" y="0"/>
+            <a:off x="566057" y="0"/>
             <a:ext cx="8011886" cy="5143500"/>
           </a:xfrm>
         </p:spPr>
@@ -7644,7 +7644,23 @@
                 <a:ea typeface="Times New Roman" charset="0"/>
                 <a:cs typeface="Times New Roman" charset="0"/>
               </a:rPr>
-              <a:t>CC BY-NC 4.0. To view a copy of this license, visit </a:t>
+              <a:t>CC </a:t>
+            </a:r>
+            <a:r>
+              <a:rPr lang="en-US" sz="2100" dirty="0" smtClean="0">
+                <a:latin typeface="Times New Roman" charset="0"/>
+                <a:ea typeface="Times New Roman" charset="0"/>
+                <a:cs typeface="Times New Roman" charset="0"/>
+              </a:rPr>
+              <a:t>BY-SA </a:t>
+            </a:r>
+            <a:r>
+              <a:rPr lang="en-US" sz="2100" dirty="0">
+                <a:latin typeface="Times New Roman" charset="0"/>
+                <a:ea typeface="Times New Roman" charset="0"/>
+                <a:cs typeface="Times New Roman" charset="0"/>
+              </a:rPr>
+              <a:t>4.0. To view a copy of this license, visit </a:t>
             </a:r>
             <a:r>
               <a:rPr lang="en-US" sz="2100" dirty="0">
@@ -7653,7 +7669,16 @@
                 <a:cs typeface="Times New Roman" charset="0"/>
                 <a:hlinkClick r:id="rId2"/>
               </a:rPr>
-              <a:t>https://creativecommons.org/licenses/by-nc/4.0</a:t>
+              <a:t>https://</a:t>
+            </a:r>
+            <a:r>
+              <a:rPr lang="en-US" sz="2100" dirty="0" smtClean="0">
+                <a:latin typeface="Times New Roman" charset="0"/>
+                <a:ea typeface="Times New Roman" charset="0"/>
+                <a:cs typeface="Times New Roman" charset="0"/>
+                <a:hlinkClick r:id="rId2"/>
+              </a:rPr>
+              <a:t>creativecommons.org/licenses/by-sa/4.0</a:t>
             </a:r>
             <a:r>
               <a:rPr lang="en-US" sz="2100" dirty="0">
@@ -7807,20 +7832,13 @@
     </p:spTree>
     <p:extLst>
       <p:ext uri="{BB962C8B-B14F-4D97-AF65-F5344CB8AC3E}">
-        <p14:creationId xmlns:p14="http://schemas.microsoft.com/office/powerpoint/2010/main" val="302022988"/>
+        <p14:creationId xmlns:p14="http://schemas.microsoft.com/office/powerpoint/2010/main" val="859852800"/>
       </p:ext>
     </p:extLst>
   </p:cSld>
   <p:clrMapOvr>
     <a:masterClrMapping/>
   </p:clrMapOvr>
-  <p:timing>
-    <p:tnLst>
-      <p:par>
-        <p:cTn id="1" dur="indefinite" restart="never" nodeType="tmRoot"/>
-      </p:par>
-    </p:tnLst>
-  </p:timing>
 </p:sld>
 </file>
 

--- a/units/11/lessons/3/resources/petascale-lesson-11.3-slides.pptx
+++ b/units/11/lessons/3/resources/petascale-lesson-11.3-slides.pptx
@@ -1555,7 +1555,7 @@
         </p:nvSpPr>
         <p:spPr>
           <a:xfrm>
-            <a:off x="381300" y="685800"/>
+            <a:off x="381000" y="685800"/>
             <a:ext cx="6096000" cy="3429000"/>
           </a:xfrm>
           <a:custGeom>
@@ -1867,7 +1867,7 @@
         </p:nvSpPr>
         <p:spPr>
           <a:xfrm>
-            <a:off x="381300" y="685800"/>
+            <a:off x="381000" y="685800"/>
             <a:ext cx="6096000" cy="3429000"/>
           </a:xfrm>
           <a:custGeom>
@@ -6743,14 +6743,6 @@
               </a:rPr>
               <a:t>Blue Waters Petascale Semester Curriculum v1.0</a:t>
             </a:r>
-            <a:r>
-              <a:rPr lang="en-US" sz="2700" dirty="0">
-                <a:latin typeface="Times New Roman" charset="0"/>
-                <a:ea typeface="Times New Roman" charset="0"/>
-                <a:cs typeface="Times New Roman" charset="0"/>
-              </a:rPr>
-              <a:t/>
-            </a:r>
             <a:br>
               <a:rPr lang="en-US" sz="2700" dirty="0">
                 <a:latin typeface="Times New Roman" charset="0"/>
@@ -6764,34 +6756,10 @@
                 <a:ea typeface="Times New Roman" charset="0"/>
                 <a:cs typeface="Times New Roman" charset="0"/>
               </a:rPr>
-              <a:t>Unit </a:t>
-            </a:r>
-            <a:r>
-              <a:rPr lang="en-US" sz="2700" b="1" dirty="0" smtClean="0">
-                <a:latin typeface="Times New Roman" charset="0"/>
-                <a:ea typeface="Times New Roman" charset="0"/>
-                <a:cs typeface="Times New Roman" charset="0"/>
-              </a:rPr>
-              <a:t>11</a:t>
-            </a:r>
-            <a:r>
-              <a:rPr lang="en-US" sz="2700" b="1" dirty="0">
-                <a:latin typeface="Times New Roman" charset="0"/>
-                <a:ea typeface="Times New Roman" charset="0"/>
-                <a:cs typeface="Times New Roman" charset="0"/>
-              </a:rPr>
-              <a:t>: Domain Science: Astrophysical Fluid </a:t>
-            </a:r>
-            <a:r>
-              <a:rPr lang="en-US" sz="2700" b="1" dirty="0" smtClean="0">
-                <a:latin typeface="Times New Roman" charset="0"/>
-                <a:ea typeface="Times New Roman" charset="0"/>
-                <a:cs typeface="Times New Roman" charset="0"/>
-              </a:rPr>
-              <a:t/>
+              <a:t>Unit 11: Domain Science: Astrophysical Fluid </a:t>
             </a:r>
             <a:br>
-              <a:rPr lang="en-US" sz="2700" b="1" dirty="0" smtClean="0">
+              <a:rPr lang="en-US" sz="2700" b="1" dirty="0">
                 <a:latin typeface="Times New Roman" charset="0"/>
                 <a:ea typeface="Times New Roman" charset="0"/>
                 <a:cs typeface="Times New Roman" charset="0"/>
@@ -6803,23 +6771,7 @@
                 <a:ea typeface="Times New Roman" charset="0"/>
                 <a:cs typeface="Times New Roman" charset="0"/>
               </a:rPr>
-              <a:t> </a:t>
-            </a:r>
-            <a:r>
-              <a:rPr lang="en-US" sz="2700" b="1" dirty="0" smtClean="0">
-                <a:latin typeface="Times New Roman" charset="0"/>
-                <a:ea typeface="Times New Roman" charset="0"/>
-                <a:cs typeface="Times New Roman" charset="0"/>
-              </a:rPr>
-              <a:t>    Dynamics</a:t>
-            </a:r>
-            <a:r>
-              <a:rPr lang="en-US" sz="2700" b="1" dirty="0">
-                <a:latin typeface="Times New Roman" charset="0"/>
-                <a:ea typeface="Times New Roman" charset="0"/>
-                <a:cs typeface="Times New Roman" charset="0"/>
-              </a:rPr>
-              <a:t/>
+              <a:t>     Dynamics</a:t>
             </a:r>
             <a:br>
               <a:rPr lang="en-US" sz="2700" b="1" dirty="0">
@@ -6852,7 +6804,7 @@
               <a:t>Developed by Marc </a:t>
             </a:r>
             <a:r>
-              <a:rPr lang="en-US" sz="2700" i="1" dirty="0" err="1" smtClean="0">
+              <a:rPr lang="en-US" sz="2700" i="1" dirty="0" err="1">
                 <a:latin typeface="Times New Roman" charset="0"/>
                 <a:ea typeface="Times New Roman" charset="0"/>
                 <a:cs typeface="Times New Roman" charset="0"/>
@@ -6860,7 +6812,7 @@
               <a:t>Gagné</a:t>
             </a:r>
             <a:r>
-              <a:rPr lang="en-US" sz="2700" i="1" dirty="0" smtClean="0">
+              <a:rPr lang="en-US" sz="2700" i="1" dirty="0">
                 <a:latin typeface="Times New Roman" charset="0"/>
                 <a:ea typeface="Times New Roman" charset="0"/>
                 <a:cs typeface="Times New Roman" charset="0"/>
@@ -6868,20 +6820,12 @@
               <a:t> and </a:t>
             </a:r>
             <a:r>
-              <a:rPr lang="en-US" sz="2700" i="1" smtClean="0">
+              <a:rPr lang="en-US" sz="2700" i="1">
                 <a:latin typeface="Times New Roman" charset="0"/>
                 <a:ea typeface="Times New Roman" charset="0"/>
                 <a:cs typeface="Times New Roman" charset="0"/>
               </a:rPr>
               <a:t>Roman Voronov</a:t>
-            </a:r>
-            <a:r>
-              <a:rPr lang="en-US" sz="2700" i="1" dirty="0">
-                <a:latin typeface="Times New Roman" charset="0"/>
-                <a:ea typeface="Times New Roman" charset="0"/>
-                <a:cs typeface="Times New Roman" charset="0"/>
-              </a:rPr>
-              <a:t/>
             </a:r>
             <a:br>
               <a:rPr lang="en-US" sz="2700" i="1" dirty="0">
@@ -6911,13 +6855,6 @@
   <p:clrMapOvr>
     <a:masterClrMapping/>
   </p:clrMapOvr>
-  <p:timing>
-    <p:tnLst>
-      <p:par>
-        <p:cTn id="1" dur="indefinite" restart="never" nodeType="tmRoot"/>
-      </p:par>
-    </p:tnLst>
-  </p:timing>
 </p:sld>
 </file>
 
@@ -7015,10 +6952,10 @@
               <a:buNone/>
             </a:pPr>
             <a:r>
-              <a:rPr lang="en"/>
+              <a:rPr lang="en" dirty="0"/>
               <a:t>Even though these equations were written down nearly 200 years ago, why they work, and whether they always work, is not known. One of the Clay Mathematics Institute Millennium Prizes is devoted to this very problem.</a:t>
             </a:r>
-            <a:endParaRPr/>
+            <a:endParaRPr dirty="0"/>
           </a:p>
           <a:p>
             <a:pPr marL="0" lvl="0" indent="0" algn="l" rtl="0">
@@ -7026,35 +6963,19 @@
                 <a:spcPts val="1600"/>
               </a:spcBef>
               <a:spcAft>
-                <a:spcPts val="0"/>
+                <a:spcPts val="1600"/>
               </a:spcAft>
               <a:buNone/>
             </a:pPr>
             <a:r>
-              <a:rPr lang="en"/>
-              <a:t>“The challenge is to make substantial progress toward a mathematical theory which will unlock the secrets hidden in the Navier-Stokes equations.”</a:t>
-            </a:r>
-            <a:endParaRPr/>
-          </a:p>
-          <a:p>
-            <a:pPr marL="0" lvl="0" indent="0" algn="l" rtl="0">
-              <a:spcBef>
-                <a:spcPts val="1600"/>
-              </a:spcBef>
-              <a:spcAft>
-                <a:spcPts val="1600"/>
-              </a:spcAft>
-              <a:buNone/>
-            </a:pPr>
-            <a:r>
-              <a:rPr lang="en"/>
+              <a:rPr lang="en" dirty="0"/>
               <a:t>For details:</a:t>
             </a:r>
             <a:br>
-              <a:rPr lang="en"/>
+              <a:rPr lang="en" dirty="0"/>
             </a:br>
             <a:r>
-              <a:rPr lang="en" u="sng">
+              <a:rPr lang="en" u="sng" dirty="0">
                 <a:solidFill>
                   <a:schemeClr val="hlink"/>
                 </a:solidFill>
@@ -7062,7 +6983,7 @@
               </a:rPr>
               <a:t>EXISTENCE AND SMOOTHNESS OF THE NAVIER–STOKES EQUATION</a:t>
             </a:r>
-            <a:endParaRPr/>
+            <a:endParaRPr dirty="0"/>
           </a:p>
         </p:txBody>
       </p:sp>
@@ -7644,23 +7565,7 @@
                 <a:ea typeface="Times New Roman" charset="0"/>
                 <a:cs typeface="Times New Roman" charset="0"/>
               </a:rPr>
-              <a:t>CC </a:t>
-            </a:r>
-            <a:r>
-              <a:rPr lang="en-US" sz="2100" dirty="0" smtClean="0">
-                <a:latin typeface="Times New Roman" charset="0"/>
-                <a:ea typeface="Times New Roman" charset="0"/>
-                <a:cs typeface="Times New Roman" charset="0"/>
-              </a:rPr>
-              <a:t>BY-SA </a:t>
-            </a:r>
-            <a:r>
-              <a:rPr lang="en-US" sz="2100" dirty="0">
-                <a:latin typeface="Times New Roman" charset="0"/>
-                <a:ea typeface="Times New Roman" charset="0"/>
-                <a:cs typeface="Times New Roman" charset="0"/>
-              </a:rPr>
-              <a:t>4.0. To view a copy of this license, visit </a:t>
+              <a:t>CC BY-SA 4.0. To view a copy of this license, visit </a:t>
             </a:r>
             <a:r>
               <a:rPr lang="en-US" sz="2100" dirty="0">
@@ -7669,24 +7574,7 @@
                 <a:cs typeface="Times New Roman" charset="0"/>
                 <a:hlinkClick r:id="rId2"/>
               </a:rPr>
-              <a:t>https://</a:t>
-            </a:r>
-            <a:r>
-              <a:rPr lang="en-US" sz="2100" dirty="0" smtClean="0">
-                <a:latin typeface="Times New Roman" charset="0"/>
-                <a:ea typeface="Times New Roman" charset="0"/>
-                <a:cs typeface="Times New Roman" charset="0"/>
-                <a:hlinkClick r:id="rId2"/>
-              </a:rPr>
-              <a:t>creativecommons.org/licenses/by-sa/4.0</a:t>
-            </a:r>
-            <a:r>
-              <a:rPr lang="en-US" sz="2100" dirty="0">
-                <a:latin typeface="Times New Roman" charset="0"/>
-                <a:ea typeface="Times New Roman" charset="0"/>
-                <a:cs typeface="Times New Roman" charset="0"/>
-              </a:rPr>
-              <a:t/>
+              <a:t>https://creativecommons.org/licenses/by-sa/4.0</a:t>
             </a:r>
             <a:br>
               <a:rPr lang="en-US" sz="2100" dirty="0">
@@ -7695,14 +7583,6 @@
                 <a:cs typeface="Times New Roman" charset="0"/>
               </a:rPr>
             </a:br>
-            <a:r>
-              <a:rPr lang="en-US" sz="2100" dirty="0">
-                <a:latin typeface="Times New Roman" charset="0"/>
-                <a:ea typeface="Times New Roman" charset="0"/>
-                <a:cs typeface="Times New Roman" charset="0"/>
-              </a:rPr>
-              <a:t/>
-            </a:r>
             <a:br>
               <a:rPr lang="en-US" sz="2100" dirty="0">
                 <a:latin typeface="Times New Roman" charset="0"/>
@@ -7727,14 +7607,6 @@
               </a:rPr>
               <a:t>http://shodor.org/petascale/materials/semester-curriculum</a:t>
             </a:r>
-            <a:r>
-              <a:rPr lang="en-US" sz="2100" dirty="0">
-                <a:latin typeface="Times New Roman" charset="0"/>
-                <a:ea typeface="Times New Roman" charset="0"/>
-                <a:cs typeface="Times New Roman" charset="0"/>
-              </a:rPr>
-              <a:t/>
-            </a:r>
             <a:br>
               <a:rPr lang="en-US" sz="2100" dirty="0">
                 <a:latin typeface="Times New Roman" charset="0"/>
@@ -7742,14 +7614,6 @@
                 <a:cs typeface="Times New Roman" charset="0"/>
               </a:rPr>
             </a:br>
-            <a:r>
-              <a:rPr lang="en-US" sz="2100" dirty="0">
-                <a:latin typeface="Times New Roman" charset="0"/>
-                <a:ea typeface="Times New Roman" charset="0"/>
-                <a:cs typeface="Times New Roman" charset="0"/>
-              </a:rPr>
-              <a:t/>
-            </a:r>
             <a:br>
               <a:rPr lang="en-US" sz="2100" dirty="0">
                 <a:latin typeface="Times New Roman" charset="0"/>
@@ -7774,14 +7638,6 @@
               </a:rPr>
               <a:t>https://github.com/shodor-education/petascale-semester-curriculum</a:t>
             </a:r>
-            <a:r>
-              <a:rPr lang="en-US" sz="2100" dirty="0">
-                <a:latin typeface="Times New Roman" charset="0"/>
-                <a:ea typeface="Times New Roman" charset="0"/>
-                <a:cs typeface="Times New Roman" charset="0"/>
-              </a:rPr>
-              <a:t/>
-            </a:r>
             <a:br>
               <a:rPr lang="en-US" sz="2100" dirty="0">
                 <a:latin typeface="Times New Roman" charset="0"/>
@@ -7789,14 +7645,6 @@
                 <a:cs typeface="Times New Roman" charset="0"/>
               </a:rPr>
             </a:br>
-            <a:r>
-              <a:rPr lang="en-US" sz="2100" dirty="0">
-                <a:latin typeface="Times New Roman" charset="0"/>
-                <a:ea typeface="Times New Roman" charset="0"/>
-                <a:cs typeface="Times New Roman" charset="0"/>
-              </a:rPr>
-              <a:t/>
-            </a:r>
             <a:br>
               <a:rPr lang="en-US" sz="2100" dirty="0">
                 <a:latin typeface="Times New Roman" charset="0"/>
@@ -7937,10 +7785,10 @@
               <a:buChar char="●"/>
             </a:pPr>
             <a:r>
-              <a:rPr lang="en"/>
+              <a:rPr lang="en" dirty="0"/>
               <a:t>Fundamentally, physical interactions on many scales, from blood flow within vesicles, to plasma flows on the scales of clusters of galaxies are dictated by collisions between atomic particles. For a hundred years now, we have known that these interactions are governed by quantum mechanics on the microscopic scale. But how do we realistically model these flows on macroscopic scales?</a:t>
             </a:r>
-            <a:endParaRPr/>
+            <a:endParaRPr dirty="0"/>
           </a:p>
           <a:p>
             <a:pPr marL="457200" lvl="0" indent="-342900" algn="l" rtl="0">
@@ -7954,10 +7802,10 @@
               <a:buChar char="●"/>
             </a:pPr>
             <a:r>
-              <a:rPr lang="en"/>
+              <a:rPr lang="en" dirty="0"/>
               <a:t>If we take a classical, deterministic approach to these problems, we can solve a range of macroscopic problems accurately, provided we can describe the large number of colliding particles as a fluid.</a:t>
             </a:r>
-            <a:endParaRPr/>
+            <a:endParaRPr dirty="0"/>
           </a:p>
         </p:txBody>
       </p:sp>
@@ -8393,13 +8241,13 @@
               <a:buChar char="●"/>
             </a:pPr>
             <a:r>
-              <a:rPr lang="en" sz="1600"/>
+              <a:rPr lang="en" sz="1600" dirty="0"/>
               <a:t>So now we have a bunch of gas with a temperature 𝑇 and number density 𝑛. If we can determine the average mass of the particles, which we’ll call 𝜇, the mean molecular mass, then the mass density is 𝜌 = 𝜇𝑛 and the pressure of the ideal gas is 𝑃 = 𝑛𝑅𝑇 = 𝜌𝑅𝑇 / 𝜇. 𝑅 is the gas constant from your high-school chemistry class.</a:t>
             </a:r>
             <a:br>
-              <a:rPr lang="en" sz="1600"/>
+              <a:rPr lang="en" sz="1600" dirty="0"/>
             </a:br>
-            <a:endParaRPr sz="1600"/>
+            <a:endParaRPr sz="1600" dirty="0"/>
           </a:p>
           <a:p>
             <a:pPr marL="457200" lvl="0" indent="-330200" algn="l" rtl="0">
@@ -8413,10 +8261,10 @@
               <a:buChar char="●"/>
             </a:pPr>
             <a:r>
-              <a:rPr lang="en" sz="1600"/>
+              <a:rPr lang="en" sz="1600" dirty="0"/>
               <a:t>The pressure is a measure of the force per unit area - think of the force a warm gas exerts on the wall of a container. But the pressure is also directly related to the energy density - the amount of internal energy in the gas per unit volume. The exact scaling between internal energy and pressure depends on the nature of the ideal gas, and the thermodynamic process being considered (isobaric, isothermal, adiabatic, etc.)</a:t>
             </a:r>
-            <a:endParaRPr sz="1600"/>
+            <a:endParaRPr sz="1600" dirty="0"/>
           </a:p>
         </p:txBody>
       </p:sp>
@@ -8550,88 +8398,6 @@
           </a:p>
         </p:txBody>
       </p:sp>
-      <p:pic>
-        <p:nvPicPr>
-          <p:cNvPr id="86" name="Google Shape;86;p18"/>
-          <p:cNvPicPr preferRelativeResize="0"/>
-          <p:nvPr/>
-        </p:nvPicPr>
-        <p:blipFill rotWithShape="1">
-          <a:blip r:embed="rId3">
-            <a:alphaModFix/>
-          </a:blip>
-          <a:srcRect t="11700" b="3510"/>
-          <a:stretch/>
-        </p:blipFill>
-        <p:spPr>
-          <a:xfrm>
-            <a:off x="2249200" y="3325675"/>
-            <a:ext cx="4044100" cy="1243200"/>
-          </a:xfrm>
-          <a:prstGeom prst="rect">
-            <a:avLst/>
-          </a:prstGeom>
-          <a:noFill/>
-          <a:ln>
-            <a:noFill/>
-          </a:ln>
-        </p:spPr>
-      </p:pic>
-      <p:sp>
-        <p:nvSpPr>
-          <p:cNvPr id="87" name="Google Shape;87;p18"/>
-          <p:cNvSpPr txBox="1"/>
-          <p:nvPr/>
-        </p:nvSpPr>
-        <p:spPr>
-          <a:xfrm>
-            <a:off x="163550" y="4675725"/>
-            <a:ext cx="8743200" cy="335400"/>
-          </a:xfrm>
-          <a:prstGeom prst="rect">
-            <a:avLst/>
-          </a:prstGeom>
-          <a:noFill/>
-          <a:ln>
-            <a:noFill/>
-          </a:ln>
-        </p:spPr>
-        <p:txBody>
-          <a:bodyPr spcFirstLastPara="1" wrap="square" lIns="91425" tIns="91425" rIns="91425" bIns="91425" anchor="t" anchorCtr="0">
-            <a:noAutofit/>
-          </a:bodyPr>
-          <a:lstStyle/>
-          <a:p>
-            <a:pPr marL="0" lvl="0" indent="0" algn="ctr" rtl="0">
-              <a:spcBef>
-                <a:spcPts val="0"/>
-              </a:spcBef>
-              <a:spcAft>
-                <a:spcPts val="0"/>
-              </a:spcAft>
-              <a:buNone/>
-            </a:pPr>
-            <a:r>
-              <a:rPr lang="en" sz="1200"/>
-              <a:t>Fig. 1.2 from Chapter 1 of </a:t>
-            </a:r>
-            <a:r>
-              <a:rPr lang="en" sz="1200" u="sng">
-                <a:solidFill>
-                  <a:schemeClr val="hlink"/>
-                </a:solidFill>
-                <a:hlinkClick r:id="rId4"/>
-              </a:rPr>
-              <a:t>Numerical PDE Techniques for Scientists and Engineers</a:t>
-            </a:r>
-            <a:r>
-              <a:rPr lang="en" sz="1200"/>
-              <a:t> by Dinshaw Balsara</a:t>
-            </a:r>
-            <a:endParaRPr sz="1200"/>
-          </a:p>
-        </p:txBody>
-      </p:sp>
     </p:spTree>
   </p:cSld>
   <p:clrMapOvr>
@@ -8735,10 +8501,10 @@
               <a:buChar char="●"/>
             </a:pPr>
             <a:r>
-              <a:rPr lang="en" sz="1600"/>
+              <a:rPr lang="en" sz="1600" dirty="0"/>
               <a:t>Earlier we expressed the internal thermal velocity of one particle as 𝒘 and the velocity of a blob of particles (the bulk velocity) as 𝒗. Thus the total velocity vector of any particle is 𝒖 = 𝒗 + 𝒘. Without going into detail, applying Boltzmann’s ideas about ideal gases to Newton’s equations of motion, allows us to write down three equations for the time evolution of the fluid density, the momentum density, and the energy density.</a:t>
             </a:r>
-            <a:endParaRPr sz="1600"/>
+            <a:endParaRPr sz="1600" dirty="0"/>
           </a:p>
           <a:p>
             <a:pPr marL="457200" lvl="0" indent="-330200" algn="l" rtl="0">
@@ -8752,10 +8518,10 @@
               <a:buChar char="●"/>
             </a:pPr>
             <a:r>
-              <a:rPr lang="en" sz="1600"/>
+              <a:rPr lang="en" sz="1600" dirty="0"/>
               <a:t>These equations express the fact that collisions, which lie at the heart of these interactions conserve mass, momentum, and energy. These can be expressed as partial differential equations (PDEs).</a:t>
             </a:r>
-            <a:endParaRPr sz="1600"/>
+            <a:endParaRPr sz="1600" dirty="0"/>
           </a:p>
           <a:p>
             <a:pPr marL="457200" lvl="0" indent="-330200" algn="l" rtl="0">
@@ -8769,10 +8535,10 @@
               <a:buChar char="●"/>
             </a:pPr>
             <a:r>
-              <a:rPr lang="en" sz="1600"/>
+              <a:rPr lang="en" sz="1600" dirty="0"/>
               <a:t>The result is three partial differential equations in space and time:</a:t>
             </a:r>
-            <a:endParaRPr sz="1600"/>
+            <a:endParaRPr sz="1600" dirty="0"/>
           </a:p>
           <a:p>
             <a:pPr marL="914400" lvl="1" indent="-330200" algn="l" rtl="0">
@@ -8786,10 +8552,10 @@
               <a:buChar char="○"/>
             </a:pPr>
             <a:r>
-              <a:rPr lang="en" sz="1600"/>
+              <a:rPr lang="en" sz="1600" dirty="0"/>
               <a:t>The continuity equation (conserves mass)</a:t>
             </a:r>
-            <a:endParaRPr sz="1600"/>
+            <a:endParaRPr sz="1600" dirty="0"/>
           </a:p>
           <a:p>
             <a:pPr marL="914400" lvl="1" indent="-330200" algn="l" rtl="0">
@@ -8803,10 +8569,10 @@
               <a:buChar char="○"/>
             </a:pPr>
             <a:r>
-              <a:rPr lang="en" sz="1600"/>
+              <a:rPr lang="en" sz="1600" dirty="0"/>
               <a:t>The momentum equation (conserves momentum)</a:t>
             </a:r>
-            <a:endParaRPr sz="1600"/>
+            <a:endParaRPr sz="1600" dirty="0"/>
           </a:p>
           <a:p>
             <a:pPr marL="914400" lvl="1" indent="-330200" algn="l" rtl="0">
@@ -8820,10 +8586,10 @@
               <a:buChar char="○"/>
             </a:pPr>
             <a:r>
-              <a:rPr lang="en" sz="1600"/>
+              <a:rPr lang="en" sz="1600" dirty="0"/>
               <a:t>The energy equation (accounts for energy)</a:t>
             </a:r>
-            <a:endParaRPr sz="1600"/>
+            <a:endParaRPr sz="1600" dirty="0"/>
           </a:p>
         </p:txBody>
       </p:sp>
@@ -8930,13 +8696,13 @@
               <a:buChar char="●"/>
             </a:pPr>
             <a:r>
-              <a:rPr lang="en" sz="1600"/>
+              <a:rPr lang="en" sz="1600" dirty="0"/>
               <a:t>Historically, this problem was first formalized by Leonhard Euler in 1757 by ignoring the effects of fluid viscosity and thermal conductivity. The resulting PDEs are now known as the Euler Equations.</a:t>
             </a:r>
             <a:br>
-              <a:rPr lang="en" sz="1600"/>
+              <a:rPr lang="en" sz="1600" dirty="0"/>
             </a:br>
-            <a:endParaRPr sz="1600"/>
+            <a:endParaRPr sz="1600" dirty="0"/>
           </a:p>
           <a:p>
             <a:pPr marL="457200" lvl="0" indent="-323850" algn="l" rtl="0">
@@ -8950,17 +8716,13 @@
               <a:buChar char="●"/>
             </a:pPr>
             <a:r>
-              <a:rPr lang="en" sz="1600"/>
+              <a:rPr lang="en" sz="1600" dirty="0"/>
               <a:t>In 1823, Claude-Louis Navier published a memoir on the motions of fluids which could account for friction (dissipation of energy) in fluids by using Laplace’s newly formulated idea of molecular forces. Those equations were formalized as PDEs and are now known as the Navier-Stokes equations. The Euler equations are a specific case of the Navier-Stokes equations. The enterprise of fluid dynamics has been to solve the Navier-Stokes equations with certain boundary conditions using a range of analytical and numerical techniques.</a:t>
             </a:r>
-            <a:r>
-              <a:rPr lang="en" sz="1500"/>
-              <a:t/>
-            </a:r>
             <a:br>
-              <a:rPr lang="en" sz="1500"/>
+              <a:rPr lang="en" sz="1500" dirty="0"/>
             </a:br>
-            <a:endParaRPr sz="1500"/>
+            <a:endParaRPr sz="1500" dirty="0"/>
           </a:p>
         </p:txBody>
       </p:sp>
